--- a/WebProgramming.pptx
+++ b/WebProgramming.pptx
@@ -6,12 +6,13 @@
   </p:sldMasterIdLst>
   <p:sldIdLst>
     <p:sldId id="256" r:id="rId2"/>
-    <p:sldId id="257" r:id="rId3"/>
-    <p:sldId id="258" r:id="rId4"/>
-    <p:sldId id="259" r:id="rId5"/>
-    <p:sldId id="260" r:id="rId6"/>
-    <p:sldId id="261" r:id="rId7"/>
-    <p:sldId id="262" r:id="rId8"/>
+    <p:sldId id="263" r:id="rId3"/>
+    <p:sldId id="257" r:id="rId4"/>
+    <p:sldId id="258" r:id="rId5"/>
+    <p:sldId id="259" r:id="rId6"/>
+    <p:sldId id="260" r:id="rId7"/>
+    <p:sldId id="261" r:id="rId8"/>
+    <p:sldId id="262" r:id="rId9"/>
   </p:sldIdLst>
   <p:sldSz cx="12192000" cy="6858000"/>
   <p:notesSz cx="6858000" cy="9144000"/>
@@ -4394,7 +4395,7 @@
           <a:p>
             <a:fld id="{48A87A34-81AB-432B-8DAE-1953F412C126}" type="datetimeFigureOut">
               <a:rPr lang="en-US" dirty="0"/>
-              <a:t>7/4/2016</a:t>
+              <a:t>7/9/2016</a:t>
             </a:fld>
             <a:endParaRPr lang="en-US" dirty="0"/>
           </a:p>
@@ -4656,7 +4657,7 @@
           <a:p>
             <a:fld id="{48A87A34-81AB-432B-8DAE-1953F412C126}" type="datetimeFigureOut">
               <a:rPr lang="en-US" dirty="0"/>
-              <a:t>7/4/2016</a:t>
+              <a:t>7/9/2016</a:t>
             </a:fld>
             <a:endParaRPr lang="en-US" dirty="0"/>
           </a:p>
@@ -4847,7 +4848,7 @@
           <a:p>
             <a:fld id="{48A87A34-81AB-432B-8DAE-1953F412C126}" type="datetimeFigureOut">
               <a:rPr lang="en-US" dirty="0"/>
-              <a:t>7/4/2016</a:t>
+              <a:t>7/9/2016</a:t>
             </a:fld>
             <a:endParaRPr lang="en-US" dirty="0"/>
           </a:p>
@@ -5105,7 +5106,7 @@
           <a:p>
             <a:fld id="{48A87A34-81AB-432B-8DAE-1953F412C126}" type="datetimeFigureOut">
               <a:rPr lang="en-US" dirty="0"/>
-              <a:t>7/4/2016</a:t>
+              <a:t>7/9/2016</a:t>
             </a:fld>
             <a:endParaRPr lang="en-US" dirty="0"/>
           </a:p>
@@ -5534,7 +5535,7 @@
           <a:p>
             <a:fld id="{48A87A34-81AB-432B-8DAE-1953F412C126}" type="datetimeFigureOut">
               <a:rPr lang="en-US" dirty="0"/>
-              <a:t>7/4/2016</a:t>
+              <a:t>7/9/2016</a:t>
             </a:fld>
             <a:endParaRPr lang="en-US" dirty="0"/>
           </a:p>
@@ -6075,7 +6076,7 @@
           <a:p>
             <a:fld id="{48A87A34-81AB-432B-8DAE-1953F412C126}" type="datetimeFigureOut">
               <a:rPr lang="en-US" dirty="0"/>
-              <a:t>7/4/2016</a:t>
+              <a:t>7/9/2016</a:t>
             </a:fld>
             <a:endParaRPr lang="en-US" dirty="0"/>
           </a:p>
@@ -6790,7 +6791,7 @@
           <a:p>
             <a:fld id="{48A87A34-81AB-432B-8DAE-1953F412C126}" type="datetimeFigureOut">
               <a:rPr lang="en-US" dirty="0"/>
-              <a:t>7/4/2016</a:t>
+              <a:t>7/9/2016</a:t>
             </a:fld>
             <a:endParaRPr lang="en-US" dirty="0"/>
           </a:p>
@@ -6955,7 +6956,7 @@
           <a:p>
             <a:fld id="{48A87A34-81AB-432B-8DAE-1953F412C126}" type="datetimeFigureOut">
               <a:rPr lang="en-US" dirty="0"/>
-              <a:t>7/4/2016</a:t>
+              <a:t>7/9/2016</a:t>
             </a:fld>
             <a:endParaRPr lang="en-US" dirty="0"/>
           </a:p>
@@ -7130,7 +7131,7 @@
           <a:p>
             <a:fld id="{48A87A34-81AB-432B-8DAE-1953F412C126}" type="datetimeFigureOut">
               <a:rPr lang="en-US" dirty="0"/>
-              <a:t>7/4/2016</a:t>
+              <a:t>7/9/2016</a:t>
             </a:fld>
             <a:endParaRPr lang="en-US" dirty="0"/>
           </a:p>
@@ -7295,7 +7296,7 @@
           <a:p>
             <a:fld id="{48A87A34-81AB-432B-8DAE-1953F412C126}" type="datetimeFigureOut">
               <a:rPr lang="en-US" dirty="0"/>
-              <a:t>7/4/2016</a:t>
+              <a:t>7/9/2016</a:t>
             </a:fld>
             <a:endParaRPr lang="en-US" dirty="0"/>
           </a:p>
@@ -7540,7 +7541,7 @@
           <a:p>
             <a:fld id="{48A87A34-81AB-432B-8DAE-1953F412C126}" type="datetimeFigureOut">
               <a:rPr lang="en-US" dirty="0"/>
-              <a:t>7/4/2016</a:t>
+              <a:t>7/9/2016</a:t>
             </a:fld>
             <a:endParaRPr lang="en-US" dirty="0"/>
           </a:p>
@@ -7767,7 +7768,7 @@
           <a:p>
             <a:fld id="{48A87A34-81AB-432B-8DAE-1953F412C126}" type="datetimeFigureOut">
               <a:rPr lang="en-US" dirty="0"/>
-              <a:t>7/4/2016</a:t>
+              <a:t>7/9/2016</a:t>
             </a:fld>
             <a:endParaRPr lang="en-US" dirty="0"/>
           </a:p>
@@ -8143,7 +8144,7 @@
           <a:p>
             <a:fld id="{48A87A34-81AB-432B-8DAE-1953F412C126}" type="datetimeFigureOut">
               <a:rPr lang="en-US" dirty="0"/>
-              <a:t>7/4/2016</a:t>
+              <a:t>7/9/2016</a:t>
             </a:fld>
             <a:endParaRPr lang="en-US" dirty="0"/>
           </a:p>
@@ -8256,7 +8257,7 @@
           <a:p>
             <a:fld id="{48A87A34-81AB-432B-8DAE-1953F412C126}" type="datetimeFigureOut">
               <a:rPr lang="en-US" dirty="0"/>
-              <a:t>7/4/2016</a:t>
+              <a:t>7/9/2016</a:t>
             </a:fld>
             <a:endParaRPr lang="en-US" dirty="0"/>
           </a:p>
@@ -8346,7 +8347,7 @@
           <a:p>
             <a:fld id="{48A87A34-81AB-432B-8DAE-1953F412C126}" type="datetimeFigureOut">
               <a:rPr lang="en-US" dirty="0"/>
-              <a:t>7/4/2016</a:t>
+              <a:t>7/9/2016</a:t>
             </a:fld>
             <a:endParaRPr lang="en-US" dirty="0"/>
           </a:p>
@@ -8590,7 +8591,7 @@
           <a:p>
             <a:fld id="{48A87A34-81AB-432B-8DAE-1953F412C126}" type="datetimeFigureOut">
               <a:rPr lang="en-US" dirty="0"/>
-              <a:t>7/4/2016</a:t>
+              <a:t>7/9/2016</a:t>
             </a:fld>
             <a:endParaRPr lang="en-US" dirty="0"/>
           </a:p>
@@ -8865,7 +8866,7 @@
           <a:p>
             <a:fld id="{48A87A34-81AB-432B-8DAE-1953F412C126}" type="datetimeFigureOut">
               <a:rPr lang="en-US" dirty="0"/>
-              <a:t>7/4/2016</a:t>
+              <a:t>7/9/2016</a:t>
             </a:fld>
             <a:endParaRPr lang="en-US" dirty="0"/>
           </a:p>
@@ -11938,7 +11939,7 @@
             <a:fld id="{48A87A34-81AB-432B-8DAE-1953F412C126}" type="datetimeFigureOut">
               <a:rPr lang="en-US" dirty="0"/>
               <a:pPr/>
-              <a:t>7/4/2016</a:t>
+              <a:t>7/9/2016</a:t>
             </a:fld>
             <a:endParaRPr lang="en-US" dirty="0"/>
           </a:p>
@@ -12454,7 +12455,7 @@
           <a:p>
             <a:r>
               <a:rPr lang="en-US" dirty="0" smtClean="0"/>
-              <a:t>HTML</a:t>
+              <a:t>Definitions</a:t>
             </a:r>
             <a:endParaRPr lang="en-US" dirty="0"/>
           </a:p>
@@ -12472,49 +12473,26 @@
         </p:nvSpPr>
         <p:spPr/>
         <p:txBody>
-          <a:bodyPr/>
+          <a:bodyPr>
+            <a:normAutofit fontScale="92500"/>
+          </a:bodyPr>
           <a:lstStyle/>
           <a:p>
-            <a:r>
-              <a:rPr lang="en-US" dirty="0" err="1" smtClean="0"/>
-              <a:t>HyperText</a:t>
-            </a:r>
             <a:r>
               <a:rPr lang="en-US" dirty="0" smtClean="0"/>
-              <a:t> Markup </a:t>
+              <a:t>UI-  User Interface or Screen.  What you see on the screen and interact with</a:t>
             </a:r>
+          </a:p>
+          <a:p>
             <a:r>
               <a:rPr lang="en-US" dirty="0" smtClean="0"/>
-              <a:t>Language</a:t>
+              <a:t>Syntax- spelling and grammar of a programming language. The computer only understands what you are instructing it only if it’s in the exact form it expects, the expected form is the syntax</a:t>
             </a:r>
           </a:p>
           <a:p>
             <a:r>
               <a:rPr lang="en-US" dirty="0" smtClean="0"/>
-              <a:t>Introduced in 1990</a:t>
-            </a:r>
-            <a:endParaRPr lang="en-US" dirty="0" smtClean="0"/>
-          </a:p>
-          <a:p>
-            <a:r>
-              <a:rPr lang="en-US" dirty="0" smtClean="0"/>
-              <a:t>Hidden </a:t>
-            </a:r>
-            <a:r>
-              <a:rPr lang="en-US" dirty="0" smtClean="0"/>
-              <a:t>Code</a:t>
-            </a:r>
-          </a:p>
-          <a:p>
-            <a:r>
-              <a:rPr lang="en-US" dirty="0" smtClean="0"/>
-              <a:t>Any text editor </a:t>
-            </a:r>
-          </a:p>
-          <a:p>
-            <a:r>
-              <a:rPr lang="en-US" dirty="0" smtClean="0"/>
-              <a:t>IDE – Integrated Development Environment</a:t>
+              <a:t>IDE- Integrated Development Environment. Lots of software tools to help you build software applications.</a:t>
             </a:r>
             <a:endParaRPr lang="en-US" dirty="0"/>
           </a:p>
@@ -12523,7 +12501,7 @@
     </p:spTree>
     <p:extLst>
       <p:ext uri="{BB962C8B-B14F-4D97-AF65-F5344CB8AC3E}">
-        <p14:creationId xmlns:p14="http://schemas.microsoft.com/office/powerpoint/2010/main" val="3336722808"/>
+        <p14:creationId xmlns:p14="http://schemas.microsoft.com/office/powerpoint/2010/main" val="1291062783"/>
       </p:ext>
     </p:extLst>
   </p:cSld>
@@ -12533,7 +12511,375 @@
   <p:timing>
     <p:tnLst>
       <p:par>
-        <p:cTn id="1" dur="indefinite" restart="never" nodeType="tmRoot"/>
+        <p:cTn id="1" dur="indefinite" restart="never" nodeType="tmRoot">
+          <p:childTnLst>
+            <p:seq concurrent="1" nextAc="seek">
+              <p:cTn id="2" dur="indefinite" nodeType="mainSeq">
+                <p:childTnLst>
+                  <p:par>
+                    <p:cTn id="3" fill="hold">
+                      <p:stCondLst>
+                        <p:cond delay="indefinite"/>
+                      </p:stCondLst>
+                      <p:childTnLst>
+                        <p:par>
+                          <p:cTn id="4" fill="hold">
+                            <p:stCondLst>
+                              <p:cond delay="0"/>
+                            </p:stCondLst>
+                            <p:childTnLst>
+                              <p:par>
+                                <p:cTn id="5" presetID="42" presetClass="entr" presetSubtype="0" fill="hold" nodeType="clickEffect">
+                                  <p:stCondLst>
+                                    <p:cond delay="0"/>
+                                  </p:stCondLst>
+                                  <p:childTnLst>
+                                    <p:set>
+                                      <p:cBhvr>
+                                        <p:cTn id="6" dur="1" fill="hold">
+                                          <p:stCondLst>
+                                            <p:cond delay="0"/>
+                                          </p:stCondLst>
+                                        </p:cTn>
+                                        <p:tgtEl>
+                                          <p:spTgt spid="3">
+                                            <p:txEl>
+                                              <p:pRg st="0" end="0"/>
+                                            </p:txEl>
+                                          </p:spTgt>
+                                        </p:tgtEl>
+                                        <p:attrNameLst>
+                                          <p:attrName>style.visibility</p:attrName>
+                                        </p:attrNameLst>
+                                      </p:cBhvr>
+                                      <p:to>
+                                        <p:strVal val="visible"/>
+                                      </p:to>
+                                    </p:set>
+                                    <p:animEffect transition="in" filter="fade">
+                                      <p:cBhvr>
+                                        <p:cTn id="7" dur="1000"/>
+                                        <p:tgtEl>
+                                          <p:spTgt spid="3">
+                                            <p:txEl>
+                                              <p:pRg st="0" end="0"/>
+                                            </p:txEl>
+                                          </p:spTgt>
+                                        </p:tgtEl>
+                                      </p:cBhvr>
+                                    </p:animEffect>
+                                    <p:anim calcmode="lin" valueType="num">
+                                      <p:cBhvr>
+                                        <p:cTn id="8" dur="1000" fill="hold"/>
+                                        <p:tgtEl>
+                                          <p:spTgt spid="3">
+                                            <p:txEl>
+                                              <p:pRg st="0" end="0"/>
+                                            </p:txEl>
+                                          </p:spTgt>
+                                        </p:tgtEl>
+                                        <p:attrNameLst>
+                                          <p:attrName>ppt_x</p:attrName>
+                                        </p:attrNameLst>
+                                      </p:cBhvr>
+                                      <p:tavLst>
+                                        <p:tav tm="0">
+                                          <p:val>
+                                            <p:strVal val="#ppt_x"/>
+                                          </p:val>
+                                        </p:tav>
+                                        <p:tav tm="100000">
+                                          <p:val>
+                                            <p:strVal val="#ppt_x"/>
+                                          </p:val>
+                                        </p:tav>
+                                      </p:tavLst>
+                                    </p:anim>
+                                    <p:anim calcmode="lin" valueType="num">
+                                      <p:cBhvr>
+                                        <p:cTn id="9" dur="1000" fill="hold"/>
+                                        <p:tgtEl>
+                                          <p:spTgt spid="3">
+                                            <p:txEl>
+                                              <p:pRg st="0" end="0"/>
+                                            </p:txEl>
+                                          </p:spTgt>
+                                        </p:tgtEl>
+                                        <p:attrNameLst>
+                                          <p:attrName>ppt_y</p:attrName>
+                                        </p:attrNameLst>
+                                      </p:cBhvr>
+                                      <p:tavLst>
+                                        <p:tav tm="0">
+                                          <p:val>
+                                            <p:strVal val="#ppt_y+.1"/>
+                                          </p:val>
+                                        </p:tav>
+                                        <p:tav tm="100000">
+                                          <p:val>
+                                            <p:strVal val="#ppt_y"/>
+                                          </p:val>
+                                        </p:tav>
+                                      </p:tavLst>
+                                    </p:anim>
+                                  </p:childTnLst>
+                                </p:cTn>
+                              </p:par>
+                            </p:childTnLst>
+                          </p:cTn>
+                        </p:par>
+                      </p:childTnLst>
+                    </p:cTn>
+                  </p:par>
+                  <p:par>
+                    <p:cTn id="10" fill="hold">
+                      <p:stCondLst>
+                        <p:cond delay="indefinite"/>
+                      </p:stCondLst>
+                      <p:childTnLst>
+                        <p:par>
+                          <p:cTn id="11" fill="hold">
+                            <p:stCondLst>
+                              <p:cond delay="0"/>
+                            </p:stCondLst>
+                            <p:childTnLst>
+                              <p:par>
+                                <p:cTn id="12" presetID="42" presetClass="entr" presetSubtype="0" fill="hold" nodeType="clickEffect">
+                                  <p:stCondLst>
+                                    <p:cond delay="0"/>
+                                  </p:stCondLst>
+                                  <p:childTnLst>
+                                    <p:set>
+                                      <p:cBhvr>
+                                        <p:cTn id="13" dur="1" fill="hold">
+                                          <p:stCondLst>
+                                            <p:cond delay="0"/>
+                                          </p:stCondLst>
+                                        </p:cTn>
+                                        <p:tgtEl>
+                                          <p:spTgt spid="3">
+                                            <p:txEl>
+                                              <p:pRg st="1" end="1"/>
+                                            </p:txEl>
+                                          </p:spTgt>
+                                        </p:tgtEl>
+                                        <p:attrNameLst>
+                                          <p:attrName>style.visibility</p:attrName>
+                                        </p:attrNameLst>
+                                      </p:cBhvr>
+                                      <p:to>
+                                        <p:strVal val="visible"/>
+                                      </p:to>
+                                    </p:set>
+                                    <p:animEffect transition="in" filter="fade">
+                                      <p:cBhvr>
+                                        <p:cTn id="14" dur="1000"/>
+                                        <p:tgtEl>
+                                          <p:spTgt spid="3">
+                                            <p:txEl>
+                                              <p:pRg st="1" end="1"/>
+                                            </p:txEl>
+                                          </p:spTgt>
+                                        </p:tgtEl>
+                                      </p:cBhvr>
+                                    </p:animEffect>
+                                    <p:anim calcmode="lin" valueType="num">
+                                      <p:cBhvr>
+                                        <p:cTn id="15" dur="1000" fill="hold"/>
+                                        <p:tgtEl>
+                                          <p:spTgt spid="3">
+                                            <p:txEl>
+                                              <p:pRg st="1" end="1"/>
+                                            </p:txEl>
+                                          </p:spTgt>
+                                        </p:tgtEl>
+                                        <p:attrNameLst>
+                                          <p:attrName>ppt_x</p:attrName>
+                                        </p:attrNameLst>
+                                      </p:cBhvr>
+                                      <p:tavLst>
+                                        <p:tav tm="0">
+                                          <p:val>
+                                            <p:strVal val="#ppt_x"/>
+                                          </p:val>
+                                        </p:tav>
+                                        <p:tav tm="100000">
+                                          <p:val>
+                                            <p:strVal val="#ppt_x"/>
+                                          </p:val>
+                                        </p:tav>
+                                      </p:tavLst>
+                                    </p:anim>
+                                    <p:anim calcmode="lin" valueType="num">
+                                      <p:cBhvr>
+                                        <p:cTn id="16" dur="1000" fill="hold"/>
+                                        <p:tgtEl>
+                                          <p:spTgt spid="3">
+                                            <p:txEl>
+                                              <p:pRg st="1" end="1"/>
+                                            </p:txEl>
+                                          </p:spTgt>
+                                        </p:tgtEl>
+                                        <p:attrNameLst>
+                                          <p:attrName>ppt_y</p:attrName>
+                                        </p:attrNameLst>
+                                      </p:cBhvr>
+                                      <p:tavLst>
+                                        <p:tav tm="0">
+                                          <p:val>
+                                            <p:strVal val="#ppt_y+.1"/>
+                                          </p:val>
+                                        </p:tav>
+                                        <p:tav tm="100000">
+                                          <p:val>
+                                            <p:strVal val="#ppt_y"/>
+                                          </p:val>
+                                        </p:tav>
+                                      </p:tavLst>
+                                    </p:anim>
+                                  </p:childTnLst>
+                                </p:cTn>
+                              </p:par>
+                            </p:childTnLst>
+                          </p:cTn>
+                        </p:par>
+                      </p:childTnLst>
+                    </p:cTn>
+                  </p:par>
+                  <p:par>
+                    <p:cTn id="17" fill="hold">
+                      <p:stCondLst>
+                        <p:cond delay="indefinite"/>
+                      </p:stCondLst>
+                      <p:childTnLst>
+                        <p:par>
+                          <p:cTn id="18" fill="hold">
+                            <p:stCondLst>
+                              <p:cond delay="0"/>
+                            </p:stCondLst>
+                            <p:childTnLst>
+                              <p:par>
+                                <p:cTn id="19" presetID="42" presetClass="entr" presetSubtype="0" fill="hold" nodeType="clickEffect">
+                                  <p:stCondLst>
+                                    <p:cond delay="0"/>
+                                  </p:stCondLst>
+                                  <p:childTnLst>
+                                    <p:set>
+                                      <p:cBhvr>
+                                        <p:cTn id="20" dur="1" fill="hold">
+                                          <p:stCondLst>
+                                            <p:cond delay="0"/>
+                                          </p:stCondLst>
+                                        </p:cTn>
+                                        <p:tgtEl>
+                                          <p:spTgt spid="3">
+                                            <p:txEl>
+                                              <p:pRg st="2" end="2"/>
+                                            </p:txEl>
+                                          </p:spTgt>
+                                        </p:tgtEl>
+                                        <p:attrNameLst>
+                                          <p:attrName>style.visibility</p:attrName>
+                                        </p:attrNameLst>
+                                      </p:cBhvr>
+                                      <p:to>
+                                        <p:strVal val="visible"/>
+                                      </p:to>
+                                    </p:set>
+                                    <p:animEffect transition="in" filter="fade">
+                                      <p:cBhvr>
+                                        <p:cTn id="21" dur="1000"/>
+                                        <p:tgtEl>
+                                          <p:spTgt spid="3">
+                                            <p:txEl>
+                                              <p:pRg st="2" end="2"/>
+                                            </p:txEl>
+                                          </p:spTgt>
+                                        </p:tgtEl>
+                                      </p:cBhvr>
+                                    </p:animEffect>
+                                    <p:anim calcmode="lin" valueType="num">
+                                      <p:cBhvr>
+                                        <p:cTn id="22" dur="1000" fill="hold"/>
+                                        <p:tgtEl>
+                                          <p:spTgt spid="3">
+                                            <p:txEl>
+                                              <p:pRg st="2" end="2"/>
+                                            </p:txEl>
+                                          </p:spTgt>
+                                        </p:tgtEl>
+                                        <p:attrNameLst>
+                                          <p:attrName>ppt_x</p:attrName>
+                                        </p:attrNameLst>
+                                      </p:cBhvr>
+                                      <p:tavLst>
+                                        <p:tav tm="0">
+                                          <p:val>
+                                            <p:strVal val="#ppt_x"/>
+                                          </p:val>
+                                        </p:tav>
+                                        <p:tav tm="100000">
+                                          <p:val>
+                                            <p:strVal val="#ppt_x"/>
+                                          </p:val>
+                                        </p:tav>
+                                      </p:tavLst>
+                                    </p:anim>
+                                    <p:anim calcmode="lin" valueType="num">
+                                      <p:cBhvr>
+                                        <p:cTn id="23" dur="1000" fill="hold"/>
+                                        <p:tgtEl>
+                                          <p:spTgt spid="3">
+                                            <p:txEl>
+                                              <p:pRg st="2" end="2"/>
+                                            </p:txEl>
+                                          </p:spTgt>
+                                        </p:tgtEl>
+                                        <p:attrNameLst>
+                                          <p:attrName>ppt_y</p:attrName>
+                                        </p:attrNameLst>
+                                      </p:cBhvr>
+                                      <p:tavLst>
+                                        <p:tav tm="0">
+                                          <p:val>
+                                            <p:strVal val="#ppt_y+.1"/>
+                                          </p:val>
+                                        </p:tav>
+                                        <p:tav tm="100000">
+                                          <p:val>
+                                            <p:strVal val="#ppt_y"/>
+                                          </p:val>
+                                        </p:tav>
+                                      </p:tavLst>
+                                    </p:anim>
+                                  </p:childTnLst>
+                                </p:cTn>
+                              </p:par>
+                            </p:childTnLst>
+                          </p:cTn>
+                        </p:par>
+                      </p:childTnLst>
+                    </p:cTn>
+                  </p:par>
+                </p:childTnLst>
+              </p:cTn>
+              <p:prevCondLst>
+                <p:cond evt="onPrev" delay="0">
+                  <p:tgtEl>
+                    <p:sldTgt/>
+                  </p:tgtEl>
+                </p:cond>
+              </p:prevCondLst>
+              <p:nextCondLst>
+                <p:cond evt="onNext" delay="0">
+                  <p:tgtEl>
+                    <p:sldTgt/>
+                  </p:tgtEl>
+                </p:cond>
+              </p:nextCondLst>
+            </p:seq>
+          </p:childTnLst>
+        </p:cTn>
       </p:par>
     </p:tnLst>
   </p:timing>
@@ -12574,7 +12920,7 @@
           <a:p>
             <a:r>
               <a:rPr lang="en-US" dirty="0" smtClean="0"/>
-              <a:t>HTML Tags</a:t>
+              <a:t>HTML</a:t>
             </a:r>
             <a:endParaRPr lang="en-US" dirty="0"/>
           </a:p>
@@ -12596,55 +12942,37 @@
           <a:lstStyle/>
           <a:p>
             <a:r>
-              <a:rPr lang="en-US" dirty="0" smtClean="0"/>
-              <a:t>Tags or Elements</a:t>
-            </a:r>
-          </a:p>
-          <a:p>
-            <a:r>
-              <a:rPr lang="en-US" dirty="0" smtClean="0"/>
-              <a:t>Give the browser instructions on what and how to display</a:t>
-            </a:r>
-          </a:p>
-          <a:p>
-            <a:r>
-              <a:rPr lang="en-US" dirty="0" smtClean="0"/>
-              <a:t>Opening and Closing Tags</a:t>
-            </a:r>
-          </a:p>
-          <a:p>
-            <a:r>
-              <a:rPr lang="en-US" dirty="0" smtClean="0"/>
-              <a:t>&lt;div&gt;stuff goes inside here  &lt;</a:t>
-            </a:r>
-            <a:r>
-              <a:rPr lang="en-US" b="1" dirty="0" smtClean="0">
-                <a:solidFill>
-                  <a:srgbClr val="FFFF00"/>
-                </a:solidFill>
-              </a:rPr>
-              <a:t>/</a:t>
+              <a:rPr lang="en-US" dirty="0" err="1" smtClean="0"/>
+              <a:t>HyperText</a:t>
             </a:r>
             <a:r>
               <a:rPr lang="en-US" dirty="0" smtClean="0"/>
-              <a:t>div&gt;</a:t>
+              <a:t> Markup Language</a:t>
             </a:r>
           </a:p>
           <a:p>
             <a:r>
               <a:rPr lang="en-US" dirty="0" smtClean="0"/>
-              <a:t>Self closing tags-  &lt;</a:t>
+              <a:t>Introduced in 1990</a:t>
             </a:r>
-            <a:r>
-              <a:rPr lang="en-US" dirty="0" err="1" smtClean="0"/>
-              <a:t>br</a:t>
-            </a:r>
+          </a:p>
+          <a:p>
             <a:r>
               <a:rPr lang="en-US" dirty="0" smtClean="0"/>
-              <a:t>/&gt;</a:t>
+              <a:t>Hidden Code</a:t>
             </a:r>
           </a:p>
           <a:p>
+            <a:r>
+              <a:rPr lang="en-US" dirty="0" smtClean="0"/>
+              <a:t>Any text editor </a:t>
+            </a:r>
+          </a:p>
+          <a:p>
+            <a:r>
+              <a:rPr lang="en-US" dirty="0" smtClean="0"/>
+              <a:t>IDE – Integrated Development Environment</a:t>
+            </a:r>
             <a:endParaRPr lang="en-US" dirty="0"/>
           </a:p>
         </p:txBody>
@@ -12652,7 +12980,7 @@
     </p:spTree>
     <p:extLst>
       <p:ext uri="{BB962C8B-B14F-4D97-AF65-F5344CB8AC3E}">
-        <p14:creationId xmlns:p14="http://schemas.microsoft.com/office/powerpoint/2010/main" val="2177775093"/>
+        <p14:creationId xmlns:p14="http://schemas.microsoft.com/office/powerpoint/2010/main" val="3336722808"/>
       </p:ext>
     </p:extLst>
   </p:cSld>
@@ -12662,7 +12990,605 @@
   <p:timing>
     <p:tnLst>
       <p:par>
-        <p:cTn id="1" dur="indefinite" restart="never" nodeType="tmRoot"/>
+        <p:cTn id="1" dur="indefinite" restart="never" nodeType="tmRoot">
+          <p:childTnLst>
+            <p:seq concurrent="1" nextAc="seek">
+              <p:cTn id="2" dur="indefinite" nodeType="mainSeq">
+                <p:childTnLst>
+                  <p:par>
+                    <p:cTn id="3" fill="hold">
+                      <p:stCondLst>
+                        <p:cond delay="indefinite"/>
+                      </p:stCondLst>
+                      <p:childTnLst>
+                        <p:par>
+                          <p:cTn id="4" fill="hold">
+                            <p:stCondLst>
+                              <p:cond delay="0"/>
+                            </p:stCondLst>
+                            <p:childTnLst>
+                              <p:par>
+                                <p:cTn id="5" presetID="42" presetClass="entr" presetSubtype="0" fill="hold" nodeType="clickEffect">
+                                  <p:stCondLst>
+                                    <p:cond delay="0"/>
+                                  </p:stCondLst>
+                                  <p:childTnLst>
+                                    <p:set>
+                                      <p:cBhvr>
+                                        <p:cTn id="6" dur="1" fill="hold">
+                                          <p:stCondLst>
+                                            <p:cond delay="0"/>
+                                          </p:stCondLst>
+                                        </p:cTn>
+                                        <p:tgtEl>
+                                          <p:spTgt spid="3">
+                                            <p:txEl>
+                                              <p:pRg st="0" end="0"/>
+                                            </p:txEl>
+                                          </p:spTgt>
+                                        </p:tgtEl>
+                                        <p:attrNameLst>
+                                          <p:attrName>style.visibility</p:attrName>
+                                        </p:attrNameLst>
+                                      </p:cBhvr>
+                                      <p:to>
+                                        <p:strVal val="visible"/>
+                                      </p:to>
+                                    </p:set>
+                                    <p:animEffect transition="in" filter="fade">
+                                      <p:cBhvr>
+                                        <p:cTn id="7" dur="1000"/>
+                                        <p:tgtEl>
+                                          <p:spTgt spid="3">
+                                            <p:txEl>
+                                              <p:pRg st="0" end="0"/>
+                                            </p:txEl>
+                                          </p:spTgt>
+                                        </p:tgtEl>
+                                      </p:cBhvr>
+                                    </p:animEffect>
+                                    <p:anim calcmode="lin" valueType="num">
+                                      <p:cBhvr>
+                                        <p:cTn id="8" dur="1000" fill="hold"/>
+                                        <p:tgtEl>
+                                          <p:spTgt spid="3">
+                                            <p:txEl>
+                                              <p:pRg st="0" end="0"/>
+                                            </p:txEl>
+                                          </p:spTgt>
+                                        </p:tgtEl>
+                                        <p:attrNameLst>
+                                          <p:attrName>ppt_x</p:attrName>
+                                        </p:attrNameLst>
+                                      </p:cBhvr>
+                                      <p:tavLst>
+                                        <p:tav tm="0">
+                                          <p:val>
+                                            <p:strVal val="#ppt_x"/>
+                                          </p:val>
+                                        </p:tav>
+                                        <p:tav tm="100000">
+                                          <p:val>
+                                            <p:strVal val="#ppt_x"/>
+                                          </p:val>
+                                        </p:tav>
+                                      </p:tavLst>
+                                    </p:anim>
+                                    <p:anim calcmode="lin" valueType="num">
+                                      <p:cBhvr>
+                                        <p:cTn id="9" dur="1000" fill="hold"/>
+                                        <p:tgtEl>
+                                          <p:spTgt spid="3">
+                                            <p:txEl>
+                                              <p:pRg st="0" end="0"/>
+                                            </p:txEl>
+                                          </p:spTgt>
+                                        </p:tgtEl>
+                                        <p:attrNameLst>
+                                          <p:attrName>ppt_y</p:attrName>
+                                        </p:attrNameLst>
+                                      </p:cBhvr>
+                                      <p:tavLst>
+                                        <p:tav tm="0">
+                                          <p:val>
+                                            <p:strVal val="#ppt_y+.1"/>
+                                          </p:val>
+                                        </p:tav>
+                                        <p:tav tm="100000">
+                                          <p:val>
+                                            <p:strVal val="#ppt_y"/>
+                                          </p:val>
+                                        </p:tav>
+                                      </p:tavLst>
+                                    </p:anim>
+                                  </p:childTnLst>
+                                </p:cTn>
+                              </p:par>
+                            </p:childTnLst>
+                          </p:cTn>
+                        </p:par>
+                      </p:childTnLst>
+                    </p:cTn>
+                  </p:par>
+                  <p:par>
+                    <p:cTn id="10" fill="hold">
+                      <p:stCondLst>
+                        <p:cond delay="indefinite"/>
+                      </p:stCondLst>
+                      <p:childTnLst>
+                        <p:par>
+                          <p:cTn id="11" fill="hold">
+                            <p:stCondLst>
+                              <p:cond delay="0"/>
+                            </p:stCondLst>
+                            <p:childTnLst>
+                              <p:par>
+                                <p:cTn id="12" presetID="42" presetClass="entr" presetSubtype="0" fill="hold" nodeType="clickEffect">
+                                  <p:stCondLst>
+                                    <p:cond delay="0"/>
+                                  </p:stCondLst>
+                                  <p:childTnLst>
+                                    <p:set>
+                                      <p:cBhvr>
+                                        <p:cTn id="13" dur="1" fill="hold">
+                                          <p:stCondLst>
+                                            <p:cond delay="0"/>
+                                          </p:stCondLst>
+                                        </p:cTn>
+                                        <p:tgtEl>
+                                          <p:spTgt spid="3">
+                                            <p:txEl>
+                                              <p:pRg st="1" end="1"/>
+                                            </p:txEl>
+                                          </p:spTgt>
+                                        </p:tgtEl>
+                                        <p:attrNameLst>
+                                          <p:attrName>style.visibility</p:attrName>
+                                        </p:attrNameLst>
+                                      </p:cBhvr>
+                                      <p:to>
+                                        <p:strVal val="visible"/>
+                                      </p:to>
+                                    </p:set>
+                                    <p:animEffect transition="in" filter="fade">
+                                      <p:cBhvr>
+                                        <p:cTn id="14" dur="1000"/>
+                                        <p:tgtEl>
+                                          <p:spTgt spid="3">
+                                            <p:txEl>
+                                              <p:pRg st="1" end="1"/>
+                                            </p:txEl>
+                                          </p:spTgt>
+                                        </p:tgtEl>
+                                      </p:cBhvr>
+                                    </p:animEffect>
+                                    <p:anim calcmode="lin" valueType="num">
+                                      <p:cBhvr>
+                                        <p:cTn id="15" dur="1000" fill="hold"/>
+                                        <p:tgtEl>
+                                          <p:spTgt spid="3">
+                                            <p:txEl>
+                                              <p:pRg st="1" end="1"/>
+                                            </p:txEl>
+                                          </p:spTgt>
+                                        </p:tgtEl>
+                                        <p:attrNameLst>
+                                          <p:attrName>ppt_x</p:attrName>
+                                        </p:attrNameLst>
+                                      </p:cBhvr>
+                                      <p:tavLst>
+                                        <p:tav tm="0">
+                                          <p:val>
+                                            <p:strVal val="#ppt_x"/>
+                                          </p:val>
+                                        </p:tav>
+                                        <p:tav tm="100000">
+                                          <p:val>
+                                            <p:strVal val="#ppt_x"/>
+                                          </p:val>
+                                        </p:tav>
+                                      </p:tavLst>
+                                    </p:anim>
+                                    <p:anim calcmode="lin" valueType="num">
+                                      <p:cBhvr>
+                                        <p:cTn id="16" dur="1000" fill="hold"/>
+                                        <p:tgtEl>
+                                          <p:spTgt spid="3">
+                                            <p:txEl>
+                                              <p:pRg st="1" end="1"/>
+                                            </p:txEl>
+                                          </p:spTgt>
+                                        </p:tgtEl>
+                                        <p:attrNameLst>
+                                          <p:attrName>ppt_y</p:attrName>
+                                        </p:attrNameLst>
+                                      </p:cBhvr>
+                                      <p:tavLst>
+                                        <p:tav tm="0">
+                                          <p:val>
+                                            <p:strVal val="#ppt_y+.1"/>
+                                          </p:val>
+                                        </p:tav>
+                                        <p:tav tm="100000">
+                                          <p:val>
+                                            <p:strVal val="#ppt_y"/>
+                                          </p:val>
+                                        </p:tav>
+                                      </p:tavLst>
+                                    </p:anim>
+                                  </p:childTnLst>
+                                </p:cTn>
+                              </p:par>
+                            </p:childTnLst>
+                          </p:cTn>
+                        </p:par>
+                      </p:childTnLst>
+                    </p:cTn>
+                  </p:par>
+                  <p:par>
+                    <p:cTn id="17" fill="hold">
+                      <p:stCondLst>
+                        <p:cond delay="indefinite"/>
+                      </p:stCondLst>
+                      <p:childTnLst>
+                        <p:par>
+                          <p:cTn id="18" fill="hold">
+                            <p:stCondLst>
+                              <p:cond delay="0"/>
+                            </p:stCondLst>
+                            <p:childTnLst>
+                              <p:par>
+                                <p:cTn id="19" presetID="42" presetClass="entr" presetSubtype="0" fill="hold" nodeType="clickEffect">
+                                  <p:stCondLst>
+                                    <p:cond delay="0"/>
+                                  </p:stCondLst>
+                                  <p:childTnLst>
+                                    <p:set>
+                                      <p:cBhvr>
+                                        <p:cTn id="20" dur="1" fill="hold">
+                                          <p:stCondLst>
+                                            <p:cond delay="0"/>
+                                          </p:stCondLst>
+                                        </p:cTn>
+                                        <p:tgtEl>
+                                          <p:spTgt spid="3">
+                                            <p:txEl>
+                                              <p:pRg st="2" end="2"/>
+                                            </p:txEl>
+                                          </p:spTgt>
+                                        </p:tgtEl>
+                                        <p:attrNameLst>
+                                          <p:attrName>style.visibility</p:attrName>
+                                        </p:attrNameLst>
+                                      </p:cBhvr>
+                                      <p:to>
+                                        <p:strVal val="visible"/>
+                                      </p:to>
+                                    </p:set>
+                                    <p:animEffect transition="in" filter="fade">
+                                      <p:cBhvr>
+                                        <p:cTn id="21" dur="1000"/>
+                                        <p:tgtEl>
+                                          <p:spTgt spid="3">
+                                            <p:txEl>
+                                              <p:pRg st="2" end="2"/>
+                                            </p:txEl>
+                                          </p:spTgt>
+                                        </p:tgtEl>
+                                      </p:cBhvr>
+                                    </p:animEffect>
+                                    <p:anim calcmode="lin" valueType="num">
+                                      <p:cBhvr>
+                                        <p:cTn id="22" dur="1000" fill="hold"/>
+                                        <p:tgtEl>
+                                          <p:spTgt spid="3">
+                                            <p:txEl>
+                                              <p:pRg st="2" end="2"/>
+                                            </p:txEl>
+                                          </p:spTgt>
+                                        </p:tgtEl>
+                                        <p:attrNameLst>
+                                          <p:attrName>ppt_x</p:attrName>
+                                        </p:attrNameLst>
+                                      </p:cBhvr>
+                                      <p:tavLst>
+                                        <p:tav tm="0">
+                                          <p:val>
+                                            <p:strVal val="#ppt_x"/>
+                                          </p:val>
+                                        </p:tav>
+                                        <p:tav tm="100000">
+                                          <p:val>
+                                            <p:strVal val="#ppt_x"/>
+                                          </p:val>
+                                        </p:tav>
+                                      </p:tavLst>
+                                    </p:anim>
+                                    <p:anim calcmode="lin" valueType="num">
+                                      <p:cBhvr>
+                                        <p:cTn id="23" dur="1000" fill="hold"/>
+                                        <p:tgtEl>
+                                          <p:spTgt spid="3">
+                                            <p:txEl>
+                                              <p:pRg st="2" end="2"/>
+                                            </p:txEl>
+                                          </p:spTgt>
+                                        </p:tgtEl>
+                                        <p:attrNameLst>
+                                          <p:attrName>ppt_y</p:attrName>
+                                        </p:attrNameLst>
+                                      </p:cBhvr>
+                                      <p:tavLst>
+                                        <p:tav tm="0">
+                                          <p:val>
+                                            <p:strVal val="#ppt_y+.1"/>
+                                          </p:val>
+                                        </p:tav>
+                                        <p:tav tm="100000">
+                                          <p:val>
+                                            <p:strVal val="#ppt_y"/>
+                                          </p:val>
+                                        </p:tav>
+                                      </p:tavLst>
+                                    </p:anim>
+                                  </p:childTnLst>
+                                </p:cTn>
+                              </p:par>
+                            </p:childTnLst>
+                          </p:cTn>
+                        </p:par>
+                      </p:childTnLst>
+                    </p:cTn>
+                  </p:par>
+                  <p:par>
+                    <p:cTn id="24" fill="hold">
+                      <p:stCondLst>
+                        <p:cond delay="indefinite"/>
+                      </p:stCondLst>
+                      <p:childTnLst>
+                        <p:par>
+                          <p:cTn id="25" fill="hold">
+                            <p:stCondLst>
+                              <p:cond delay="0"/>
+                            </p:stCondLst>
+                            <p:childTnLst>
+                              <p:par>
+                                <p:cTn id="26" presetID="42" presetClass="entr" presetSubtype="0" fill="hold" nodeType="clickEffect">
+                                  <p:stCondLst>
+                                    <p:cond delay="0"/>
+                                  </p:stCondLst>
+                                  <p:childTnLst>
+                                    <p:set>
+                                      <p:cBhvr>
+                                        <p:cTn id="27" dur="1" fill="hold">
+                                          <p:stCondLst>
+                                            <p:cond delay="0"/>
+                                          </p:stCondLst>
+                                        </p:cTn>
+                                        <p:tgtEl>
+                                          <p:spTgt spid="3">
+                                            <p:txEl>
+                                              <p:pRg st="3" end="3"/>
+                                            </p:txEl>
+                                          </p:spTgt>
+                                        </p:tgtEl>
+                                        <p:attrNameLst>
+                                          <p:attrName>style.visibility</p:attrName>
+                                        </p:attrNameLst>
+                                      </p:cBhvr>
+                                      <p:to>
+                                        <p:strVal val="visible"/>
+                                      </p:to>
+                                    </p:set>
+                                    <p:animEffect transition="in" filter="fade">
+                                      <p:cBhvr>
+                                        <p:cTn id="28" dur="1000"/>
+                                        <p:tgtEl>
+                                          <p:spTgt spid="3">
+                                            <p:txEl>
+                                              <p:pRg st="3" end="3"/>
+                                            </p:txEl>
+                                          </p:spTgt>
+                                        </p:tgtEl>
+                                      </p:cBhvr>
+                                    </p:animEffect>
+                                    <p:anim calcmode="lin" valueType="num">
+                                      <p:cBhvr>
+                                        <p:cTn id="29" dur="1000" fill="hold"/>
+                                        <p:tgtEl>
+                                          <p:spTgt spid="3">
+                                            <p:txEl>
+                                              <p:pRg st="3" end="3"/>
+                                            </p:txEl>
+                                          </p:spTgt>
+                                        </p:tgtEl>
+                                        <p:attrNameLst>
+                                          <p:attrName>ppt_x</p:attrName>
+                                        </p:attrNameLst>
+                                      </p:cBhvr>
+                                      <p:tavLst>
+                                        <p:tav tm="0">
+                                          <p:val>
+                                            <p:strVal val="#ppt_x"/>
+                                          </p:val>
+                                        </p:tav>
+                                        <p:tav tm="100000">
+                                          <p:val>
+                                            <p:strVal val="#ppt_x"/>
+                                          </p:val>
+                                        </p:tav>
+                                      </p:tavLst>
+                                    </p:anim>
+                                    <p:anim calcmode="lin" valueType="num">
+                                      <p:cBhvr>
+                                        <p:cTn id="30" dur="1000" fill="hold"/>
+                                        <p:tgtEl>
+                                          <p:spTgt spid="3">
+                                            <p:txEl>
+                                              <p:pRg st="3" end="3"/>
+                                            </p:txEl>
+                                          </p:spTgt>
+                                        </p:tgtEl>
+                                        <p:attrNameLst>
+                                          <p:attrName>ppt_y</p:attrName>
+                                        </p:attrNameLst>
+                                      </p:cBhvr>
+                                      <p:tavLst>
+                                        <p:tav tm="0">
+                                          <p:val>
+                                            <p:strVal val="#ppt_y+.1"/>
+                                          </p:val>
+                                        </p:tav>
+                                        <p:tav tm="100000">
+                                          <p:val>
+                                            <p:strVal val="#ppt_y"/>
+                                          </p:val>
+                                        </p:tav>
+                                      </p:tavLst>
+                                    </p:anim>
+                                  </p:childTnLst>
+                                </p:cTn>
+                              </p:par>
+                            </p:childTnLst>
+                          </p:cTn>
+                        </p:par>
+                      </p:childTnLst>
+                    </p:cTn>
+                  </p:par>
+                  <p:par>
+                    <p:cTn id="31" fill="hold">
+                      <p:stCondLst>
+                        <p:cond delay="indefinite"/>
+                      </p:stCondLst>
+                      <p:childTnLst>
+                        <p:par>
+                          <p:cTn id="32" fill="hold">
+                            <p:stCondLst>
+                              <p:cond delay="0"/>
+                            </p:stCondLst>
+                            <p:childTnLst>
+                              <p:par>
+                                <p:cTn id="33" presetID="42" presetClass="entr" presetSubtype="0" fill="hold" nodeType="clickEffect">
+                                  <p:stCondLst>
+                                    <p:cond delay="0"/>
+                                  </p:stCondLst>
+                                  <p:childTnLst>
+                                    <p:set>
+                                      <p:cBhvr>
+                                        <p:cTn id="34" dur="1" fill="hold">
+                                          <p:stCondLst>
+                                            <p:cond delay="0"/>
+                                          </p:stCondLst>
+                                        </p:cTn>
+                                        <p:tgtEl>
+                                          <p:spTgt spid="3">
+                                            <p:txEl>
+                                              <p:pRg st="4" end="4"/>
+                                            </p:txEl>
+                                          </p:spTgt>
+                                        </p:tgtEl>
+                                        <p:attrNameLst>
+                                          <p:attrName>style.visibility</p:attrName>
+                                        </p:attrNameLst>
+                                      </p:cBhvr>
+                                      <p:to>
+                                        <p:strVal val="visible"/>
+                                      </p:to>
+                                    </p:set>
+                                    <p:animEffect transition="in" filter="fade">
+                                      <p:cBhvr>
+                                        <p:cTn id="35" dur="1000"/>
+                                        <p:tgtEl>
+                                          <p:spTgt spid="3">
+                                            <p:txEl>
+                                              <p:pRg st="4" end="4"/>
+                                            </p:txEl>
+                                          </p:spTgt>
+                                        </p:tgtEl>
+                                      </p:cBhvr>
+                                    </p:animEffect>
+                                    <p:anim calcmode="lin" valueType="num">
+                                      <p:cBhvr>
+                                        <p:cTn id="36" dur="1000" fill="hold"/>
+                                        <p:tgtEl>
+                                          <p:spTgt spid="3">
+                                            <p:txEl>
+                                              <p:pRg st="4" end="4"/>
+                                            </p:txEl>
+                                          </p:spTgt>
+                                        </p:tgtEl>
+                                        <p:attrNameLst>
+                                          <p:attrName>ppt_x</p:attrName>
+                                        </p:attrNameLst>
+                                      </p:cBhvr>
+                                      <p:tavLst>
+                                        <p:tav tm="0">
+                                          <p:val>
+                                            <p:strVal val="#ppt_x"/>
+                                          </p:val>
+                                        </p:tav>
+                                        <p:tav tm="100000">
+                                          <p:val>
+                                            <p:strVal val="#ppt_x"/>
+                                          </p:val>
+                                        </p:tav>
+                                      </p:tavLst>
+                                    </p:anim>
+                                    <p:anim calcmode="lin" valueType="num">
+                                      <p:cBhvr>
+                                        <p:cTn id="37" dur="1000" fill="hold"/>
+                                        <p:tgtEl>
+                                          <p:spTgt spid="3">
+                                            <p:txEl>
+                                              <p:pRg st="4" end="4"/>
+                                            </p:txEl>
+                                          </p:spTgt>
+                                        </p:tgtEl>
+                                        <p:attrNameLst>
+                                          <p:attrName>ppt_y</p:attrName>
+                                        </p:attrNameLst>
+                                      </p:cBhvr>
+                                      <p:tavLst>
+                                        <p:tav tm="0">
+                                          <p:val>
+                                            <p:strVal val="#ppt_y+.1"/>
+                                          </p:val>
+                                        </p:tav>
+                                        <p:tav tm="100000">
+                                          <p:val>
+                                            <p:strVal val="#ppt_y"/>
+                                          </p:val>
+                                        </p:tav>
+                                      </p:tavLst>
+                                    </p:anim>
+                                  </p:childTnLst>
+                                </p:cTn>
+                              </p:par>
+                            </p:childTnLst>
+                          </p:cTn>
+                        </p:par>
+                      </p:childTnLst>
+                    </p:cTn>
+                  </p:par>
+                </p:childTnLst>
+              </p:cTn>
+              <p:prevCondLst>
+                <p:cond evt="onPrev" delay="0">
+                  <p:tgtEl>
+                    <p:sldTgt/>
+                  </p:tgtEl>
+                </p:cond>
+              </p:prevCondLst>
+              <p:nextCondLst>
+                <p:cond evt="onNext" delay="0">
+                  <p:tgtEl>
+                    <p:sldTgt/>
+                  </p:tgtEl>
+                </p:cond>
+              </p:nextCondLst>
+            </p:seq>
+          </p:childTnLst>
+        </p:cTn>
       </p:par>
     </p:tnLst>
   </p:timing>
@@ -12703,7 +13629,7 @@
           <a:p>
             <a:r>
               <a:rPr lang="en-US" dirty="0" smtClean="0"/>
-              <a:t>HTML Primary Structure</a:t>
+              <a:t>HTML Tags</a:t>
             </a:r>
             <a:endParaRPr lang="en-US" dirty="0"/>
           </a:p>
@@ -12725,12 +13651,709 @@
           <a:lstStyle/>
           <a:p>
             <a:r>
+              <a:rPr lang="en-US" dirty="0" smtClean="0"/>
+              <a:t>Tags or Elements</a:t>
+            </a:r>
+          </a:p>
+          <a:p>
+            <a:r>
+              <a:rPr lang="en-US" dirty="0" smtClean="0"/>
+              <a:t>Give the browser instructions on what and how to display</a:t>
+            </a:r>
+          </a:p>
+          <a:p>
+            <a:r>
+              <a:rPr lang="en-US" dirty="0" smtClean="0"/>
+              <a:t>Opening and Closing Tags</a:t>
+            </a:r>
+          </a:p>
+          <a:p>
+            <a:r>
+              <a:rPr lang="en-US" dirty="0" smtClean="0"/>
+              <a:t>&lt;div&gt;stuff goes inside here  &lt;</a:t>
+            </a:r>
+            <a:r>
+              <a:rPr lang="en-US" b="1" dirty="0" smtClean="0">
+                <a:solidFill>
+                  <a:srgbClr val="FFFF00"/>
+                </a:solidFill>
+              </a:rPr>
+              <a:t>/</a:t>
+            </a:r>
+            <a:r>
+              <a:rPr lang="en-US" dirty="0" smtClean="0"/>
+              <a:t>div&gt;</a:t>
+            </a:r>
+          </a:p>
+          <a:p>
+            <a:r>
+              <a:rPr lang="en-US" dirty="0" smtClean="0"/>
+              <a:t>Self closing tags-  &lt;</a:t>
+            </a:r>
+            <a:r>
+              <a:rPr lang="en-US" dirty="0" err="1" smtClean="0"/>
+              <a:t>br</a:t>
+            </a:r>
+            <a:r>
+              <a:rPr lang="en-US" dirty="0" smtClean="0"/>
+              <a:t>/&gt;</a:t>
+            </a:r>
+          </a:p>
+          <a:p>
+            <a:endParaRPr lang="en-US" dirty="0"/>
+          </a:p>
+        </p:txBody>
+      </p:sp>
+    </p:spTree>
+    <p:extLst>
+      <p:ext uri="{BB962C8B-B14F-4D97-AF65-F5344CB8AC3E}">
+        <p14:creationId xmlns:p14="http://schemas.microsoft.com/office/powerpoint/2010/main" val="2177775093"/>
+      </p:ext>
+    </p:extLst>
+  </p:cSld>
+  <p:clrMapOvr>
+    <a:masterClrMapping/>
+  </p:clrMapOvr>
+  <p:timing>
+    <p:tnLst>
+      <p:par>
+        <p:cTn id="1" dur="indefinite" restart="never" nodeType="tmRoot">
+          <p:childTnLst>
+            <p:seq concurrent="1" nextAc="seek">
+              <p:cTn id="2" dur="indefinite" nodeType="mainSeq">
+                <p:childTnLst>
+                  <p:par>
+                    <p:cTn id="3" fill="hold">
+                      <p:stCondLst>
+                        <p:cond delay="indefinite"/>
+                      </p:stCondLst>
+                      <p:childTnLst>
+                        <p:par>
+                          <p:cTn id="4" fill="hold">
+                            <p:stCondLst>
+                              <p:cond delay="0"/>
+                            </p:stCondLst>
+                            <p:childTnLst>
+                              <p:par>
+                                <p:cTn id="5" presetID="42" presetClass="entr" presetSubtype="0" fill="hold" nodeType="clickEffect">
+                                  <p:stCondLst>
+                                    <p:cond delay="0"/>
+                                  </p:stCondLst>
+                                  <p:childTnLst>
+                                    <p:set>
+                                      <p:cBhvr>
+                                        <p:cTn id="6" dur="1" fill="hold">
+                                          <p:stCondLst>
+                                            <p:cond delay="0"/>
+                                          </p:stCondLst>
+                                        </p:cTn>
+                                        <p:tgtEl>
+                                          <p:spTgt spid="3">
+                                            <p:txEl>
+                                              <p:pRg st="0" end="0"/>
+                                            </p:txEl>
+                                          </p:spTgt>
+                                        </p:tgtEl>
+                                        <p:attrNameLst>
+                                          <p:attrName>style.visibility</p:attrName>
+                                        </p:attrNameLst>
+                                      </p:cBhvr>
+                                      <p:to>
+                                        <p:strVal val="visible"/>
+                                      </p:to>
+                                    </p:set>
+                                    <p:animEffect transition="in" filter="fade">
+                                      <p:cBhvr>
+                                        <p:cTn id="7" dur="1000"/>
+                                        <p:tgtEl>
+                                          <p:spTgt spid="3">
+                                            <p:txEl>
+                                              <p:pRg st="0" end="0"/>
+                                            </p:txEl>
+                                          </p:spTgt>
+                                        </p:tgtEl>
+                                      </p:cBhvr>
+                                    </p:animEffect>
+                                    <p:anim calcmode="lin" valueType="num">
+                                      <p:cBhvr>
+                                        <p:cTn id="8" dur="1000" fill="hold"/>
+                                        <p:tgtEl>
+                                          <p:spTgt spid="3">
+                                            <p:txEl>
+                                              <p:pRg st="0" end="0"/>
+                                            </p:txEl>
+                                          </p:spTgt>
+                                        </p:tgtEl>
+                                        <p:attrNameLst>
+                                          <p:attrName>ppt_x</p:attrName>
+                                        </p:attrNameLst>
+                                      </p:cBhvr>
+                                      <p:tavLst>
+                                        <p:tav tm="0">
+                                          <p:val>
+                                            <p:strVal val="#ppt_x"/>
+                                          </p:val>
+                                        </p:tav>
+                                        <p:tav tm="100000">
+                                          <p:val>
+                                            <p:strVal val="#ppt_x"/>
+                                          </p:val>
+                                        </p:tav>
+                                      </p:tavLst>
+                                    </p:anim>
+                                    <p:anim calcmode="lin" valueType="num">
+                                      <p:cBhvr>
+                                        <p:cTn id="9" dur="1000" fill="hold"/>
+                                        <p:tgtEl>
+                                          <p:spTgt spid="3">
+                                            <p:txEl>
+                                              <p:pRg st="0" end="0"/>
+                                            </p:txEl>
+                                          </p:spTgt>
+                                        </p:tgtEl>
+                                        <p:attrNameLst>
+                                          <p:attrName>ppt_y</p:attrName>
+                                        </p:attrNameLst>
+                                      </p:cBhvr>
+                                      <p:tavLst>
+                                        <p:tav tm="0">
+                                          <p:val>
+                                            <p:strVal val="#ppt_y+.1"/>
+                                          </p:val>
+                                        </p:tav>
+                                        <p:tav tm="100000">
+                                          <p:val>
+                                            <p:strVal val="#ppt_y"/>
+                                          </p:val>
+                                        </p:tav>
+                                      </p:tavLst>
+                                    </p:anim>
+                                  </p:childTnLst>
+                                </p:cTn>
+                              </p:par>
+                            </p:childTnLst>
+                          </p:cTn>
+                        </p:par>
+                      </p:childTnLst>
+                    </p:cTn>
+                  </p:par>
+                  <p:par>
+                    <p:cTn id="10" fill="hold">
+                      <p:stCondLst>
+                        <p:cond delay="indefinite"/>
+                      </p:stCondLst>
+                      <p:childTnLst>
+                        <p:par>
+                          <p:cTn id="11" fill="hold">
+                            <p:stCondLst>
+                              <p:cond delay="0"/>
+                            </p:stCondLst>
+                            <p:childTnLst>
+                              <p:par>
+                                <p:cTn id="12" presetID="42" presetClass="entr" presetSubtype="0" fill="hold" nodeType="clickEffect">
+                                  <p:stCondLst>
+                                    <p:cond delay="0"/>
+                                  </p:stCondLst>
+                                  <p:childTnLst>
+                                    <p:set>
+                                      <p:cBhvr>
+                                        <p:cTn id="13" dur="1" fill="hold">
+                                          <p:stCondLst>
+                                            <p:cond delay="0"/>
+                                          </p:stCondLst>
+                                        </p:cTn>
+                                        <p:tgtEl>
+                                          <p:spTgt spid="3">
+                                            <p:txEl>
+                                              <p:pRg st="1" end="1"/>
+                                            </p:txEl>
+                                          </p:spTgt>
+                                        </p:tgtEl>
+                                        <p:attrNameLst>
+                                          <p:attrName>style.visibility</p:attrName>
+                                        </p:attrNameLst>
+                                      </p:cBhvr>
+                                      <p:to>
+                                        <p:strVal val="visible"/>
+                                      </p:to>
+                                    </p:set>
+                                    <p:animEffect transition="in" filter="fade">
+                                      <p:cBhvr>
+                                        <p:cTn id="14" dur="1000"/>
+                                        <p:tgtEl>
+                                          <p:spTgt spid="3">
+                                            <p:txEl>
+                                              <p:pRg st="1" end="1"/>
+                                            </p:txEl>
+                                          </p:spTgt>
+                                        </p:tgtEl>
+                                      </p:cBhvr>
+                                    </p:animEffect>
+                                    <p:anim calcmode="lin" valueType="num">
+                                      <p:cBhvr>
+                                        <p:cTn id="15" dur="1000" fill="hold"/>
+                                        <p:tgtEl>
+                                          <p:spTgt spid="3">
+                                            <p:txEl>
+                                              <p:pRg st="1" end="1"/>
+                                            </p:txEl>
+                                          </p:spTgt>
+                                        </p:tgtEl>
+                                        <p:attrNameLst>
+                                          <p:attrName>ppt_x</p:attrName>
+                                        </p:attrNameLst>
+                                      </p:cBhvr>
+                                      <p:tavLst>
+                                        <p:tav tm="0">
+                                          <p:val>
+                                            <p:strVal val="#ppt_x"/>
+                                          </p:val>
+                                        </p:tav>
+                                        <p:tav tm="100000">
+                                          <p:val>
+                                            <p:strVal val="#ppt_x"/>
+                                          </p:val>
+                                        </p:tav>
+                                      </p:tavLst>
+                                    </p:anim>
+                                    <p:anim calcmode="lin" valueType="num">
+                                      <p:cBhvr>
+                                        <p:cTn id="16" dur="1000" fill="hold"/>
+                                        <p:tgtEl>
+                                          <p:spTgt spid="3">
+                                            <p:txEl>
+                                              <p:pRg st="1" end="1"/>
+                                            </p:txEl>
+                                          </p:spTgt>
+                                        </p:tgtEl>
+                                        <p:attrNameLst>
+                                          <p:attrName>ppt_y</p:attrName>
+                                        </p:attrNameLst>
+                                      </p:cBhvr>
+                                      <p:tavLst>
+                                        <p:tav tm="0">
+                                          <p:val>
+                                            <p:strVal val="#ppt_y+.1"/>
+                                          </p:val>
+                                        </p:tav>
+                                        <p:tav tm="100000">
+                                          <p:val>
+                                            <p:strVal val="#ppt_y"/>
+                                          </p:val>
+                                        </p:tav>
+                                      </p:tavLst>
+                                    </p:anim>
+                                  </p:childTnLst>
+                                </p:cTn>
+                              </p:par>
+                            </p:childTnLst>
+                          </p:cTn>
+                        </p:par>
+                      </p:childTnLst>
+                    </p:cTn>
+                  </p:par>
+                  <p:par>
+                    <p:cTn id="17" fill="hold">
+                      <p:stCondLst>
+                        <p:cond delay="indefinite"/>
+                      </p:stCondLst>
+                      <p:childTnLst>
+                        <p:par>
+                          <p:cTn id="18" fill="hold">
+                            <p:stCondLst>
+                              <p:cond delay="0"/>
+                            </p:stCondLst>
+                            <p:childTnLst>
+                              <p:par>
+                                <p:cTn id="19" presetID="42" presetClass="entr" presetSubtype="0" fill="hold" nodeType="clickEffect">
+                                  <p:stCondLst>
+                                    <p:cond delay="0"/>
+                                  </p:stCondLst>
+                                  <p:childTnLst>
+                                    <p:set>
+                                      <p:cBhvr>
+                                        <p:cTn id="20" dur="1" fill="hold">
+                                          <p:stCondLst>
+                                            <p:cond delay="0"/>
+                                          </p:stCondLst>
+                                        </p:cTn>
+                                        <p:tgtEl>
+                                          <p:spTgt spid="3">
+                                            <p:txEl>
+                                              <p:pRg st="2" end="2"/>
+                                            </p:txEl>
+                                          </p:spTgt>
+                                        </p:tgtEl>
+                                        <p:attrNameLst>
+                                          <p:attrName>style.visibility</p:attrName>
+                                        </p:attrNameLst>
+                                      </p:cBhvr>
+                                      <p:to>
+                                        <p:strVal val="visible"/>
+                                      </p:to>
+                                    </p:set>
+                                    <p:animEffect transition="in" filter="fade">
+                                      <p:cBhvr>
+                                        <p:cTn id="21" dur="1000"/>
+                                        <p:tgtEl>
+                                          <p:spTgt spid="3">
+                                            <p:txEl>
+                                              <p:pRg st="2" end="2"/>
+                                            </p:txEl>
+                                          </p:spTgt>
+                                        </p:tgtEl>
+                                      </p:cBhvr>
+                                    </p:animEffect>
+                                    <p:anim calcmode="lin" valueType="num">
+                                      <p:cBhvr>
+                                        <p:cTn id="22" dur="1000" fill="hold"/>
+                                        <p:tgtEl>
+                                          <p:spTgt spid="3">
+                                            <p:txEl>
+                                              <p:pRg st="2" end="2"/>
+                                            </p:txEl>
+                                          </p:spTgt>
+                                        </p:tgtEl>
+                                        <p:attrNameLst>
+                                          <p:attrName>ppt_x</p:attrName>
+                                        </p:attrNameLst>
+                                      </p:cBhvr>
+                                      <p:tavLst>
+                                        <p:tav tm="0">
+                                          <p:val>
+                                            <p:strVal val="#ppt_x"/>
+                                          </p:val>
+                                        </p:tav>
+                                        <p:tav tm="100000">
+                                          <p:val>
+                                            <p:strVal val="#ppt_x"/>
+                                          </p:val>
+                                        </p:tav>
+                                      </p:tavLst>
+                                    </p:anim>
+                                    <p:anim calcmode="lin" valueType="num">
+                                      <p:cBhvr>
+                                        <p:cTn id="23" dur="1000" fill="hold"/>
+                                        <p:tgtEl>
+                                          <p:spTgt spid="3">
+                                            <p:txEl>
+                                              <p:pRg st="2" end="2"/>
+                                            </p:txEl>
+                                          </p:spTgt>
+                                        </p:tgtEl>
+                                        <p:attrNameLst>
+                                          <p:attrName>ppt_y</p:attrName>
+                                        </p:attrNameLst>
+                                      </p:cBhvr>
+                                      <p:tavLst>
+                                        <p:tav tm="0">
+                                          <p:val>
+                                            <p:strVal val="#ppt_y+.1"/>
+                                          </p:val>
+                                        </p:tav>
+                                        <p:tav tm="100000">
+                                          <p:val>
+                                            <p:strVal val="#ppt_y"/>
+                                          </p:val>
+                                        </p:tav>
+                                      </p:tavLst>
+                                    </p:anim>
+                                  </p:childTnLst>
+                                </p:cTn>
+                              </p:par>
+                              <p:par>
+                                <p:cTn id="24" presetID="42" presetClass="entr" presetSubtype="0" fill="hold" nodeType="withEffect">
+                                  <p:stCondLst>
+                                    <p:cond delay="0"/>
+                                  </p:stCondLst>
+                                  <p:childTnLst>
+                                    <p:set>
+                                      <p:cBhvr>
+                                        <p:cTn id="25" dur="1" fill="hold">
+                                          <p:stCondLst>
+                                            <p:cond delay="0"/>
+                                          </p:stCondLst>
+                                        </p:cTn>
+                                        <p:tgtEl>
+                                          <p:spTgt spid="3">
+                                            <p:txEl>
+                                              <p:pRg st="3" end="3"/>
+                                            </p:txEl>
+                                          </p:spTgt>
+                                        </p:tgtEl>
+                                        <p:attrNameLst>
+                                          <p:attrName>style.visibility</p:attrName>
+                                        </p:attrNameLst>
+                                      </p:cBhvr>
+                                      <p:to>
+                                        <p:strVal val="visible"/>
+                                      </p:to>
+                                    </p:set>
+                                    <p:animEffect transition="in" filter="fade">
+                                      <p:cBhvr>
+                                        <p:cTn id="26" dur="1000"/>
+                                        <p:tgtEl>
+                                          <p:spTgt spid="3">
+                                            <p:txEl>
+                                              <p:pRg st="3" end="3"/>
+                                            </p:txEl>
+                                          </p:spTgt>
+                                        </p:tgtEl>
+                                      </p:cBhvr>
+                                    </p:animEffect>
+                                    <p:anim calcmode="lin" valueType="num">
+                                      <p:cBhvr>
+                                        <p:cTn id="27" dur="1000" fill="hold"/>
+                                        <p:tgtEl>
+                                          <p:spTgt spid="3">
+                                            <p:txEl>
+                                              <p:pRg st="3" end="3"/>
+                                            </p:txEl>
+                                          </p:spTgt>
+                                        </p:tgtEl>
+                                        <p:attrNameLst>
+                                          <p:attrName>ppt_x</p:attrName>
+                                        </p:attrNameLst>
+                                      </p:cBhvr>
+                                      <p:tavLst>
+                                        <p:tav tm="0">
+                                          <p:val>
+                                            <p:strVal val="#ppt_x"/>
+                                          </p:val>
+                                        </p:tav>
+                                        <p:tav tm="100000">
+                                          <p:val>
+                                            <p:strVal val="#ppt_x"/>
+                                          </p:val>
+                                        </p:tav>
+                                      </p:tavLst>
+                                    </p:anim>
+                                    <p:anim calcmode="lin" valueType="num">
+                                      <p:cBhvr>
+                                        <p:cTn id="28" dur="1000" fill="hold"/>
+                                        <p:tgtEl>
+                                          <p:spTgt spid="3">
+                                            <p:txEl>
+                                              <p:pRg st="3" end="3"/>
+                                            </p:txEl>
+                                          </p:spTgt>
+                                        </p:tgtEl>
+                                        <p:attrNameLst>
+                                          <p:attrName>ppt_y</p:attrName>
+                                        </p:attrNameLst>
+                                      </p:cBhvr>
+                                      <p:tavLst>
+                                        <p:tav tm="0">
+                                          <p:val>
+                                            <p:strVal val="#ppt_y+.1"/>
+                                          </p:val>
+                                        </p:tav>
+                                        <p:tav tm="100000">
+                                          <p:val>
+                                            <p:strVal val="#ppt_y"/>
+                                          </p:val>
+                                        </p:tav>
+                                      </p:tavLst>
+                                    </p:anim>
+                                  </p:childTnLst>
+                                </p:cTn>
+                              </p:par>
+                            </p:childTnLst>
+                          </p:cTn>
+                        </p:par>
+                      </p:childTnLst>
+                    </p:cTn>
+                  </p:par>
+                  <p:par>
+                    <p:cTn id="29" fill="hold">
+                      <p:stCondLst>
+                        <p:cond delay="indefinite"/>
+                      </p:stCondLst>
+                      <p:childTnLst>
+                        <p:par>
+                          <p:cTn id="30" fill="hold">
+                            <p:stCondLst>
+                              <p:cond delay="0"/>
+                            </p:stCondLst>
+                            <p:childTnLst>
+                              <p:par>
+                                <p:cTn id="31" presetID="2" presetClass="entr" presetSubtype="4" fill="hold" nodeType="clickEffect">
+                                  <p:stCondLst>
+                                    <p:cond delay="0"/>
+                                  </p:stCondLst>
+                                  <p:childTnLst>
+                                    <p:set>
+                                      <p:cBhvr>
+                                        <p:cTn id="32" dur="1" fill="hold">
+                                          <p:stCondLst>
+                                            <p:cond delay="0"/>
+                                          </p:stCondLst>
+                                        </p:cTn>
+                                        <p:tgtEl>
+                                          <p:spTgt spid="3">
+                                            <p:txEl>
+                                              <p:pRg st="4" end="4"/>
+                                            </p:txEl>
+                                          </p:spTgt>
+                                        </p:tgtEl>
+                                        <p:attrNameLst>
+                                          <p:attrName>style.visibility</p:attrName>
+                                        </p:attrNameLst>
+                                      </p:cBhvr>
+                                      <p:to>
+                                        <p:strVal val="visible"/>
+                                      </p:to>
+                                    </p:set>
+                                    <p:anim calcmode="lin" valueType="num">
+                                      <p:cBhvr additive="base">
+                                        <p:cTn id="33" dur="500" fill="hold"/>
+                                        <p:tgtEl>
+                                          <p:spTgt spid="3">
+                                            <p:txEl>
+                                              <p:pRg st="4" end="4"/>
+                                            </p:txEl>
+                                          </p:spTgt>
+                                        </p:tgtEl>
+                                        <p:attrNameLst>
+                                          <p:attrName>ppt_x</p:attrName>
+                                        </p:attrNameLst>
+                                      </p:cBhvr>
+                                      <p:tavLst>
+                                        <p:tav tm="0">
+                                          <p:val>
+                                            <p:strVal val="#ppt_x"/>
+                                          </p:val>
+                                        </p:tav>
+                                        <p:tav tm="100000">
+                                          <p:val>
+                                            <p:strVal val="#ppt_x"/>
+                                          </p:val>
+                                        </p:tav>
+                                      </p:tavLst>
+                                    </p:anim>
+                                    <p:anim calcmode="lin" valueType="num">
+                                      <p:cBhvr additive="base">
+                                        <p:cTn id="34" dur="500" fill="hold"/>
+                                        <p:tgtEl>
+                                          <p:spTgt spid="3">
+                                            <p:txEl>
+                                              <p:pRg st="4" end="4"/>
+                                            </p:txEl>
+                                          </p:spTgt>
+                                        </p:tgtEl>
+                                        <p:attrNameLst>
+                                          <p:attrName>ppt_y</p:attrName>
+                                        </p:attrNameLst>
+                                      </p:cBhvr>
+                                      <p:tavLst>
+                                        <p:tav tm="0">
+                                          <p:val>
+                                            <p:strVal val="1+#ppt_h/2"/>
+                                          </p:val>
+                                        </p:tav>
+                                        <p:tav tm="100000">
+                                          <p:val>
+                                            <p:strVal val="#ppt_y"/>
+                                          </p:val>
+                                        </p:tav>
+                                      </p:tavLst>
+                                    </p:anim>
+                                  </p:childTnLst>
+                                </p:cTn>
+                              </p:par>
+                            </p:childTnLst>
+                          </p:cTn>
+                        </p:par>
+                      </p:childTnLst>
+                    </p:cTn>
+                  </p:par>
+                </p:childTnLst>
+              </p:cTn>
+              <p:prevCondLst>
+                <p:cond evt="onPrev" delay="0">
+                  <p:tgtEl>
+                    <p:sldTgt/>
+                  </p:tgtEl>
+                </p:cond>
+              </p:prevCondLst>
+              <p:nextCondLst>
+                <p:cond evt="onNext" delay="0">
+                  <p:tgtEl>
+                    <p:sldTgt/>
+                  </p:tgtEl>
+                </p:cond>
+              </p:nextCondLst>
+            </p:seq>
+          </p:childTnLst>
+        </p:cTn>
+      </p:par>
+    </p:tnLst>
+  </p:timing>
+</p:sld>
+</file>
+
+<file path=ppt/slides/slide5.xml><?xml version="1.0" encoding="utf-8"?>
+<p:sld xmlns:a="http://schemas.openxmlformats.org/drawingml/2006/main" xmlns:r="http://schemas.openxmlformats.org/officeDocument/2006/relationships" xmlns:p="http://schemas.openxmlformats.org/presentationml/2006/main">
+  <p:cSld>
+    <p:spTree>
+      <p:nvGrpSpPr>
+        <p:cNvPr id="1" name=""/>
+        <p:cNvGrpSpPr/>
+        <p:nvPr/>
+      </p:nvGrpSpPr>
+      <p:grpSpPr>
+        <a:xfrm>
+          <a:off x="0" y="0"/>
+          <a:ext cx="0" cy="0"/>
+          <a:chOff x="0" y="0"/>
+          <a:chExt cx="0" cy="0"/>
+        </a:xfrm>
+      </p:grpSpPr>
+      <p:sp>
+        <p:nvSpPr>
+          <p:cNvPr id="2" name="Title 1"/>
+          <p:cNvSpPr>
+            <a:spLocks noGrp="1"/>
+          </p:cNvSpPr>
+          <p:nvPr>
+            <p:ph type="title"/>
+          </p:nvPr>
+        </p:nvSpPr>
+        <p:spPr/>
+        <p:txBody>
+          <a:bodyPr/>
+          <a:lstStyle/>
+          <a:p>
+            <a:r>
+              <a:rPr lang="en-US" dirty="0" smtClean="0"/>
+              <a:t>HTML Primary Structure</a:t>
+            </a:r>
+            <a:endParaRPr lang="en-US" dirty="0"/>
+          </a:p>
+        </p:txBody>
+      </p:sp>
+      <p:sp>
+        <p:nvSpPr>
+          <p:cNvPr id="3" name="Content Placeholder 2"/>
+          <p:cNvSpPr>
+            <a:spLocks noGrp="1"/>
+          </p:cNvSpPr>
+          <p:nvPr>
+            <p:ph idx="1"/>
+          </p:nvPr>
+        </p:nvSpPr>
+        <p:spPr/>
+        <p:txBody>
+          <a:bodyPr/>
+          <a:lstStyle/>
+          <a:p>
+            <a:r>
               <a:rPr lang="en-US" dirty="0"/>
               <a:t>P</a:t>
             </a:r>
             <a:r>
               <a:rPr lang="en-US" dirty="0" smtClean="0"/>
-              <a:t>rimary tags make up the base structure of a page</a:t>
+              <a:t>rimary tags make up the base structure of a page:</a:t>
             </a:r>
           </a:p>
           <a:p>
@@ -12778,14 +14401,497 @@
   <p:timing>
     <p:tnLst>
       <p:par>
-        <p:cTn id="1" dur="indefinite" restart="never" nodeType="tmRoot"/>
+        <p:cTn id="1" dur="indefinite" restart="never" nodeType="tmRoot">
+          <p:childTnLst>
+            <p:seq concurrent="1" nextAc="seek">
+              <p:cTn id="2" dur="indefinite" nodeType="mainSeq">
+                <p:childTnLst>
+                  <p:par>
+                    <p:cTn id="3" fill="hold">
+                      <p:stCondLst>
+                        <p:cond delay="indefinite"/>
+                      </p:stCondLst>
+                      <p:childTnLst>
+                        <p:par>
+                          <p:cTn id="4" fill="hold">
+                            <p:stCondLst>
+                              <p:cond delay="0"/>
+                            </p:stCondLst>
+                            <p:childTnLst>
+                              <p:par>
+                                <p:cTn id="5" presetID="42" presetClass="entr" presetSubtype="0" fill="hold" nodeType="clickEffect">
+                                  <p:stCondLst>
+                                    <p:cond delay="0"/>
+                                  </p:stCondLst>
+                                  <p:childTnLst>
+                                    <p:set>
+                                      <p:cBhvr>
+                                        <p:cTn id="6" dur="1" fill="hold">
+                                          <p:stCondLst>
+                                            <p:cond delay="0"/>
+                                          </p:stCondLst>
+                                        </p:cTn>
+                                        <p:tgtEl>
+                                          <p:spTgt spid="3">
+                                            <p:txEl>
+                                              <p:pRg st="1" end="1"/>
+                                            </p:txEl>
+                                          </p:spTgt>
+                                        </p:tgtEl>
+                                        <p:attrNameLst>
+                                          <p:attrName>style.visibility</p:attrName>
+                                        </p:attrNameLst>
+                                      </p:cBhvr>
+                                      <p:to>
+                                        <p:strVal val="visible"/>
+                                      </p:to>
+                                    </p:set>
+                                    <p:animEffect transition="in" filter="fade">
+                                      <p:cBhvr>
+                                        <p:cTn id="7" dur="1000"/>
+                                        <p:tgtEl>
+                                          <p:spTgt spid="3">
+                                            <p:txEl>
+                                              <p:pRg st="1" end="1"/>
+                                            </p:txEl>
+                                          </p:spTgt>
+                                        </p:tgtEl>
+                                      </p:cBhvr>
+                                    </p:animEffect>
+                                    <p:anim calcmode="lin" valueType="num">
+                                      <p:cBhvr>
+                                        <p:cTn id="8" dur="1000" fill="hold"/>
+                                        <p:tgtEl>
+                                          <p:spTgt spid="3">
+                                            <p:txEl>
+                                              <p:pRg st="1" end="1"/>
+                                            </p:txEl>
+                                          </p:spTgt>
+                                        </p:tgtEl>
+                                        <p:attrNameLst>
+                                          <p:attrName>ppt_x</p:attrName>
+                                        </p:attrNameLst>
+                                      </p:cBhvr>
+                                      <p:tavLst>
+                                        <p:tav tm="0">
+                                          <p:val>
+                                            <p:strVal val="#ppt_x"/>
+                                          </p:val>
+                                        </p:tav>
+                                        <p:tav tm="100000">
+                                          <p:val>
+                                            <p:strVal val="#ppt_x"/>
+                                          </p:val>
+                                        </p:tav>
+                                      </p:tavLst>
+                                    </p:anim>
+                                    <p:anim calcmode="lin" valueType="num">
+                                      <p:cBhvr>
+                                        <p:cTn id="9" dur="1000" fill="hold"/>
+                                        <p:tgtEl>
+                                          <p:spTgt spid="3">
+                                            <p:txEl>
+                                              <p:pRg st="1" end="1"/>
+                                            </p:txEl>
+                                          </p:spTgt>
+                                        </p:tgtEl>
+                                        <p:attrNameLst>
+                                          <p:attrName>ppt_y</p:attrName>
+                                        </p:attrNameLst>
+                                      </p:cBhvr>
+                                      <p:tavLst>
+                                        <p:tav tm="0">
+                                          <p:val>
+                                            <p:strVal val="#ppt_y+.1"/>
+                                          </p:val>
+                                        </p:tav>
+                                        <p:tav tm="100000">
+                                          <p:val>
+                                            <p:strVal val="#ppt_y"/>
+                                          </p:val>
+                                        </p:tav>
+                                      </p:tavLst>
+                                    </p:anim>
+                                  </p:childTnLst>
+                                </p:cTn>
+                              </p:par>
+                            </p:childTnLst>
+                          </p:cTn>
+                        </p:par>
+                      </p:childTnLst>
+                    </p:cTn>
+                  </p:par>
+                  <p:par>
+                    <p:cTn id="10" fill="hold">
+                      <p:stCondLst>
+                        <p:cond delay="indefinite"/>
+                      </p:stCondLst>
+                      <p:childTnLst>
+                        <p:par>
+                          <p:cTn id="11" fill="hold">
+                            <p:stCondLst>
+                              <p:cond delay="0"/>
+                            </p:stCondLst>
+                            <p:childTnLst>
+                              <p:par>
+                                <p:cTn id="12" presetID="42" presetClass="entr" presetSubtype="0" fill="hold" nodeType="clickEffect">
+                                  <p:stCondLst>
+                                    <p:cond delay="0"/>
+                                  </p:stCondLst>
+                                  <p:childTnLst>
+                                    <p:set>
+                                      <p:cBhvr>
+                                        <p:cTn id="13" dur="1" fill="hold">
+                                          <p:stCondLst>
+                                            <p:cond delay="0"/>
+                                          </p:stCondLst>
+                                        </p:cTn>
+                                        <p:tgtEl>
+                                          <p:spTgt spid="3">
+                                            <p:txEl>
+                                              <p:pRg st="2" end="2"/>
+                                            </p:txEl>
+                                          </p:spTgt>
+                                        </p:tgtEl>
+                                        <p:attrNameLst>
+                                          <p:attrName>style.visibility</p:attrName>
+                                        </p:attrNameLst>
+                                      </p:cBhvr>
+                                      <p:to>
+                                        <p:strVal val="visible"/>
+                                      </p:to>
+                                    </p:set>
+                                    <p:animEffect transition="in" filter="fade">
+                                      <p:cBhvr>
+                                        <p:cTn id="14" dur="1000"/>
+                                        <p:tgtEl>
+                                          <p:spTgt spid="3">
+                                            <p:txEl>
+                                              <p:pRg st="2" end="2"/>
+                                            </p:txEl>
+                                          </p:spTgt>
+                                        </p:tgtEl>
+                                      </p:cBhvr>
+                                    </p:animEffect>
+                                    <p:anim calcmode="lin" valueType="num">
+                                      <p:cBhvr>
+                                        <p:cTn id="15" dur="1000" fill="hold"/>
+                                        <p:tgtEl>
+                                          <p:spTgt spid="3">
+                                            <p:txEl>
+                                              <p:pRg st="2" end="2"/>
+                                            </p:txEl>
+                                          </p:spTgt>
+                                        </p:tgtEl>
+                                        <p:attrNameLst>
+                                          <p:attrName>ppt_x</p:attrName>
+                                        </p:attrNameLst>
+                                      </p:cBhvr>
+                                      <p:tavLst>
+                                        <p:tav tm="0">
+                                          <p:val>
+                                            <p:strVal val="#ppt_x"/>
+                                          </p:val>
+                                        </p:tav>
+                                        <p:tav tm="100000">
+                                          <p:val>
+                                            <p:strVal val="#ppt_x"/>
+                                          </p:val>
+                                        </p:tav>
+                                      </p:tavLst>
+                                    </p:anim>
+                                    <p:anim calcmode="lin" valueType="num">
+                                      <p:cBhvr>
+                                        <p:cTn id="16" dur="1000" fill="hold"/>
+                                        <p:tgtEl>
+                                          <p:spTgt spid="3">
+                                            <p:txEl>
+                                              <p:pRg st="2" end="2"/>
+                                            </p:txEl>
+                                          </p:spTgt>
+                                        </p:tgtEl>
+                                        <p:attrNameLst>
+                                          <p:attrName>ppt_y</p:attrName>
+                                        </p:attrNameLst>
+                                      </p:cBhvr>
+                                      <p:tavLst>
+                                        <p:tav tm="0">
+                                          <p:val>
+                                            <p:strVal val="#ppt_y+.1"/>
+                                          </p:val>
+                                        </p:tav>
+                                        <p:tav tm="100000">
+                                          <p:val>
+                                            <p:strVal val="#ppt_y"/>
+                                          </p:val>
+                                        </p:tav>
+                                      </p:tavLst>
+                                    </p:anim>
+                                  </p:childTnLst>
+                                </p:cTn>
+                              </p:par>
+                            </p:childTnLst>
+                          </p:cTn>
+                        </p:par>
+                      </p:childTnLst>
+                    </p:cTn>
+                  </p:par>
+                  <p:par>
+                    <p:cTn id="17" fill="hold">
+                      <p:stCondLst>
+                        <p:cond delay="indefinite"/>
+                      </p:stCondLst>
+                      <p:childTnLst>
+                        <p:par>
+                          <p:cTn id="18" fill="hold">
+                            <p:stCondLst>
+                              <p:cond delay="0"/>
+                            </p:stCondLst>
+                            <p:childTnLst>
+                              <p:par>
+                                <p:cTn id="19" presetID="42" presetClass="entr" presetSubtype="0" fill="hold" nodeType="clickEffect">
+                                  <p:stCondLst>
+                                    <p:cond delay="0"/>
+                                  </p:stCondLst>
+                                  <p:childTnLst>
+                                    <p:set>
+                                      <p:cBhvr>
+                                        <p:cTn id="20" dur="1" fill="hold">
+                                          <p:stCondLst>
+                                            <p:cond delay="0"/>
+                                          </p:stCondLst>
+                                        </p:cTn>
+                                        <p:tgtEl>
+                                          <p:spTgt spid="3">
+                                            <p:txEl>
+                                              <p:pRg st="3" end="3"/>
+                                            </p:txEl>
+                                          </p:spTgt>
+                                        </p:tgtEl>
+                                        <p:attrNameLst>
+                                          <p:attrName>style.visibility</p:attrName>
+                                        </p:attrNameLst>
+                                      </p:cBhvr>
+                                      <p:to>
+                                        <p:strVal val="visible"/>
+                                      </p:to>
+                                    </p:set>
+                                    <p:animEffect transition="in" filter="fade">
+                                      <p:cBhvr>
+                                        <p:cTn id="21" dur="1000"/>
+                                        <p:tgtEl>
+                                          <p:spTgt spid="3">
+                                            <p:txEl>
+                                              <p:pRg st="3" end="3"/>
+                                            </p:txEl>
+                                          </p:spTgt>
+                                        </p:tgtEl>
+                                      </p:cBhvr>
+                                    </p:animEffect>
+                                    <p:anim calcmode="lin" valueType="num">
+                                      <p:cBhvr>
+                                        <p:cTn id="22" dur="1000" fill="hold"/>
+                                        <p:tgtEl>
+                                          <p:spTgt spid="3">
+                                            <p:txEl>
+                                              <p:pRg st="3" end="3"/>
+                                            </p:txEl>
+                                          </p:spTgt>
+                                        </p:tgtEl>
+                                        <p:attrNameLst>
+                                          <p:attrName>ppt_x</p:attrName>
+                                        </p:attrNameLst>
+                                      </p:cBhvr>
+                                      <p:tavLst>
+                                        <p:tav tm="0">
+                                          <p:val>
+                                            <p:strVal val="#ppt_x"/>
+                                          </p:val>
+                                        </p:tav>
+                                        <p:tav tm="100000">
+                                          <p:val>
+                                            <p:strVal val="#ppt_x"/>
+                                          </p:val>
+                                        </p:tav>
+                                      </p:tavLst>
+                                    </p:anim>
+                                    <p:anim calcmode="lin" valueType="num">
+                                      <p:cBhvr>
+                                        <p:cTn id="23" dur="1000" fill="hold"/>
+                                        <p:tgtEl>
+                                          <p:spTgt spid="3">
+                                            <p:txEl>
+                                              <p:pRg st="3" end="3"/>
+                                            </p:txEl>
+                                          </p:spTgt>
+                                        </p:tgtEl>
+                                        <p:attrNameLst>
+                                          <p:attrName>ppt_y</p:attrName>
+                                        </p:attrNameLst>
+                                      </p:cBhvr>
+                                      <p:tavLst>
+                                        <p:tav tm="0">
+                                          <p:val>
+                                            <p:strVal val="#ppt_y+.1"/>
+                                          </p:val>
+                                        </p:tav>
+                                        <p:tav tm="100000">
+                                          <p:val>
+                                            <p:strVal val="#ppt_y"/>
+                                          </p:val>
+                                        </p:tav>
+                                      </p:tavLst>
+                                    </p:anim>
+                                  </p:childTnLst>
+                                </p:cTn>
+                              </p:par>
+                            </p:childTnLst>
+                          </p:cTn>
+                        </p:par>
+                      </p:childTnLst>
+                    </p:cTn>
+                  </p:par>
+                  <p:par>
+                    <p:cTn id="24" fill="hold">
+                      <p:stCondLst>
+                        <p:cond delay="indefinite"/>
+                      </p:stCondLst>
+                      <p:childTnLst>
+                        <p:par>
+                          <p:cTn id="25" fill="hold">
+                            <p:stCondLst>
+                              <p:cond delay="0"/>
+                            </p:stCondLst>
+                            <p:childTnLst>
+                              <p:par>
+                                <p:cTn id="26" presetID="42" presetClass="entr" presetSubtype="0" fill="hold" nodeType="clickEffect">
+                                  <p:stCondLst>
+                                    <p:cond delay="0"/>
+                                  </p:stCondLst>
+                                  <p:childTnLst>
+                                    <p:set>
+                                      <p:cBhvr>
+                                        <p:cTn id="27" dur="1" fill="hold">
+                                          <p:stCondLst>
+                                            <p:cond delay="0"/>
+                                          </p:stCondLst>
+                                        </p:cTn>
+                                        <p:tgtEl>
+                                          <p:spTgt spid="3">
+                                            <p:txEl>
+                                              <p:pRg st="4" end="4"/>
+                                            </p:txEl>
+                                          </p:spTgt>
+                                        </p:tgtEl>
+                                        <p:attrNameLst>
+                                          <p:attrName>style.visibility</p:attrName>
+                                        </p:attrNameLst>
+                                      </p:cBhvr>
+                                      <p:to>
+                                        <p:strVal val="visible"/>
+                                      </p:to>
+                                    </p:set>
+                                    <p:animEffect transition="in" filter="fade">
+                                      <p:cBhvr>
+                                        <p:cTn id="28" dur="1000"/>
+                                        <p:tgtEl>
+                                          <p:spTgt spid="3">
+                                            <p:txEl>
+                                              <p:pRg st="4" end="4"/>
+                                            </p:txEl>
+                                          </p:spTgt>
+                                        </p:tgtEl>
+                                      </p:cBhvr>
+                                    </p:animEffect>
+                                    <p:anim calcmode="lin" valueType="num">
+                                      <p:cBhvr>
+                                        <p:cTn id="29" dur="1000" fill="hold"/>
+                                        <p:tgtEl>
+                                          <p:spTgt spid="3">
+                                            <p:txEl>
+                                              <p:pRg st="4" end="4"/>
+                                            </p:txEl>
+                                          </p:spTgt>
+                                        </p:tgtEl>
+                                        <p:attrNameLst>
+                                          <p:attrName>ppt_x</p:attrName>
+                                        </p:attrNameLst>
+                                      </p:cBhvr>
+                                      <p:tavLst>
+                                        <p:tav tm="0">
+                                          <p:val>
+                                            <p:strVal val="#ppt_x"/>
+                                          </p:val>
+                                        </p:tav>
+                                        <p:tav tm="100000">
+                                          <p:val>
+                                            <p:strVal val="#ppt_x"/>
+                                          </p:val>
+                                        </p:tav>
+                                      </p:tavLst>
+                                    </p:anim>
+                                    <p:anim calcmode="lin" valueType="num">
+                                      <p:cBhvr>
+                                        <p:cTn id="30" dur="1000" fill="hold"/>
+                                        <p:tgtEl>
+                                          <p:spTgt spid="3">
+                                            <p:txEl>
+                                              <p:pRg st="4" end="4"/>
+                                            </p:txEl>
+                                          </p:spTgt>
+                                        </p:tgtEl>
+                                        <p:attrNameLst>
+                                          <p:attrName>ppt_y</p:attrName>
+                                        </p:attrNameLst>
+                                      </p:cBhvr>
+                                      <p:tavLst>
+                                        <p:tav tm="0">
+                                          <p:val>
+                                            <p:strVal val="#ppt_y+.1"/>
+                                          </p:val>
+                                        </p:tav>
+                                        <p:tav tm="100000">
+                                          <p:val>
+                                            <p:strVal val="#ppt_y"/>
+                                          </p:val>
+                                        </p:tav>
+                                      </p:tavLst>
+                                    </p:anim>
+                                  </p:childTnLst>
+                                </p:cTn>
+                              </p:par>
+                            </p:childTnLst>
+                          </p:cTn>
+                        </p:par>
+                      </p:childTnLst>
+                    </p:cTn>
+                  </p:par>
+                </p:childTnLst>
+              </p:cTn>
+              <p:prevCondLst>
+                <p:cond evt="onPrev" delay="0">
+                  <p:tgtEl>
+                    <p:sldTgt/>
+                  </p:tgtEl>
+                </p:cond>
+              </p:prevCondLst>
+              <p:nextCondLst>
+                <p:cond evt="onNext" delay="0">
+                  <p:tgtEl>
+                    <p:sldTgt/>
+                  </p:tgtEl>
+                </p:cond>
+              </p:nextCondLst>
+            </p:seq>
+          </p:childTnLst>
+        </p:cTn>
       </p:par>
     </p:tnLst>
   </p:timing>
 </p:sld>
 </file>
 
-<file path=ppt/slides/slide5.xml><?xml version="1.0" encoding="utf-8"?>
+<file path=ppt/slides/slide6.xml><?xml version="1.0" encoding="utf-8"?>
 <p:sld xmlns:a="http://schemas.openxmlformats.org/drawingml/2006/main" xmlns:r="http://schemas.openxmlformats.org/officeDocument/2006/relationships" xmlns:p="http://schemas.openxmlformats.org/presentationml/2006/main">
   <p:cSld>
     <p:spTree>
@@ -12980,7 +15086,6 @@
               <a:rPr lang="en-US" sz="1200" dirty="0"/>
               <a:t>&lt;/html&gt;</a:t>
             </a:r>
-            <a:endParaRPr lang="en-US" sz="1200" dirty="0"/>
           </a:p>
         </p:txBody>
       </p:sp>
@@ -12988,85 +15093,6 @@
     <p:extLst>
       <p:ext uri="{BB962C8B-B14F-4D97-AF65-F5344CB8AC3E}">
         <p14:creationId xmlns:p14="http://schemas.microsoft.com/office/powerpoint/2010/main" val="1181145546"/>
-      </p:ext>
-    </p:extLst>
-  </p:cSld>
-  <p:clrMapOvr>
-    <a:masterClrMapping/>
-  </p:clrMapOvr>
-  <p:timing>
-    <p:tnLst>
-      <p:par>
-        <p:cTn id="1" dur="indefinite" restart="never" nodeType="tmRoot"/>
-      </p:par>
-    </p:tnLst>
-  </p:timing>
-</p:sld>
-</file>
-
-<file path=ppt/slides/slide6.xml><?xml version="1.0" encoding="utf-8"?>
-<p:sld xmlns:a="http://schemas.openxmlformats.org/drawingml/2006/main" xmlns:r="http://schemas.openxmlformats.org/officeDocument/2006/relationships" xmlns:p="http://schemas.openxmlformats.org/presentationml/2006/main">
-  <p:cSld>
-    <p:spTree>
-      <p:nvGrpSpPr>
-        <p:cNvPr id="1" name=""/>
-        <p:cNvGrpSpPr/>
-        <p:nvPr/>
-      </p:nvGrpSpPr>
-      <p:grpSpPr>
-        <a:xfrm>
-          <a:off x="0" y="0"/>
-          <a:ext cx="0" cy="0"/>
-          <a:chOff x="0" y="0"/>
-          <a:chExt cx="0" cy="0"/>
-        </a:xfrm>
-      </p:grpSpPr>
-      <p:sp>
-        <p:nvSpPr>
-          <p:cNvPr id="2" name="Title 1"/>
-          <p:cNvSpPr>
-            <a:spLocks noGrp="1"/>
-          </p:cNvSpPr>
-          <p:nvPr>
-            <p:ph type="title"/>
-          </p:nvPr>
-        </p:nvSpPr>
-        <p:spPr/>
-        <p:txBody>
-          <a:bodyPr/>
-          <a:lstStyle/>
-          <a:p>
-            <a:r>
-              <a:rPr lang="en-US" dirty="0" smtClean="0"/>
-              <a:t>Web Programming LAB</a:t>
-            </a:r>
-            <a:endParaRPr lang="en-US" dirty="0"/>
-          </a:p>
-        </p:txBody>
-      </p:sp>
-      <p:sp>
-        <p:nvSpPr>
-          <p:cNvPr id="3" name="Content Placeholder 2"/>
-          <p:cNvSpPr>
-            <a:spLocks noGrp="1"/>
-          </p:cNvSpPr>
-          <p:nvPr>
-            <p:ph idx="1"/>
-          </p:nvPr>
-        </p:nvSpPr>
-        <p:spPr/>
-        <p:txBody>
-          <a:bodyPr/>
-          <a:lstStyle/>
-          <a:p>
-            <a:endParaRPr lang="en-US"/>
-          </a:p>
-        </p:txBody>
-      </p:sp>
-    </p:spTree>
-    <p:extLst>
-      <p:ext uri="{BB962C8B-B14F-4D97-AF65-F5344CB8AC3E}">
-        <p14:creationId xmlns:p14="http://schemas.microsoft.com/office/powerpoint/2010/main" val="2806468708"/>
       </p:ext>
     </p:extLst>
   </p:cSld>
@@ -13117,6 +15143,85 @@
           <a:p>
             <a:r>
               <a:rPr lang="en-US" dirty="0" smtClean="0"/>
+              <a:t>Web Programming LAB</a:t>
+            </a:r>
+            <a:endParaRPr lang="en-US" dirty="0"/>
+          </a:p>
+        </p:txBody>
+      </p:sp>
+      <p:sp>
+        <p:nvSpPr>
+          <p:cNvPr id="3" name="Content Placeholder 2"/>
+          <p:cNvSpPr>
+            <a:spLocks noGrp="1"/>
+          </p:cNvSpPr>
+          <p:nvPr>
+            <p:ph idx="1"/>
+          </p:nvPr>
+        </p:nvSpPr>
+        <p:spPr/>
+        <p:txBody>
+          <a:bodyPr/>
+          <a:lstStyle/>
+          <a:p>
+            <a:endParaRPr lang="en-US"/>
+          </a:p>
+        </p:txBody>
+      </p:sp>
+    </p:spTree>
+    <p:extLst>
+      <p:ext uri="{BB962C8B-B14F-4D97-AF65-F5344CB8AC3E}">
+        <p14:creationId xmlns:p14="http://schemas.microsoft.com/office/powerpoint/2010/main" val="2806468708"/>
+      </p:ext>
+    </p:extLst>
+  </p:cSld>
+  <p:clrMapOvr>
+    <a:masterClrMapping/>
+  </p:clrMapOvr>
+  <p:timing>
+    <p:tnLst>
+      <p:par>
+        <p:cTn id="1" dur="indefinite" restart="never" nodeType="tmRoot"/>
+      </p:par>
+    </p:tnLst>
+  </p:timing>
+</p:sld>
+</file>
+
+<file path=ppt/slides/slide8.xml><?xml version="1.0" encoding="utf-8"?>
+<p:sld xmlns:a="http://schemas.openxmlformats.org/drawingml/2006/main" xmlns:r="http://schemas.openxmlformats.org/officeDocument/2006/relationships" xmlns:p="http://schemas.openxmlformats.org/presentationml/2006/main">
+  <p:cSld>
+    <p:spTree>
+      <p:nvGrpSpPr>
+        <p:cNvPr id="1" name=""/>
+        <p:cNvGrpSpPr/>
+        <p:nvPr/>
+      </p:nvGrpSpPr>
+      <p:grpSpPr>
+        <a:xfrm>
+          <a:off x="0" y="0"/>
+          <a:ext cx="0" cy="0"/>
+          <a:chOff x="0" y="0"/>
+          <a:chExt cx="0" cy="0"/>
+        </a:xfrm>
+      </p:grpSpPr>
+      <p:sp>
+        <p:nvSpPr>
+          <p:cNvPr id="2" name="Title 1"/>
+          <p:cNvSpPr>
+            <a:spLocks noGrp="1"/>
+          </p:cNvSpPr>
+          <p:nvPr>
+            <p:ph type="title"/>
+          </p:nvPr>
+        </p:nvSpPr>
+        <p:spPr/>
+        <p:txBody>
+          <a:bodyPr/>
+          <a:lstStyle/>
+          <a:p>
+            <a:r>
+              <a:rPr lang="en-US" dirty="0" smtClean="0"/>
               <a:t>Windows Desktop Programming</a:t>
             </a:r>
             <a:endParaRPr lang="en-US" dirty="0"/>
@@ -13142,15 +15247,7 @@
           <a:p>
             <a:r>
               <a:rPr lang="en-US" dirty="0" smtClean="0"/>
-              <a:t>Apps that run on laptops </a:t>
-            </a:r>
-            <a:r>
-              <a:rPr lang="en-US" smtClean="0"/>
-              <a:t>or computers running </a:t>
-            </a:r>
-            <a:r>
-              <a:rPr lang="en-US" dirty="0" smtClean="0"/>
-              <a:t>a windows operating system</a:t>
+              <a:t>Apps that run on laptops or computers running a windows operating system</a:t>
             </a:r>
           </a:p>
           <a:p>
@@ -13198,6 +15295,726 @@
   <p:clrMapOvr>
     <a:masterClrMapping/>
   </p:clrMapOvr>
+  <p:timing>
+    <p:tnLst>
+      <p:par>
+        <p:cTn id="1" dur="indefinite" restart="never" nodeType="tmRoot">
+          <p:childTnLst>
+            <p:seq concurrent="1" nextAc="seek">
+              <p:cTn id="2" dur="indefinite" nodeType="mainSeq">
+                <p:childTnLst>
+                  <p:par>
+                    <p:cTn id="3" fill="hold">
+                      <p:stCondLst>
+                        <p:cond delay="indefinite"/>
+                      </p:stCondLst>
+                      <p:childTnLst>
+                        <p:par>
+                          <p:cTn id="4" fill="hold">
+                            <p:stCondLst>
+                              <p:cond delay="0"/>
+                            </p:stCondLst>
+                            <p:childTnLst>
+                              <p:par>
+                                <p:cTn id="5" presetID="42" presetClass="entr" presetSubtype="0" fill="hold" nodeType="clickEffect">
+                                  <p:stCondLst>
+                                    <p:cond delay="0"/>
+                                  </p:stCondLst>
+                                  <p:childTnLst>
+                                    <p:set>
+                                      <p:cBhvr>
+                                        <p:cTn id="6" dur="1" fill="hold">
+                                          <p:stCondLst>
+                                            <p:cond delay="0"/>
+                                          </p:stCondLst>
+                                        </p:cTn>
+                                        <p:tgtEl>
+                                          <p:spTgt spid="3">
+                                            <p:txEl>
+                                              <p:pRg st="0" end="0"/>
+                                            </p:txEl>
+                                          </p:spTgt>
+                                        </p:tgtEl>
+                                        <p:attrNameLst>
+                                          <p:attrName>style.visibility</p:attrName>
+                                        </p:attrNameLst>
+                                      </p:cBhvr>
+                                      <p:to>
+                                        <p:strVal val="visible"/>
+                                      </p:to>
+                                    </p:set>
+                                    <p:animEffect transition="in" filter="fade">
+                                      <p:cBhvr>
+                                        <p:cTn id="7" dur="1000"/>
+                                        <p:tgtEl>
+                                          <p:spTgt spid="3">
+                                            <p:txEl>
+                                              <p:pRg st="0" end="0"/>
+                                            </p:txEl>
+                                          </p:spTgt>
+                                        </p:tgtEl>
+                                      </p:cBhvr>
+                                    </p:animEffect>
+                                    <p:anim calcmode="lin" valueType="num">
+                                      <p:cBhvr>
+                                        <p:cTn id="8" dur="1000" fill="hold"/>
+                                        <p:tgtEl>
+                                          <p:spTgt spid="3">
+                                            <p:txEl>
+                                              <p:pRg st="0" end="0"/>
+                                            </p:txEl>
+                                          </p:spTgt>
+                                        </p:tgtEl>
+                                        <p:attrNameLst>
+                                          <p:attrName>ppt_x</p:attrName>
+                                        </p:attrNameLst>
+                                      </p:cBhvr>
+                                      <p:tavLst>
+                                        <p:tav tm="0">
+                                          <p:val>
+                                            <p:strVal val="#ppt_x"/>
+                                          </p:val>
+                                        </p:tav>
+                                        <p:tav tm="100000">
+                                          <p:val>
+                                            <p:strVal val="#ppt_x"/>
+                                          </p:val>
+                                        </p:tav>
+                                      </p:tavLst>
+                                    </p:anim>
+                                    <p:anim calcmode="lin" valueType="num">
+                                      <p:cBhvr>
+                                        <p:cTn id="9" dur="1000" fill="hold"/>
+                                        <p:tgtEl>
+                                          <p:spTgt spid="3">
+                                            <p:txEl>
+                                              <p:pRg st="0" end="0"/>
+                                            </p:txEl>
+                                          </p:spTgt>
+                                        </p:tgtEl>
+                                        <p:attrNameLst>
+                                          <p:attrName>ppt_y</p:attrName>
+                                        </p:attrNameLst>
+                                      </p:cBhvr>
+                                      <p:tavLst>
+                                        <p:tav tm="0">
+                                          <p:val>
+                                            <p:strVal val="#ppt_y+.1"/>
+                                          </p:val>
+                                        </p:tav>
+                                        <p:tav tm="100000">
+                                          <p:val>
+                                            <p:strVal val="#ppt_y"/>
+                                          </p:val>
+                                        </p:tav>
+                                      </p:tavLst>
+                                    </p:anim>
+                                  </p:childTnLst>
+                                </p:cTn>
+                              </p:par>
+                            </p:childTnLst>
+                          </p:cTn>
+                        </p:par>
+                      </p:childTnLst>
+                    </p:cTn>
+                  </p:par>
+                  <p:par>
+                    <p:cTn id="10" fill="hold">
+                      <p:stCondLst>
+                        <p:cond delay="indefinite"/>
+                      </p:stCondLst>
+                      <p:childTnLst>
+                        <p:par>
+                          <p:cTn id="11" fill="hold">
+                            <p:stCondLst>
+                              <p:cond delay="0"/>
+                            </p:stCondLst>
+                            <p:childTnLst>
+                              <p:par>
+                                <p:cTn id="12" presetID="42" presetClass="entr" presetSubtype="0" fill="hold" nodeType="clickEffect">
+                                  <p:stCondLst>
+                                    <p:cond delay="0"/>
+                                  </p:stCondLst>
+                                  <p:childTnLst>
+                                    <p:set>
+                                      <p:cBhvr>
+                                        <p:cTn id="13" dur="1" fill="hold">
+                                          <p:stCondLst>
+                                            <p:cond delay="0"/>
+                                          </p:stCondLst>
+                                        </p:cTn>
+                                        <p:tgtEl>
+                                          <p:spTgt spid="3">
+                                            <p:txEl>
+                                              <p:pRg st="1" end="1"/>
+                                            </p:txEl>
+                                          </p:spTgt>
+                                        </p:tgtEl>
+                                        <p:attrNameLst>
+                                          <p:attrName>style.visibility</p:attrName>
+                                        </p:attrNameLst>
+                                      </p:cBhvr>
+                                      <p:to>
+                                        <p:strVal val="visible"/>
+                                      </p:to>
+                                    </p:set>
+                                    <p:animEffect transition="in" filter="fade">
+                                      <p:cBhvr>
+                                        <p:cTn id="14" dur="1000"/>
+                                        <p:tgtEl>
+                                          <p:spTgt spid="3">
+                                            <p:txEl>
+                                              <p:pRg st="1" end="1"/>
+                                            </p:txEl>
+                                          </p:spTgt>
+                                        </p:tgtEl>
+                                      </p:cBhvr>
+                                    </p:animEffect>
+                                    <p:anim calcmode="lin" valueType="num">
+                                      <p:cBhvr>
+                                        <p:cTn id="15" dur="1000" fill="hold"/>
+                                        <p:tgtEl>
+                                          <p:spTgt spid="3">
+                                            <p:txEl>
+                                              <p:pRg st="1" end="1"/>
+                                            </p:txEl>
+                                          </p:spTgt>
+                                        </p:tgtEl>
+                                        <p:attrNameLst>
+                                          <p:attrName>ppt_x</p:attrName>
+                                        </p:attrNameLst>
+                                      </p:cBhvr>
+                                      <p:tavLst>
+                                        <p:tav tm="0">
+                                          <p:val>
+                                            <p:strVal val="#ppt_x"/>
+                                          </p:val>
+                                        </p:tav>
+                                        <p:tav tm="100000">
+                                          <p:val>
+                                            <p:strVal val="#ppt_x"/>
+                                          </p:val>
+                                        </p:tav>
+                                      </p:tavLst>
+                                    </p:anim>
+                                    <p:anim calcmode="lin" valueType="num">
+                                      <p:cBhvr>
+                                        <p:cTn id="16" dur="1000" fill="hold"/>
+                                        <p:tgtEl>
+                                          <p:spTgt spid="3">
+                                            <p:txEl>
+                                              <p:pRg st="1" end="1"/>
+                                            </p:txEl>
+                                          </p:spTgt>
+                                        </p:tgtEl>
+                                        <p:attrNameLst>
+                                          <p:attrName>ppt_y</p:attrName>
+                                        </p:attrNameLst>
+                                      </p:cBhvr>
+                                      <p:tavLst>
+                                        <p:tav tm="0">
+                                          <p:val>
+                                            <p:strVal val="#ppt_y+.1"/>
+                                          </p:val>
+                                        </p:tav>
+                                        <p:tav tm="100000">
+                                          <p:val>
+                                            <p:strVal val="#ppt_y"/>
+                                          </p:val>
+                                        </p:tav>
+                                      </p:tavLst>
+                                    </p:anim>
+                                  </p:childTnLst>
+                                </p:cTn>
+                              </p:par>
+                            </p:childTnLst>
+                          </p:cTn>
+                        </p:par>
+                      </p:childTnLst>
+                    </p:cTn>
+                  </p:par>
+                  <p:par>
+                    <p:cTn id="17" fill="hold">
+                      <p:stCondLst>
+                        <p:cond delay="indefinite"/>
+                      </p:stCondLst>
+                      <p:childTnLst>
+                        <p:par>
+                          <p:cTn id="18" fill="hold">
+                            <p:stCondLst>
+                              <p:cond delay="0"/>
+                            </p:stCondLst>
+                            <p:childTnLst>
+                              <p:par>
+                                <p:cTn id="19" presetID="42" presetClass="entr" presetSubtype="0" fill="hold" nodeType="clickEffect">
+                                  <p:stCondLst>
+                                    <p:cond delay="0"/>
+                                  </p:stCondLst>
+                                  <p:childTnLst>
+                                    <p:set>
+                                      <p:cBhvr>
+                                        <p:cTn id="20" dur="1" fill="hold">
+                                          <p:stCondLst>
+                                            <p:cond delay="0"/>
+                                          </p:stCondLst>
+                                        </p:cTn>
+                                        <p:tgtEl>
+                                          <p:spTgt spid="3">
+                                            <p:txEl>
+                                              <p:pRg st="2" end="2"/>
+                                            </p:txEl>
+                                          </p:spTgt>
+                                        </p:tgtEl>
+                                        <p:attrNameLst>
+                                          <p:attrName>style.visibility</p:attrName>
+                                        </p:attrNameLst>
+                                      </p:cBhvr>
+                                      <p:to>
+                                        <p:strVal val="visible"/>
+                                      </p:to>
+                                    </p:set>
+                                    <p:animEffect transition="in" filter="fade">
+                                      <p:cBhvr>
+                                        <p:cTn id="21" dur="1000"/>
+                                        <p:tgtEl>
+                                          <p:spTgt spid="3">
+                                            <p:txEl>
+                                              <p:pRg st="2" end="2"/>
+                                            </p:txEl>
+                                          </p:spTgt>
+                                        </p:tgtEl>
+                                      </p:cBhvr>
+                                    </p:animEffect>
+                                    <p:anim calcmode="lin" valueType="num">
+                                      <p:cBhvr>
+                                        <p:cTn id="22" dur="1000" fill="hold"/>
+                                        <p:tgtEl>
+                                          <p:spTgt spid="3">
+                                            <p:txEl>
+                                              <p:pRg st="2" end="2"/>
+                                            </p:txEl>
+                                          </p:spTgt>
+                                        </p:tgtEl>
+                                        <p:attrNameLst>
+                                          <p:attrName>ppt_x</p:attrName>
+                                        </p:attrNameLst>
+                                      </p:cBhvr>
+                                      <p:tavLst>
+                                        <p:tav tm="0">
+                                          <p:val>
+                                            <p:strVal val="#ppt_x"/>
+                                          </p:val>
+                                        </p:tav>
+                                        <p:tav tm="100000">
+                                          <p:val>
+                                            <p:strVal val="#ppt_x"/>
+                                          </p:val>
+                                        </p:tav>
+                                      </p:tavLst>
+                                    </p:anim>
+                                    <p:anim calcmode="lin" valueType="num">
+                                      <p:cBhvr>
+                                        <p:cTn id="23" dur="1000" fill="hold"/>
+                                        <p:tgtEl>
+                                          <p:spTgt spid="3">
+                                            <p:txEl>
+                                              <p:pRg st="2" end="2"/>
+                                            </p:txEl>
+                                          </p:spTgt>
+                                        </p:tgtEl>
+                                        <p:attrNameLst>
+                                          <p:attrName>ppt_y</p:attrName>
+                                        </p:attrNameLst>
+                                      </p:cBhvr>
+                                      <p:tavLst>
+                                        <p:tav tm="0">
+                                          <p:val>
+                                            <p:strVal val="#ppt_y+.1"/>
+                                          </p:val>
+                                        </p:tav>
+                                        <p:tav tm="100000">
+                                          <p:val>
+                                            <p:strVal val="#ppt_y"/>
+                                          </p:val>
+                                        </p:tav>
+                                      </p:tavLst>
+                                    </p:anim>
+                                  </p:childTnLst>
+                                </p:cTn>
+                              </p:par>
+                            </p:childTnLst>
+                          </p:cTn>
+                        </p:par>
+                      </p:childTnLst>
+                    </p:cTn>
+                  </p:par>
+                  <p:par>
+                    <p:cTn id="24" fill="hold">
+                      <p:stCondLst>
+                        <p:cond delay="indefinite"/>
+                      </p:stCondLst>
+                      <p:childTnLst>
+                        <p:par>
+                          <p:cTn id="25" fill="hold">
+                            <p:stCondLst>
+                              <p:cond delay="0"/>
+                            </p:stCondLst>
+                            <p:childTnLst>
+                              <p:par>
+                                <p:cTn id="26" presetID="42" presetClass="entr" presetSubtype="0" fill="hold" nodeType="clickEffect">
+                                  <p:stCondLst>
+                                    <p:cond delay="0"/>
+                                  </p:stCondLst>
+                                  <p:childTnLst>
+                                    <p:set>
+                                      <p:cBhvr>
+                                        <p:cTn id="27" dur="1" fill="hold">
+                                          <p:stCondLst>
+                                            <p:cond delay="0"/>
+                                          </p:stCondLst>
+                                        </p:cTn>
+                                        <p:tgtEl>
+                                          <p:spTgt spid="3">
+                                            <p:txEl>
+                                              <p:pRg st="3" end="3"/>
+                                            </p:txEl>
+                                          </p:spTgt>
+                                        </p:tgtEl>
+                                        <p:attrNameLst>
+                                          <p:attrName>style.visibility</p:attrName>
+                                        </p:attrNameLst>
+                                      </p:cBhvr>
+                                      <p:to>
+                                        <p:strVal val="visible"/>
+                                      </p:to>
+                                    </p:set>
+                                    <p:animEffect transition="in" filter="fade">
+                                      <p:cBhvr>
+                                        <p:cTn id="28" dur="1000"/>
+                                        <p:tgtEl>
+                                          <p:spTgt spid="3">
+                                            <p:txEl>
+                                              <p:pRg st="3" end="3"/>
+                                            </p:txEl>
+                                          </p:spTgt>
+                                        </p:tgtEl>
+                                      </p:cBhvr>
+                                    </p:animEffect>
+                                    <p:anim calcmode="lin" valueType="num">
+                                      <p:cBhvr>
+                                        <p:cTn id="29" dur="1000" fill="hold"/>
+                                        <p:tgtEl>
+                                          <p:spTgt spid="3">
+                                            <p:txEl>
+                                              <p:pRg st="3" end="3"/>
+                                            </p:txEl>
+                                          </p:spTgt>
+                                        </p:tgtEl>
+                                        <p:attrNameLst>
+                                          <p:attrName>ppt_x</p:attrName>
+                                        </p:attrNameLst>
+                                      </p:cBhvr>
+                                      <p:tavLst>
+                                        <p:tav tm="0">
+                                          <p:val>
+                                            <p:strVal val="#ppt_x"/>
+                                          </p:val>
+                                        </p:tav>
+                                        <p:tav tm="100000">
+                                          <p:val>
+                                            <p:strVal val="#ppt_x"/>
+                                          </p:val>
+                                        </p:tav>
+                                      </p:tavLst>
+                                    </p:anim>
+                                    <p:anim calcmode="lin" valueType="num">
+                                      <p:cBhvr>
+                                        <p:cTn id="30" dur="1000" fill="hold"/>
+                                        <p:tgtEl>
+                                          <p:spTgt spid="3">
+                                            <p:txEl>
+                                              <p:pRg st="3" end="3"/>
+                                            </p:txEl>
+                                          </p:spTgt>
+                                        </p:tgtEl>
+                                        <p:attrNameLst>
+                                          <p:attrName>ppt_y</p:attrName>
+                                        </p:attrNameLst>
+                                      </p:cBhvr>
+                                      <p:tavLst>
+                                        <p:tav tm="0">
+                                          <p:val>
+                                            <p:strVal val="#ppt_y+.1"/>
+                                          </p:val>
+                                        </p:tav>
+                                        <p:tav tm="100000">
+                                          <p:val>
+                                            <p:strVal val="#ppt_y"/>
+                                          </p:val>
+                                        </p:tav>
+                                      </p:tavLst>
+                                    </p:anim>
+                                  </p:childTnLst>
+                                </p:cTn>
+                              </p:par>
+                            </p:childTnLst>
+                          </p:cTn>
+                        </p:par>
+                      </p:childTnLst>
+                    </p:cTn>
+                  </p:par>
+                  <p:par>
+                    <p:cTn id="31" fill="hold">
+                      <p:stCondLst>
+                        <p:cond delay="indefinite"/>
+                      </p:stCondLst>
+                      <p:childTnLst>
+                        <p:par>
+                          <p:cTn id="32" fill="hold">
+                            <p:stCondLst>
+                              <p:cond delay="0"/>
+                            </p:stCondLst>
+                            <p:childTnLst>
+                              <p:par>
+                                <p:cTn id="33" presetID="42" presetClass="entr" presetSubtype="0" fill="hold" nodeType="clickEffect">
+                                  <p:stCondLst>
+                                    <p:cond delay="0"/>
+                                  </p:stCondLst>
+                                  <p:childTnLst>
+                                    <p:set>
+                                      <p:cBhvr>
+                                        <p:cTn id="34" dur="1" fill="hold">
+                                          <p:stCondLst>
+                                            <p:cond delay="0"/>
+                                          </p:stCondLst>
+                                        </p:cTn>
+                                        <p:tgtEl>
+                                          <p:spTgt spid="3">
+                                            <p:txEl>
+                                              <p:pRg st="4" end="4"/>
+                                            </p:txEl>
+                                          </p:spTgt>
+                                        </p:tgtEl>
+                                        <p:attrNameLst>
+                                          <p:attrName>style.visibility</p:attrName>
+                                        </p:attrNameLst>
+                                      </p:cBhvr>
+                                      <p:to>
+                                        <p:strVal val="visible"/>
+                                      </p:to>
+                                    </p:set>
+                                    <p:animEffect transition="in" filter="fade">
+                                      <p:cBhvr>
+                                        <p:cTn id="35" dur="1000"/>
+                                        <p:tgtEl>
+                                          <p:spTgt spid="3">
+                                            <p:txEl>
+                                              <p:pRg st="4" end="4"/>
+                                            </p:txEl>
+                                          </p:spTgt>
+                                        </p:tgtEl>
+                                      </p:cBhvr>
+                                    </p:animEffect>
+                                    <p:anim calcmode="lin" valueType="num">
+                                      <p:cBhvr>
+                                        <p:cTn id="36" dur="1000" fill="hold"/>
+                                        <p:tgtEl>
+                                          <p:spTgt spid="3">
+                                            <p:txEl>
+                                              <p:pRg st="4" end="4"/>
+                                            </p:txEl>
+                                          </p:spTgt>
+                                        </p:tgtEl>
+                                        <p:attrNameLst>
+                                          <p:attrName>ppt_x</p:attrName>
+                                        </p:attrNameLst>
+                                      </p:cBhvr>
+                                      <p:tavLst>
+                                        <p:tav tm="0">
+                                          <p:val>
+                                            <p:strVal val="#ppt_x"/>
+                                          </p:val>
+                                        </p:tav>
+                                        <p:tav tm="100000">
+                                          <p:val>
+                                            <p:strVal val="#ppt_x"/>
+                                          </p:val>
+                                        </p:tav>
+                                      </p:tavLst>
+                                    </p:anim>
+                                    <p:anim calcmode="lin" valueType="num">
+                                      <p:cBhvr>
+                                        <p:cTn id="37" dur="1000" fill="hold"/>
+                                        <p:tgtEl>
+                                          <p:spTgt spid="3">
+                                            <p:txEl>
+                                              <p:pRg st="4" end="4"/>
+                                            </p:txEl>
+                                          </p:spTgt>
+                                        </p:tgtEl>
+                                        <p:attrNameLst>
+                                          <p:attrName>ppt_y</p:attrName>
+                                        </p:attrNameLst>
+                                      </p:cBhvr>
+                                      <p:tavLst>
+                                        <p:tav tm="0">
+                                          <p:val>
+                                            <p:strVal val="#ppt_y+.1"/>
+                                          </p:val>
+                                        </p:tav>
+                                        <p:tav tm="100000">
+                                          <p:val>
+                                            <p:strVal val="#ppt_y"/>
+                                          </p:val>
+                                        </p:tav>
+                                      </p:tavLst>
+                                    </p:anim>
+                                  </p:childTnLst>
+                                </p:cTn>
+                              </p:par>
+                            </p:childTnLst>
+                          </p:cTn>
+                        </p:par>
+                      </p:childTnLst>
+                    </p:cTn>
+                  </p:par>
+                  <p:par>
+                    <p:cTn id="38" fill="hold">
+                      <p:stCondLst>
+                        <p:cond delay="indefinite"/>
+                      </p:stCondLst>
+                      <p:childTnLst>
+                        <p:par>
+                          <p:cTn id="39" fill="hold">
+                            <p:stCondLst>
+                              <p:cond delay="0"/>
+                            </p:stCondLst>
+                            <p:childTnLst>
+                              <p:par>
+                                <p:cTn id="40" presetID="42" presetClass="entr" presetSubtype="0" fill="hold" nodeType="clickEffect">
+                                  <p:stCondLst>
+                                    <p:cond delay="0"/>
+                                  </p:stCondLst>
+                                  <p:childTnLst>
+                                    <p:set>
+                                      <p:cBhvr>
+                                        <p:cTn id="41" dur="1" fill="hold">
+                                          <p:stCondLst>
+                                            <p:cond delay="0"/>
+                                          </p:stCondLst>
+                                        </p:cTn>
+                                        <p:tgtEl>
+                                          <p:spTgt spid="3">
+                                            <p:txEl>
+                                              <p:pRg st="5" end="5"/>
+                                            </p:txEl>
+                                          </p:spTgt>
+                                        </p:tgtEl>
+                                        <p:attrNameLst>
+                                          <p:attrName>style.visibility</p:attrName>
+                                        </p:attrNameLst>
+                                      </p:cBhvr>
+                                      <p:to>
+                                        <p:strVal val="visible"/>
+                                      </p:to>
+                                    </p:set>
+                                    <p:animEffect transition="in" filter="fade">
+                                      <p:cBhvr>
+                                        <p:cTn id="42" dur="1000"/>
+                                        <p:tgtEl>
+                                          <p:spTgt spid="3">
+                                            <p:txEl>
+                                              <p:pRg st="5" end="5"/>
+                                            </p:txEl>
+                                          </p:spTgt>
+                                        </p:tgtEl>
+                                      </p:cBhvr>
+                                    </p:animEffect>
+                                    <p:anim calcmode="lin" valueType="num">
+                                      <p:cBhvr>
+                                        <p:cTn id="43" dur="1000" fill="hold"/>
+                                        <p:tgtEl>
+                                          <p:spTgt spid="3">
+                                            <p:txEl>
+                                              <p:pRg st="5" end="5"/>
+                                            </p:txEl>
+                                          </p:spTgt>
+                                        </p:tgtEl>
+                                        <p:attrNameLst>
+                                          <p:attrName>ppt_x</p:attrName>
+                                        </p:attrNameLst>
+                                      </p:cBhvr>
+                                      <p:tavLst>
+                                        <p:tav tm="0">
+                                          <p:val>
+                                            <p:strVal val="#ppt_x"/>
+                                          </p:val>
+                                        </p:tav>
+                                        <p:tav tm="100000">
+                                          <p:val>
+                                            <p:strVal val="#ppt_x"/>
+                                          </p:val>
+                                        </p:tav>
+                                      </p:tavLst>
+                                    </p:anim>
+                                    <p:anim calcmode="lin" valueType="num">
+                                      <p:cBhvr>
+                                        <p:cTn id="44" dur="1000" fill="hold"/>
+                                        <p:tgtEl>
+                                          <p:spTgt spid="3">
+                                            <p:txEl>
+                                              <p:pRg st="5" end="5"/>
+                                            </p:txEl>
+                                          </p:spTgt>
+                                        </p:tgtEl>
+                                        <p:attrNameLst>
+                                          <p:attrName>ppt_y</p:attrName>
+                                        </p:attrNameLst>
+                                      </p:cBhvr>
+                                      <p:tavLst>
+                                        <p:tav tm="0">
+                                          <p:val>
+                                            <p:strVal val="#ppt_y+.1"/>
+                                          </p:val>
+                                        </p:tav>
+                                        <p:tav tm="100000">
+                                          <p:val>
+                                            <p:strVal val="#ppt_y"/>
+                                          </p:val>
+                                        </p:tav>
+                                      </p:tavLst>
+                                    </p:anim>
+                                  </p:childTnLst>
+                                </p:cTn>
+                              </p:par>
+                            </p:childTnLst>
+                          </p:cTn>
+                        </p:par>
+                      </p:childTnLst>
+                    </p:cTn>
+                  </p:par>
+                </p:childTnLst>
+              </p:cTn>
+              <p:prevCondLst>
+                <p:cond evt="onPrev" delay="0">
+                  <p:tgtEl>
+                    <p:sldTgt/>
+                  </p:tgtEl>
+                </p:cond>
+              </p:prevCondLst>
+              <p:nextCondLst>
+                <p:cond evt="onNext" delay="0">
+                  <p:tgtEl>
+                    <p:sldTgt/>
+                  </p:tgtEl>
+                </p:cond>
+              </p:nextCondLst>
+            </p:seq>
+          </p:childTnLst>
+        </p:cTn>
+      </p:par>
+    </p:tnLst>
+  </p:timing>
 </p:sld>
 </file>
 

--- a/WebProgramming.pptx
+++ b/WebProgramming.pptx
@@ -11,8 +11,7 @@
     <p:sldId id="258" r:id="rId5"/>
     <p:sldId id="259" r:id="rId6"/>
     <p:sldId id="260" r:id="rId7"/>
-    <p:sldId id="261" r:id="rId8"/>
-    <p:sldId id="262" r:id="rId9"/>
+    <p:sldId id="262" r:id="rId8"/>
   </p:sldIdLst>
   <p:sldSz cx="12192000" cy="6858000"/>
   <p:notesSz cx="6858000" cy="9144000"/>
@@ -169,7 +168,7 @@
           <a:noFill/>
           <a:extLst>
             <a:ext uri="{909E8E84-426E-40dd-AFC4-6F175D3DCCD1}">
-              <a14:hiddenFill xmlns="" xmlns:a14="http://schemas.microsoft.com/office/drawing/2010/main">
+              <a14:hiddenFill xmlns:a14="http://schemas.microsoft.com/office/drawing/2010/main" xmlns="">
                 <a:solidFill>
                   <a:srgbClr val="FFFFFF"/>
                 </a:solidFill>
@@ -229,7 +228,7 @@
             </a:ln>
             <a:extLst>
               <a:ext uri="{91240B29-F687-4f45-9708-019B960494DF}">
-                <a14:hiddenLine xmlns="" xmlns:a14="http://schemas.microsoft.com/office/drawing/2010/main" w="9525">
+                <a14:hiddenLine xmlns:a14="http://schemas.microsoft.com/office/drawing/2010/main" xmlns="" w="9525">
                   <a:solidFill>
                     <a:srgbClr val="000000"/>
                   </a:solidFill>
@@ -319,7 +318,7 @@
             </a:ln>
             <a:extLst>
               <a:ext uri="{91240B29-F687-4f45-9708-019B960494DF}">
-                <a14:hiddenLine xmlns="" xmlns:a14="http://schemas.microsoft.com/office/drawing/2010/main" w="9525">
+                <a14:hiddenLine xmlns:a14="http://schemas.microsoft.com/office/drawing/2010/main" xmlns="" w="9525">
                   <a:solidFill>
                     <a:srgbClr val="000000"/>
                   </a:solidFill>
@@ -409,7 +408,7 @@
             </a:ln>
             <a:extLst>
               <a:ext uri="{91240B29-F687-4f45-9708-019B960494DF}">
-                <a14:hiddenLine xmlns="" xmlns:a14="http://schemas.microsoft.com/office/drawing/2010/main" w="9525">
+                <a14:hiddenLine xmlns:a14="http://schemas.microsoft.com/office/drawing/2010/main" xmlns="" w="9525">
                   <a:solidFill>
                     <a:srgbClr val="000000"/>
                   </a:solidFill>
@@ -443,7 +442,7 @@
             </a:ln>
             <a:extLst>
               <a:ext uri="{91240B29-F687-4f45-9708-019B960494DF}">
-                <a14:hiddenLine xmlns="" xmlns:a14="http://schemas.microsoft.com/office/drawing/2010/main" w="9525">
+                <a14:hiddenLine xmlns:a14="http://schemas.microsoft.com/office/drawing/2010/main" xmlns="" w="9525">
                   <a:solidFill>
                     <a:srgbClr val="000000"/>
                   </a:solidFill>
@@ -533,7 +532,7 @@
             </a:ln>
             <a:extLst>
               <a:ext uri="{91240B29-F687-4f45-9708-019B960494DF}">
-                <a14:hiddenLine xmlns="" xmlns:a14="http://schemas.microsoft.com/office/drawing/2010/main" w="9525">
+                <a14:hiddenLine xmlns:a14="http://schemas.microsoft.com/office/drawing/2010/main" xmlns="" w="9525">
                   <a:solidFill>
                     <a:srgbClr val="000000"/>
                   </a:solidFill>
@@ -595,7 +594,7 @@
             </a:ln>
             <a:extLst>
               <a:ext uri="{91240B29-F687-4f45-9708-019B960494DF}">
-                <a14:hiddenLine xmlns="" xmlns:a14="http://schemas.microsoft.com/office/drawing/2010/main" w="9525">
+                <a14:hiddenLine xmlns:a14="http://schemas.microsoft.com/office/drawing/2010/main" xmlns="" w="9525">
                   <a:solidFill>
                     <a:srgbClr val="000000"/>
                   </a:solidFill>
@@ -657,7 +656,7 @@
             </a:ln>
             <a:extLst>
               <a:ext uri="{91240B29-F687-4f45-9708-019B960494DF}">
-                <a14:hiddenLine xmlns="" xmlns:a14="http://schemas.microsoft.com/office/drawing/2010/main" w="9525">
+                <a14:hiddenLine xmlns:a14="http://schemas.microsoft.com/office/drawing/2010/main" xmlns="" w="9525">
                   <a:solidFill>
                     <a:srgbClr val="000000"/>
                   </a:solidFill>
@@ -747,7 +746,7 @@
             </a:ln>
             <a:extLst>
               <a:ext uri="{91240B29-F687-4f45-9708-019B960494DF}">
-                <a14:hiddenLine xmlns="" xmlns:a14="http://schemas.microsoft.com/office/drawing/2010/main" w="9525">
+                <a14:hiddenLine xmlns:a14="http://schemas.microsoft.com/office/drawing/2010/main" xmlns="" w="9525">
                   <a:solidFill>
                     <a:srgbClr val="000000"/>
                   </a:solidFill>
@@ -809,7 +808,7 @@
             </a:ln>
             <a:extLst>
               <a:ext uri="{91240B29-F687-4f45-9708-019B960494DF}">
-                <a14:hiddenLine xmlns="" xmlns:a14="http://schemas.microsoft.com/office/drawing/2010/main" w="9525">
+                <a14:hiddenLine xmlns:a14="http://schemas.microsoft.com/office/drawing/2010/main" xmlns="" w="9525">
                   <a:solidFill>
                     <a:srgbClr val="000000"/>
                   </a:solidFill>
@@ -871,7 +870,7 @@
             </a:ln>
             <a:extLst>
               <a:ext uri="{91240B29-F687-4f45-9708-019B960494DF}">
-                <a14:hiddenLine xmlns="" xmlns:a14="http://schemas.microsoft.com/office/drawing/2010/main" w="9525">
+                <a14:hiddenLine xmlns:a14="http://schemas.microsoft.com/office/drawing/2010/main" xmlns="" w="9525">
                   <a:solidFill>
                     <a:srgbClr val="000000"/>
                   </a:solidFill>
@@ -961,7 +960,7 @@
             </a:ln>
             <a:extLst>
               <a:ext uri="{91240B29-F687-4f45-9708-019B960494DF}">
-                <a14:hiddenLine xmlns="" xmlns:a14="http://schemas.microsoft.com/office/drawing/2010/main" w="9525">
+                <a14:hiddenLine xmlns:a14="http://schemas.microsoft.com/office/drawing/2010/main" xmlns="" w="9525">
                   <a:solidFill>
                     <a:srgbClr val="000000"/>
                   </a:solidFill>
@@ -1051,7 +1050,7 @@
             </a:ln>
             <a:extLst>
               <a:ext uri="{91240B29-F687-4f45-9708-019B960494DF}">
-                <a14:hiddenLine xmlns="" xmlns:a14="http://schemas.microsoft.com/office/drawing/2010/main" w="9525">
+                <a14:hiddenLine xmlns:a14="http://schemas.microsoft.com/office/drawing/2010/main" xmlns="" w="9525">
                   <a:solidFill>
                     <a:srgbClr val="000000"/>
                   </a:solidFill>
@@ -1113,7 +1112,7 @@
             </a:ln>
             <a:extLst>
               <a:ext uri="{91240B29-F687-4f45-9708-019B960494DF}">
-                <a14:hiddenLine xmlns="" xmlns:a14="http://schemas.microsoft.com/office/drawing/2010/main" w="9525">
+                <a14:hiddenLine xmlns:a14="http://schemas.microsoft.com/office/drawing/2010/main" xmlns="" w="9525">
                   <a:solidFill>
                     <a:srgbClr val="000000"/>
                   </a:solidFill>
@@ -1223,7 +1222,7 @@
             </a:ln>
             <a:extLst>
               <a:ext uri="{91240B29-F687-4f45-9708-019B960494DF}">
-                <a14:hiddenLine xmlns="" xmlns:a14="http://schemas.microsoft.com/office/drawing/2010/main" w="9525">
+                <a14:hiddenLine xmlns:a14="http://schemas.microsoft.com/office/drawing/2010/main" xmlns="" w="9525">
                   <a:solidFill>
                     <a:srgbClr val="000000"/>
                   </a:solidFill>
@@ -1285,7 +1284,7 @@
             </a:ln>
             <a:extLst>
               <a:ext uri="{91240B29-F687-4f45-9708-019B960494DF}">
-                <a14:hiddenLine xmlns="" xmlns:a14="http://schemas.microsoft.com/office/drawing/2010/main" w="9525">
+                <a14:hiddenLine xmlns:a14="http://schemas.microsoft.com/office/drawing/2010/main" xmlns="" w="9525">
                   <a:solidFill>
                     <a:srgbClr val="000000"/>
                   </a:solidFill>
@@ -1375,7 +1374,7 @@
             </a:ln>
             <a:extLst>
               <a:ext uri="{91240B29-F687-4f45-9708-019B960494DF}">
-                <a14:hiddenLine xmlns="" xmlns:a14="http://schemas.microsoft.com/office/drawing/2010/main" w="9525">
+                <a14:hiddenLine xmlns:a14="http://schemas.microsoft.com/office/drawing/2010/main" xmlns="" w="9525">
                   <a:solidFill>
                     <a:srgbClr val="000000"/>
                   </a:solidFill>
@@ -1465,7 +1464,7 @@
             </a:ln>
             <a:extLst>
               <a:ext uri="{91240B29-F687-4f45-9708-019B960494DF}">
-                <a14:hiddenLine xmlns="" xmlns:a14="http://schemas.microsoft.com/office/drawing/2010/main" w="9525">
+                <a14:hiddenLine xmlns:a14="http://schemas.microsoft.com/office/drawing/2010/main" xmlns="" w="9525">
                   <a:solidFill>
                     <a:srgbClr val="000000"/>
                   </a:solidFill>
@@ -1527,7 +1526,7 @@
             </a:ln>
             <a:extLst>
               <a:ext uri="{91240B29-F687-4f45-9708-019B960494DF}">
-                <a14:hiddenLine xmlns="" xmlns:a14="http://schemas.microsoft.com/office/drawing/2010/main" w="9525">
+                <a14:hiddenLine xmlns:a14="http://schemas.microsoft.com/office/drawing/2010/main" xmlns="" w="9525">
                   <a:solidFill>
                     <a:srgbClr val="000000"/>
                   </a:solidFill>
@@ -1617,7 +1616,7 @@
             </a:ln>
             <a:extLst>
               <a:ext uri="{91240B29-F687-4f45-9708-019B960494DF}">
-                <a14:hiddenLine xmlns="" xmlns:a14="http://schemas.microsoft.com/office/drawing/2010/main" w="9525">
+                <a14:hiddenLine xmlns:a14="http://schemas.microsoft.com/office/drawing/2010/main" xmlns="" w="9525">
                   <a:solidFill>
                     <a:srgbClr val="000000"/>
                   </a:solidFill>
@@ -1707,7 +1706,7 @@
             </a:ln>
             <a:extLst>
               <a:ext uri="{91240B29-F687-4f45-9708-019B960494DF}">
-                <a14:hiddenLine xmlns="" xmlns:a14="http://schemas.microsoft.com/office/drawing/2010/main" w="9525">
+                <a14:hiddenLine xmlns:a14="http://schemas.microsoft.com/office/drawing/2010/main" xmlns="" w="9525">
                   <a:solidFill>
                     <a:srgbClr val="000000"/>
                   </a:solidFill>
@@ -1763,7 +1762,7 @@
             </a:ln>
             <a:extLst>
               <a:ext uri="{91240B29-F687-4f45-9708-019B960494DF}">
-                <a14:hiddenLine xmlns="" xmlns:a14="http://schemas.microsoft.com/office/drawing/2010/main" w="9525">
+                <a14:hiddenLine xmlns:a14="http://schemas.microsoft.com/office/drawing/2010/main" xmlns="" w="9525">
                   <a:solidFill>
                     <a:srgbClr val="000000"/>
                   </a:solidFill>
@@ -1853,7 +1852,7 @@
             </a:ln>
             <a:extLst>
               <a:ext uri="{91240B29-F687-4f45-9708-019B960494DF}">
-                <a14:hiddenLine xmlns="" xmlns:a14="http://schemas.microsoft.com/office/drawing/2010/main" w="9525">
+                <a14:hiddenLine xmlns:a14="http://schemas.microsoft.com/office/drawing/2010/main" xmlns="" w="9525">
                   <a:solidFill>
                     <a:srgbClr val="000000"/>
                   </a:solidFill>
@@ -1909,7 +1908,7 @@
             </a:ln>
             <a:extLst>
               <a:ext uri="{91240B29-F687-4f45-9708-019B960494DF}">
-                <a14:hiddenLine xmlns="" xmlns:a14="http://schemas.microsoft.com/office/drawing/2010/main" w="9525">
+                <a14:hiddenLine xmlns:a14="http://schemas.microsoft.com/office/drawing/2010/main" xmlns="" w="9525">
                   <a:solidFill>
                     <a:srgbClr val="000000"/>
                   </a:solidFill>
@@ -1999,7 +1998,7 @@
             </a:ln>
             <a:extLst>
               <a:ext uri="{91240B29-F687-4f45-9708-019B960494DF}">
-                <a14:hiddenLine xmlns="" xmlns:a14="http://schemas.microsoft.com/office/drawing/2010/main" w="9525">
+                <a14:hiddenLine xmlns:a14="http://schemas.microsoft.com/office/drawing/2010/main" xmlns="" w="9525">
                   <a:solidFill>
                     <a:srgbClr val="000000"/>
                   </a:solidFill>
@@ -2067,7 +2066,7 @@
             </a:ln>
             <a:extLst>
               <a:ext uri="{91240B29-F687-4f45-9708-019B960494DF}">
-                <a14:hiddenLine xmlns="" xmlns:a14="http://schemas.microsoft.com/office/drawing/2010/main" w="9525">
+                <a14:hiddenLine xmlns:a14="http://schemas.microsoft.com/office/drawing/2010/main" xmlns="" w="9525">
                   <a:solidFill>
                     <a:srgbClr val="000000"/>
                   </a:solidFill>
@@ -2157,7 +2156,7 @@
             </a:ln>
             <a:extLst>
               <a:ext uri="{91240B29-F687-4f45-9708-019B960494DF}">
-                <a14:hiddenLine xmlns="" xmlns:a14="http://schemas.microsoft.com/office/drawing/2010/main" w="9525">
+                <a14:hiddenLine xmlns:a14="http://schemas.microsoft.com/office/drawing/2010/main" xmlns="" w="9525">
                   <a:solidFill>
                     <a:srgbClr val="000000"/>
                   </a:solidFill>
@@ -2225,7 +2224,7 @@
             </a:ln>
             <a:extLst>
               <a:ext uri="{91240B29-F687-4f45-9708-019B960494DF}">
-                <a14:hiddenLine xmlns="" xmlns:a14="http://schemas.microsoft.com/office/drawing/2010/main" w="9525">
+                <a14:hiddenLine xmlns:a14="http://schemas.microsoft.com/office/drawing/2010/main" xmlns="" w="9525">
                   <a:solidFill>
                     <a:srgbClr val="000000"/>
                   </a:solidFill>
@@ -2315,7 +2314,7 @@
             </a:ln>
             <a:extLst>
               <a:ext uri="{91240B29-F687-4f45-9708-019B960494DF}">
-                <a14:hiddenLine xmlns="" xmlns:a14="http://schemas.microsoft.com/office/drawing/2010/main" w="9525">
+                <a14:hiddenLine xmlns:a14="http://schemas.microsoft.com/office/drawing/2010/main" xmlns="" w="9525">
                   <a:solidFill>
                     <a:srgbClr val="000000"/>
                   </a:solidFill>
@@ -2349,7 +2348,7 @@
             </a:ln>
             <a:extLst>
               <a:ext uri="{91240B29-F687-4f45-9708-019B960494DF}">
-                <a14:hiddenLine xmlns="" xmlns:a14="http://schemas.microsoft.com/office/drawing/2010/main" w="9525">
+                <a14:hiddenLine xmlns:a14="http://schemas.microsoft.com/office/drawing/2010/main" xmlns="" w="9525">
                   <a:solidFill>
                     <a:srgbClr val="000000"/>
                   </a:solidFill>
@@ -2439,7 +2438,7 @@
             </a:ln>
             <a:extLst>
               <a:ext uri="{91240B29-F687-4f45-9708-019B960494DF}">
-                <a14:hiddenLine xmlns="" xmlns:a14="http://schemas.microsoft.com/office/drawing/2010/main" w="9525">
+                <a14:hiddenLine xmlns:a14="http://schemas.microsoft.com/office/drawing/2010/main" xmlns="" w="9525">
                   <a:solidFill>
                     <a:srgbClr val="000000"/>
                   </a:solidFill>
@@ -2501,7 +2500,7 @@
             </a:ln>
             <a:extLst>
               <a:ext uri="{91240B29-F687-4f45-9708-019B960494DF}">
-                <a14:hiddenLine xmlns="" xmlns:a14="http://schemas.microsoft.com/office/drawing/2010/main" w="9525">
+                <a14:hiddenLine xmlns:a14="http://schemas.microsoft.com/office/drawing/2010/main" xmlns="" w="9525">
                   <a:solidFill>
                     <a:srgbClr val="000000"/>
                   </a:solidFill>
@@ -2563,7 +2562,7 @@
             </a:ln>
             <a:extLst>
               <a:ext uri="{91240B29-F687-4f45-9708-019B960494DF}">
-                <a14:hiddenLine xmlns="" xmlns:a14="http://schemas.microsoft.com/office/drawing/2010/main" w="9525">
+                <a14:hiddenLine xmlns:a14="http://schemas.microsoft.com/office/drawing/2010/main" xmlns="" w="9525">
                   <a:solidFill>
                     <a:srgbClr val="000000"/>
                   </a:solidFill>
@@ -2653,7 +2652,7 @@
             </a:ln>
             <a:extLst>
               <a:ext uri="{91240B29-F687-4f45-9708-019B960494DF}">
-                <a14:hiddenLine xmlns="" xmlns:a14="http://schemas.microsoft.com/office/drawing/2010/main" w="9525">
+                <a14:hiddenLine xmlns:a14="http://schemas.microsoft.com/office/drawing/2010/main" xmlns="" w="9525">
                   <a:solidFill>
                     <a:srgbClr val="000000"/>
                   </a:solidFill>
@@ -2721,7 +2720,7 @@
             </a:ln>
             <a:extLst>
               <a:ext uri="{91240B29-F687-4f45-9708-019B960494DF}">
-                <a14:hiddenLine xmlns="" xmlns:a14="http://schemas.microsoft.com/office/drawing/2010/main" w="9525">
+                <a14:hiddenLine xmlns:a14="http://schemas.microsoft.com/office/drawing/2010/main" xmlns="" w="9525">
                   <a:solidFill>
                     <a:srgbClr val="000000"/>
                   </a:solidFill>
@@ -2783,7 +2782,7 @@
             </a:ln>
             <a:extLst>
               <a:ext uri="{91240B29-F687-4f45-9708-019B960494DF}">
-                <a14:hiddenLine xmlns="" xmlns:a14="http://schemas.microsoft.com/office/drawing/2010/main" w="9525">
+                <a14:hiddenLine xmlns:a14="http://schemas.microsoft.com/office/drawing/2010/main" xmlns="" w="9525">
                   <a:solidFill>
                     <a:srgbClr val="000000"/>
                   </a:solidFill>
@@ -2873,7 +2872,7 @@
             </a:ln>
             <a:extLst>
               <a:ext uri="{91240B29-F687-4f45-9708-019B960494DF}">
-                <a14:hiddenLine xmlns="" xmlns:a14="http://schemas.microsoft.com/office/drawing/2010/main" w="9525">
+                <a14:hiddenLine xmlns:a14="http://schemas.microsoft.com/office/drawing/2010/main" xmlns="" w="9525">
                   <a:solidFill>
                     <a:srgbClr val="000000"/>
                   </a:solidFill>
@@ -2935,7 +2934,7 @@
             </a:ln>
             <a:extLst>
               <a:ext uri="{91240B29-F687-4f45-9708-019B960494DF}">
-                <a14:hiddenLine xmlns="" xmlns:a14="http://schemas.microsoft.com/office/drawing/2010/main" w="9525">
+                <a14:hiddenLine xmlns:a14="http://schemas.microsoft.com/office/drawing/2010/main" xmlns="" w="9525">
                   <a:solidFill>
                     <a:srgbClr val="000000"/>
                   </a:solidFill>
@@ -3025,7 +3024,7 @@
             </a:ln>
             <a:extLst>
               <a:ext uri="{91240B29-F687-4f45-9708-019B960494DF}">
-                <a14:hiddenLine xmlns="" xmlns:a14="http://schemas.microsoft.com/office/drawing/2010/main" w="9525">
+                <a14:hiddenLine xmlns:a14="http://schemas.microsoft.com/office/drawing/2010/main" xmlns="" w="9525">
                   <a:solidFill>
                     <a:srgbClr val="000000"/>
                   </a:solidFill>
@@ -3087,7 +3086,7 @@
             </a:ln>
             <a:extLst>
               <a:ext uri="{91240B29-F687-4f45-9708-019B960494DF}">
-                <a14:hiddenLine xmlns="" xmlns:a14="http://schemas.microsoft.com/office/drawing/2010/main" w="9525">
+                <a14:hiddenLine xmlns:a14="http://schemas.microsoft.com/office/drawing/2010/main" xmlns="" w="9525">
                   <a:solidFill>
                     <a:srgbClr val="000000"/>
                   </a:solidFill>
@@ -3177,7 +3176,7 @@
             </a:ln>
             <a:extLst>
               <a:ext uri="{91240B29-F687-4f45-9708-019B960494DF}">
-                <a14:hiddenLine xmlns="" xmlns:a14="http://schemas.microsoft.com/office/drawing/2010/main" w="9525">
+                <a14:hiddenLine xmlns:a14="http://schemas.microsoft.com/office/drawing/2010/main" xmlns="" w="9525">
                   <a:solidFill>
                     <a:srgbClr val="000000"/>
                   </a:solidFill>
@@ -3211,7 +3210,7 @@
             </a:ln>
             <a:extLst>
               <a:ext uri="{91240B29-F687-4f45-9708-019B960494DF}">
-                <a14:hiddenLine xmlns="" xmlns:a14="http://schemas.microsoft.com/office/drawing/2010/main" w="9525">
+                <a14:hiddenLine xmlns:a14="http://schemas.microsoft.com/office/drawing/2010/main" xmlns="" w="9525">
                   <a:solidFill>
                     <a:srgbClr val="000000"/>
                   </a:solidFill>
@@ -3276,7 +3275,7 @@
             </a:ln>
             <a:extLst>
               <a:ext uri="{91240B29-F687-4f45-9708-019B960494DF}">
-                <a14:hiddenLine xmlns="" xmlns:a14="http://schemas.microsoft.com/office/drawing/2010/main" w="9525">
+                <a14:hiddenLine xmlns:a14="http://schemas.microsoft.com/office/drawing/2010/main" xmlns="" w="9525">
                   <a:solidFill>
                     <a:srgbClr val="000000"/>
                   </a:solidFill>
@@ -3366,7 +3365,7 @@
             </a:ln>
             <a:extLst>
               <a:ext uri="{91240B29-F687-4f45-9708-019B960494DF}">
-                <a14:hiddenLine xmlns="" xmlns:a14="http://schemas.microsoft.com/office/drawing/2010/main" w="9525">
+                <a14:hiddenLine xmlns:a14="http://schemas.microsoft.com/office/drawing/2010/main" xmlns="" w="9525">
                   <a:solidFill>
                     <a:srgbClr val="000000"/>
                   </a:solidFill>
@@ -3428,7 +3427,7 @@
             </a:ln>
             <a:extLst>
               <a:ext uri="{91240B29-F687-4f45-9708-019B960494DF}">
-                <a14:hiddenLine xmlns="" xmlns:a14="http://schemas.microsoft.com/office/drawing/2010/main" w="9525">
+                <a14:hiddenLine xmlns:a14="http://schemas.microsoft.com/office/drawing/2010/main" xmlns="" w="9525">
                   <a:solidFill>
                     <a:srgbClr val="000000"/>
                   </a:solidFill>
@@ -3518,7 +3517,7 @@
             </a:ln>
             <a:extLst>
               <a:ext uri="{91240B29-F687-4f45-9708-019B960494DF}">
-                <a14:hiddenLine xmlns="" xmlns:a14="http://schemas.microsoft.com/office/drawing/2010/main" w="9525">
+                <a14:hiddenLine xmlns:a14="http://schemas.microsoft.com/office/drawing/2010/main" xmlns="" w="9525">
                   <a:solidFill>
                     <a:srgbClr val="000000"/>
                   </a:solidFill>
@@ -3608,7 +3607,7 @@
             </a:ln>
             <a:extLst>
               <a:ext uri="{91240B29-F687-4f45-9708-019B960494DF}">
-                <a14:hiddenLine xmlns="" xmlns:a14="http://schemas.microsoft.com/office/drawing/2010/main" w="9525">
+                <a14:hiddenLine xmlns:a14="http://schemas.microsoft.com/office/drawing/2010/main" xmlns="" w="9525">
                   <a:solidFill>
                     <a:srgbClr val="000000"/>
                   </a:solidFill>
@@ -3673,7 +3672,7 @@
             </a:ln>
             <a:extLst>
               <a:ext uri="{91240B29-F687-4f45-9708-019B960494DF}">
-                <a14:hiddenLine xmlns="" xmlns:a14="http://schemas.microsoft.com/office/drawing/2010/main" w="9525">
+                <a14:hiddenLine xmlns:a14="http://schemas.microsoft.com/office/drawing/2010/main" xmlns="" w="9525">
                   <a:solidFill>
                     <a:srgbClr val="000000"/>
                   </a:solidFill>
@@ -3735,7 +3734,7 @@
             </a:ln>
             <a:extLst>
               <a:ext uri="{91240B29-F687-4f45-9708-019B960494DF}">
-                <a14:hiddenLine xmlns="" xmlns:a14="http://schemas.microsoft.com/office/drawing/2010/main" w="9525">
+                <a14:hiddenLine xmlns:a14="http://schemas.microsoft.com/office/drawing/2010/main" xmlns="" w="9525">
                   <a:solidFill>
                     <a:srgbClr val="000000"/>
                   </a:solidFill>
@@ -3825,7 +3824,7 @@
             </a:ln>
             <a:extLst>
               <a:ext uri="{91240B29-F687-4f45-9708-019B960494DF}">
-                <a14:hiddenLine xmlns="" xmlns:a14="http://schemas.microsoft.com/office/drawing/2010/main" w="9525">
+                <a14:hiddenLine xmlns:a14="http://schemas.microsoft.com/office/drawing/2010/main" xmlns="" w="9525">
                   <a:solidFill>
                     <a:srgbClr val="000000"/>
                   </a:solidFill>
@@ -3915,7 +3914,7 @@
             </a:ln>
             <a:extLst>
               <a:ext uri="{91240B29-F687-4f45-9708-019B960494DF}">
-                <a14:hiddenLine xmlns="" xmlns:a14="http://schemas.microsoft.com/office/drawing/2010/main" w="9525">
+                <a14:hiddenLine xmlns:a14="http://schemas.microsoft.com/office/drawing/2010/main" xmlns="" w="9525">
                   <a:solidFill>
                     <a:srgbClr val="000000"/>
                   </a:solidFill>
@@ -3977,7 +3976,7 @@
             </a:ln>
             <a:extLst>
               <a:ext uri="{91240B29-F687-4f45-9708-019B960494DF}">
-                <a14:hiddenLine xmlns="" xmlns:a14="http://schemas.microsoft.com/office/drawing/2010/main" w="9525">
+                <a14:hiddenLine xmlns:a14="http://schemas.microsoft.com/office/drawing/2010/main" xmlns="" w="9525">
                   <a:solidFill>
                     <a:srgbClr val="000000"/>
                   </a:solidFill>
@@ -4097,7 +4096,7 @@
             </a:ln>
             <a:extLst>
               <a:ext uri="{91240B29-F687-4f45-9708-019B960494DF}">
-                <a14:hiddenLine xmlns="" xmlns:a14="http://schemas.microsoft.com/office/drawing/2010/main" w="9525">
+                <a14:hiddenLine xmlns:a14="http://schemas.microsoft.com/office/drawing/2010/main" xmlns="" w="9525">
                   <a:solidFill>
                     <a:srgbClr val="000000"/>
                   </a:solidFill>
@@ -4165,7 +4164,7 @@
             </a:ln>
             <a:extLst>
               <a:ext uri="{91240B29-F687-4f45-9708-019B960494DF}">
-                <a14:hiddenLine xmlns="" xmlns:a14="http://schemas.microsoft.com/office/drawing/2010/main" w="9525">
+                <a14:hiddenLine xmlns:a14="http://schemas.microsoft.com/office/drawing/2010/main" xmlns="" w="9525">
                   <a:solidFill>
                     <a:srgbClr val="000000"/>
                   </a:solidFill>
@@ -4255,7 +4254,7 @@
             </a:ln>
             <a:extLst>
               <a:ext uri="{91240B29-F687-4f45-9708-019B960494DF}">
-                <a14:hiddenLine xmlns="" xmlns:a14="http://schemas.microsoft.com/office/drawing/2010/main" w="9525">
+                <a14:hiddenLine xmlns:a14="http://schemas.microsoft.com/office/drawing/2010/main" xmlns="" w="9525">
                   <a:solidFill>
                     <a:srgbClr val="000000"/>
                   </a:solidFill>
@@ -4395,7 +4394,7 @@
           <a:p>
             <a:fld id="{48A87A34-81AB-432B-8DAE-1953F412C126}" type="datetimeFigureOut">
               <a:rPr lang="en-US" dirty="0"/>
-              <a:t>7/9/2016</a:t>
+              <a:t>7/16/2016</a:t>
             </a:fld>
             <a:endParaRPr lang="en-US" dirty="0"/>
           </a:p>
@@ -4657,7 +4656,7 @@
           <a:p>
             <a:fld id="{48A87A34-81AB-432B-8DAE-1953F412C126}" type="datetimeFigureOut">
               <a:rPr lang="en-US" dirty="0"/>
-              <a:t>7/9/2016</a:t>
+              <a:t>7/16/2016</a:t>
             </a:fld>
             <a:endParaRPr lang="en-US" dirty="0"/>
           </a:p>
@@ -4848,7 +4847,7 @@
           <a:p>
             <a:fld id="{48A87A34-81AB-432B-8DAE-1953F412C126}" type="datetimeFigureOut">
               <a:rPr lang="en-US" dirty="0"/>
-              <a:t>7/9/2016</a:t>
+              <a:t>7/16/2016</a:t>
             </a:fld>
             <a:endParaRPr lang="en-US" dirty="0"/>
           </a:p>
@@ -5106,7 +5105,7 @@
           <a:p>
             <a:fld id="{48A87A34-81AB-432B-8DAE-1953F412C126}" type="datetimeFigureOut">
               <a:rPr lang="en-US" dirty="0"/>
-              <a:t>7/9/2016</a:t>
+              <a:t>7/16/2016</a:t>
             </a:fld>
             <a:endParaRPr lang="en-US" dirty="0"/>
           </a:p>
@@ -5535,7 +5534,7 @@
           <a:p>
             <a:fld id="{48A87A34-81AB-432B-8DAE-1953F412C126}" type="datetimeFigureOut">
               <a:rPr lang="en-US" dirty="0"/>
-              <a:t>7/9/2016</a:t>
+              <a:t>7/16/2016</a:t>
             </a:fld>
             <a:endParaRPr lang="en-US" dirty="0"/>
           </a:p>
@@ -6076,7 +6075,7 @@
           <a:p>
             <a:fld id="{48A87A34-81AB-432B-8DAE-1953F412C126}" type="datetimeFigureOut">
               <a:rPr lang="en-US" dirty="0"/>
-              <a:t>7/9/2016</a:t>
+              <a:t>7/16/2016</a:t>
             </a:fld>
             <a:endParaRPr lang="en-US" dirty="0"/>
           </a:p>
@@ -6791,7 +6790,7 @@
           <a:p>
             <a:fld id="{48A87A34-81AB-432B-8DAE-1953F412C126}" type="datetimeFigureOut">
               <a:rPr lang="en-US" dirty="0"/>
-              <a:t>7/9/2016</a:t>
+              <a:t>7/16/2016</a:t>
             </a:fld>
             <a:endParaRPr lang="en-US" dirty="0"/>
           </a:p>
@@ -6956,7 +6955,7 @@
           <a:p>
             <a:fld id="{48A87A34-81AB-432B-8DAE-1953F412C126}" type="datetimeFigureOut">
               <a:rPr lang="en-US" dirty="0"/>
-              <a:t>7/9/2016</a:t>
+              <a:t>7/16/2016</a:t>
             </a:fld>
             <a:endParaRPr lang="en-US" dirty="0"/>
           </a:p>
@@ -7131,7 +7130,7 @@
           <a:p>
             <a:fld id="{48A87A34-81AB-432B-8DAE-1953F412C126}" type="datetimeFigureOut">
               <a:rPr lang="en-US" dirty="0"/>
-              <a:t>7/9/2016</a:t>
+              <a:t>7/16/2016</a:t>
             </a:fld>
             <a:endParaRPr lang="en-US" dirty="0"/>
           </a:p>
@@ -7296,7 +7295,7 @@
           <a:p>
             <a:fld id="{48A87A34-81AB-432B-8DAE-1953F412C126}" type="datetimeFigureOut">
               <a:rPr lang="en-US" dirty="0"/>
-              <a:t>7/9/2016</a:t>
+              <a:t>7/16/2016</a:t>
             </a:fld>
             <a:endParaRPr lang="en-US" dirty="0"/>
           </a:p>
@@ -7541,7 +7540,7 @@
           <a:p>
             <a:fld id="{48A87A34-81AB-432B-8DAE-1953F412C126}" type="datetimeFigureOut">
               <a:rPr lang="en-US" dirty="0"/>
-              <a:t>7/9/2016</a:t>
+              <a:t>7/16/2016</a:t>
             </a:fld>
             <a:endParaRPr lang="en-US" dirty="0"/>
           </a:p>
@@ -7768,7 +7767,7 @@
           <a:p>
             <a:fld id="{48A87A34-81AB-432B-8DAE-1953F412C126}" type="datetimeFigureOut">
               <a:rPr lang="en-US" dirty="0"/>
-              <a:t>7/9/2016</a:t>
+              <a:t>7/16/2016</a:t>
             </a:fld>
             <a:endParaRPr lang="en-US" dirty="0"/>
           </a:p>
@@ -8144,7 +8143,7 @@
           <a:p>
             <a:fld id="{48A87A34-81AB-432B-8DAE-1953F412C126}" type="datetimeFigureOut">
               <a:rPr lang="en-US" dirty="0"/>
-              <a:t>7/9/2016</a:t>
+              <a:t>7/16/2016</a:t>
             </a:fld>
             <a:endParaRPr lang="en-US" dirty="0"/>
           </a:p>
@@ -8257,7 +8256,7 @@
           <a:p>
             <a:fld id="{48A87A34-81AB-432B-8DAE-1953F412C126}" type="datetimeFigureOut">
               <a:rPr lang="en-US" dirty="0"/>
-              <a:t>7/9/2016</a:t>
+              <a:t>7/16/2016</a:t>
             </a:fld>
             <a:endParaRPr lang="en-US" dirty="0"/>
           </a:p>
@@ -8347,7 +8346,7 @@
           <a:p>
             <a:fld id="{48A87A34-81AB-432B-8DAE-1953F412C126}" type="datetimeFigureOut">
               <a:rPr lang="en-US" dirty="0"/>
-              <a:t>7/9/2016</a:t>
+              <a:t>7/16/2016</a:t>
             </a:fld>
             <a:endParaRPr lang="en-US" dirty="0"/>
           </a:p>
@@ -8591,7 +8590,7 @@
           <a:p>
             <a:fld id="{48A87A34-81AB-432B-8DAE-1953F412C126}" type="datetimeFigureOut">
               <a:rPr lang="en-US" dirty="0"/>
-              <a:t>7/9/2016</a:t>
+              <a:t>7/16/2016</a:t>
             </a:fld>
             <a:endParaRPr lang="en-US" dirty="0"/>
           </a:p>
@@ -8866,7 +8865,7 @@
           <a:p>
             <a:fld id="{48A87A34-81AB-432B-8DAE-1953F412C126}" type="datetimeFigureOut">
               <a:rPr lang="en-US" dirty="0"/>
-              <a:t>7/9/2016</a:t>
+              <a:t>7/16/2016</a:t>
             </a:fld>
             <a:endParaRPr lang="en-US" dirty="0"/>
           </a:p>
@@ -8977,7 +8976,7 @@
           <a:noFill/>
           <a:extLst>
             <a:ext uri="{909E8E84-426E-40dd-AFC4-6F175D3DCCD1}">
-              <a14:hiddenFill xmlns="" xmlns:a14="http://schemas.microsoft.com/office/drawing/2010/main">
+              <a14:hiddenFill xmlns:a14="http://schemas.microsoft.com/office/drawing/2010/main" xmlns="">
                 <a:solidFill>
                   <a:srgbClr val="FFFFFF"/>
                 </a:solidFill>
@@ -9051,7 +9050,7 @@
               </a:ln>
               <a:extLst>
                 <a:ext uri="{91240B29-F687-4f45-9708-019B960494DF}">
-                  <a14:hiddenLine xmlns="" xmlns:a14="http://schemas.microsoft.com/office/drawing/2010/main" w="9525">
+                  <a14:hiddenLine xmlns:a14="http://schemas.microsoft.com/office/drawing/2010/main" xmlns="" w="9525">
                     <a:solidFill>
                       <a:srgbClr val="000000"/>
                     </a:solidFill>
@@ -9141,7 +9140,7 @@
               </a:ln>
               <a:extLst>
                 <a:ext uri="{91240B29-F687-4f45-9708-019B960494DF}">
-                  <a14:hiddenLine xmlns="" xmlns:a14="http://schemas.microsoft.com/office/drawing/2010/main" w="9525">
+                  <a14:hiddenLine xmlns:a14="http://schemas.microsoft.com/office/drawing/2010/main" xmlns="" w="9525">
                     <a:solidFill>
                       <a:srgbClr val="000000"/>
                     </a:solidFill>
@@ -9231,7 +9230,7 @@
               </a:ln>
               <a:extLst>
                 <a:ext uri="{91240B29-F687-4f45-9708-019B960494DF}">
-                  <a14:hiddenLine xmlns="" xmlns:a14="http://schemas.microsoft.com/office/drawing/2010/main" w="9525">
+                  <a14:hiddenLine xmlns:a14="http://schemas.microsoft.com/office/drawing/2010/main" xmlns="" w="9525">
                     <a:solidFill>
                       <a:srgbClr val="000000"/>
                     </a:solidFill>
@@ -9293,7 +9292,7 @@
               </a:ln>
               <a:extLst>
                 <a:ext uri="{91240B29-F687-4f45-9708-019B960494DF}">
-                  <a14:hiddenLine xmlns="" xmlns:a14="http://schemas.microsoft.com/office/drawing/2010/main" w="9525">
+                  <a14:hiddenLine xmlns:a14="http://schemas.microsoft.com/office/drawing/2010/main" xmlns="" w="9525">
                     <a:solidFill>
                       <a:srgbClr val="000000"/>
                     </a:solidFill>
@@ -9383,7 +9382,7 @@
               </a:ln>
               <a:extLst>
                 <a:ext uri="{91240B29-F687-4f45-9708-019B960494DF}">
-                  <a14:hiddenLine xmlns="" xmlns:a14="http://schemas.microsoft.com/office/drawing/2010/main" w="9525">
+                  <a14:hiddenLine xmlns:a14="http://schemas.microsoft.com/office/drawing/2010/main" xmlns="" w="9525">
                     <a:solidFill>
                       <a:srgbClr val="000000"/>
                     </a:solidFill>
@@ -9445,7 +9444,7 @@
               </a:ln>
               <a:extLst>
                 <a:ext uri="{91240B29-F687-4f45-9708-019B960494DF}">
-                  <a14:hiddenLine xmlns="" xmlns:a14="http://schemas.microsoft.com/office/drawing/2010/main" w="9525">
+                  <a14:hiddenLine xmlns:a14="http://schemas.microsoft.com/office/drawing/2010/main" xmlns="" w="9525">
                     <a:solidFill>
                       <a:srgbClr val="000000"/>
                     </a:solidFill>
@@ -9507,7 +9506,7 @@
               </a:ln>
               <a:extLst>
                 <a:ext uri="{91240B29-F687-4f45-9708-019B960494DF}">
-                  <a14:hiddenLine xmlns="" xmlns:a14="http://schemas.microsoft.com/office/drawing/2010/main" w="9525">
+                  <a14:hiddenLine xmlns:a14="http://schemas.microsoft.com/office/drawing/2010/main" xmlns="" w="9525">
                     <a:solidFill>
                       <a:srgbClr val="000000"/>
                     </a:solidFill>
@@ -9597,7 +9596,7 @@
               </a:ln>
               <a:extLst>
                 <a:ext uri="{91240B29-F687-4f45-9708-019B960494DF}">
-                  <a14:hiddenLine xmlns="" xmlns:a14="http://schemas.microsoft.com/office/drawing/2010/main" w="9525">
+                  <a14:hiddenLine xmlns:a14="http://schemas.microsoft.com/office/drawing/2010/main" xmlns="" w="9525">
                     <a:solidFill>
                       <a:srgbClr val="000000"/>
                     </a:solidFill>
@@ -9687,7 +9686,7 @@
               </a:ln>
               <a:extLst>
                 <a:ext uri="{91240B29-F687-4f45-9708-019B960494DF}">
-                  <a14:hiddenLine xmlns="" xmlns:a14="http://schemas.microsoft.com/office/drawing/2010/main" w="9525">
+                  <a14:hiddenLine xmlns:a14="http://schemas.microsoft.com/office/drawing/2010/main" xmlns="" w="9525">
                     <a:solidFill>
                       <a:srgbClr val="000000"/>
                     </a:solidFill>
@@ -9749,7 +9748,7 @@
               </a:ln>
               <a:extLst>
                 <a:ext uri="{91240B29-F687-4f45-9708-019B960494DF}">
-                  <a14:hiddenLine xmlns="" xmlns:a14="http://schemas.microsoft.com/office/drawing/2010/main" w="9525">
+                  <a14:hiddenLine xmlns:a14="http://schemas.microsoft.com/office/drawing/2010/main" xmlns="" w="9525">
                     <a:solidFill>
                       <a:srgbClr val="000000"/>
                     </a:solidFill>
@@ -9859,7 +9858,7 @@
               </a:ln>
               <a:extLst>
                 <a:ext uri="{91240B29-F687-4f45-9708-019B960494DF}">
-                  <a14:hiddenLine xmlns="" xmlns:a14="http://schemas.microsoft.com/office/drawing/2010/main" w="9525">
+                  <a14:hiddenLine xmlns:a14="http://schemas.microsoft.com/office/drawing/2010/main" xmlns="" w="9525">
                     <a:solidFill>
                       <a:srgbClr val="000000"/>
                     </a:solidFill>
@@ -9943,7 +9942,7 @@
               </a:ln>
               <a:extLst>
                 <a:ext uri="{91240B29-F687-4f45-9708-019B960494DF}">
-                  <a14:hiddenLine xmlns="" xmlns:a14="http://schemas.microsoft.com/office/drawing/2010/main" w="9525">
+                  <a14:hiddenLine xmlns:a14="http://schemas.microsoft.com/office/drawing/2010/main" xmlns="" w="9525">
                     <a:solidFill>
                       <a:srgbClr val="000000"/>
                     </a:solidFill>
@@ -10005,7 +10004,7 @@
               </a:ln>
               <a:extLst>
                 <a:ext uri="{91240B29-F687-4f45-9708-019B960494DF}">
-                  <a14:hiddenLine xmlns="" xmlns:a14="http://schemas.microsoft.com/office/drawing/2010/main" w="9525">
+                  <a14:hiddenLine xmlns:a14="http://schemas.microsoft.com/office/drawing/2010/main" xmlns="" w="9525">
                     <a:solidFill>
                       <a:srgbClr val="000000"/>
                     </a:solidFill>
@@ -10067,7 +10066,7 @@
               </a:ln>
               <a:extLst>
                 <a:ext uri="{91240B29-F687-4f45-9708-019B960494DF}">
-                  <a14:hiddenLine xmlns="" xmlns:a14="http://schemas.microsoft.com/office/drawing/2010/main" w="9525">
+                  <a14:hiddenLine xmlns:a14="http://schemas.microsoft.com/office/drawing/2010/main" xmlns="" w="9525">
                     <a:solidFill>
                       <a:srgbClr val="000000"/>
                     </a:solidFill>
@@ -10157,7 +10156,7 @@
               </a:ln>
               <a:extLst>
                 <a:ext uri="{91240B29-F687-4f45-9708-019B960494DF}">
-                  <a14:hiddenLine xmlns="" xmlns:a14="http://schemas.microsoft.com/office/drawing/2010/main" w="9525">
+                  <a14:hiddenLine xmlns:a14="http://schemas.microsoft.com/office/drawing/2010/main" xmlns="" w="9525">
                     <a:solidFill>
                       <a:srgbClr val="000000"/>
                     </a:solidFill>
@@ -10191,7 +10190,7 @@
               </a:ln>
               <a:extLst>
                 <a:ext uri="{91240B29-F687-4f45-9708-019B960494DF}">
-                  <a14:hiddenLine xmlns="" xmlns:a14="http://schemas.microsoft.com/office/drawing/2010/main" w="9525">
+                  <a14:hiddenLine xmlns:a14="http://schemas.microsoft.com/office/drawing/2010/main" xmlns="" w="9525">
                     <a:solidFill>
                       <a:srgbClr val="000000"/>
                     </a:solidFill>
@@ -10256,7 +10255,7 @@
               </a:ln>
               <a:extLst>
                 <a:ext uri="{91240B29-F687-4f45-9708-019B960494DF}">
-                  <a14:hiddenLine xmlns="" xmlns:a14="http://schemas.microsoft.com/office/drawing/2010/main" w="9525">
+                  <a14:hiddenLine xmlns:a14="http://schemas.microsoft.com/office/drawing/2010/main" xmlns="" w="9525">
                     <a:solidFill>
                       <a:srgbClr val="000000"/>
                     </a:solidFill>
@@ -10346,7 +10345,7 @@
               </a:ln>
               <a:extLst>
                 <a:ext uri="{91240B29-F687-4f45-9708-019B960494DF}">
-                  <a14:hiddenLine xmlns="" xmlns:a14="http://schemas.microsoft.com/office/drawing/2010/main" w="9525">
+                  <a14:hiddenLine xmlns:a14="http://schemas.microsoft.com/office/drawing/2010/main" xmlns="" w="9525">
                     <a:solidFill>
                       <a:srgbClr val="000000"/>
                     </a:solidFill>
@@ -10408,7 +10407,7 @@
               </a:ln>
               <a:extLst>
                 <a:ext uri="{91240B29-F687-4f45-9708-019B960494DF}">
-                  <a14:hiddenLine xmlns="" xmlns:a14="http://schemas.microsoft.com/office/drawing/2010/main" w="9525">
+                  <a14:hiddenLine xmlns:a14="http://schemas.microsoft.com/office/drawing/2010/main" xmlns="" w="9525">
                     <a:solidFill>
                       <a:srgbClr val="000000"/>
                     </a:solidFill>
@@ -10498,7 +10497,7 @@
               </a:ln>
               <a:extLst>
                 <a:ext uri="{91240B29-F687-4f45-9708-019B960494DF}">
-                  <a14:hiddenLine xmlns="" xmlns:a14="http://schemas.microsoft.com/office/drawing/2010/main" w="9525">
+                  <a14:hiddenLine xmlns:a14="http://schemas.microsoft.com/office/drawing/2010/main" xmlns="" w="9525">
                     <a:solidFill>
                       <a:srgbClr val="000000"/>
                     </a:solidFill>
@@ -10563,7 +10562,7 @@
               </a:ln>
               <a:extLst>
                 <a:ext uri="{91240B29-F687-4f45-9708-019B960494DF}">
-                  <a14:hiddenLine xmlns="" xmlns:a14="http://schemas.microsoft.com/office/drawing/2010/main" w="9525">
+                  <a14:hiddenLine xmlns:a14="http://schemas.microsoft.com/office/drawing/2010/main" xmlns="" w="9525">
                     <a:solidFill>
                       <a:srgbClr val="000000"/>
                     </a:solidFill>
@@ -10625,7 +10624,7 @@
               </a:ln>
               <a:extLst>
                 <a:ext uri="{91240B29-F687-4f45-9708-019B960494DF}">
-                  <a14:hiddenLine xmlns="" xmlns:a14="http://schemas.microsoft.com/office/drawing/2010/main" w="9525">
+                  <a14:hiddenLine xmlns:a14="http://schemas.microsoft.com/office/drawing/2010/main" xmlns="" w="9525">
                     <a:solidFill>
                       <a:srgbClr val="000000"/>
                     </a:solidFill>
@@ -10715,7 +10714,7 @@
               </a:ln>
               <a:extLst>
                 <a:ext uri="{91240B29-F687-4f45-9708-019B960494DF}">
-                  <a14:hiddenLine xmlns="" xmlns:a14="http://schemas.microsoft.com/office/drawing/2010/main" w="9525">
+                  <a14:hiddenLine xmlns:a14="http://schemas.microsoft.com/office/drawing/2010/main" xmlns="" w="9525">
                     <a:solidFill>
                       <a:srgbClr val="000000"/>
                     </a:solidFill>
@@ -10805,7 +10804,7 @@
               </a:ln>
               <a:extLst>
                 <a:ext uri="{91240B29-F687-4f45-9708-019B960494DF}">
-                  <a14:hiddenLine xmlns="" xmlns:a14="http://schemas.microsoft.com/office/drawing/2010/main" w="9525">
+                  <a14:hiddenLine xmlns:a14="http://schemas.microsoft.com/office/drawing/2010/main" xmlns="" w="9525">
                     <a:solidFill>
                       <a:srgbClr val="000000"/>
                     </a:solidFill>
@@ -10870,7 +10869,7 @@
               </a:ln>
               <a:extLst>
                 <a:ext uri="{91240B29-F687-4f45-9708-019B960494DF}">
-                  <a14:hiddenLine xmlns="" xmlns:a14="http://schemas.microsoft.com/office/drawing/2010/main" w="9525">
+                  <a14:hiddenLine xmlns:a14="http://schemas.microsoft.com/office/drawing/2010/main" xmlns="" w="9525">
                     <a:solidFill>
                       <a:srgbClr val="000000"/>
                     </a:solidFill>
@@ -10990,7 +10989,7 @@
               </a:ln>
               <a:extLst>
                 <a:ext uri="{91240B29-F687-4f45-9708-019B960494DF}">
-                  <a14:hiddenLine xmlns="" xmlns:a14="http://schemas.microsoft.com/office/drawing/2010/main" w="9525">
+                  <a14:hiddenLine xmlns:a14="http://schemas.microsoft.com/office/drawing/2010/main" xmlns="" w="9525">
                     <a:solidFill>
                       <a:srgbClr val="000000"/>
                     </a:solidFill>
@@ -11088,7 +11087,7 @@
               </a:ln>
               <a:extLst>
                 <a:ext uri="{91240B29-F687-4f45-9708-019B960494DF}">
-                  <a14:hiddenLine xmlns="" xmlns:a14="http://schemas.microsoft.com/office/drawing/2010/main" w="9525">
+                  <a14:hiddenLine xmlns:a14="http://schemas.microsoft.com/office/drawing/2010/main" xmlns="" w="9525">
                     <a:solidFill>
                       <a:srgbClr val="000000"/>
                     </a:solidFill>
@@ -11203,7 +11202,7 @@
               </a:ln>
               <a:extLst>
                 <a:ext uri="{91240B29-F687-4f45-9708-019B960494DF}">
-                  <a14:hiddenLine xmlns="" xmlns:a14="http://schemas.microsoft.com/office/drawing/2010/main" w="9525">
+                  <a14:hiddenLine xmlns:a14="http://schemas.microsoft.com/office/drawing/2010/main" xmlns="" w="9525">
                     <a:solidFill>
                       <a:srgbClr val="000000"/>
                     </a:solidFill>
@@ -11293,7 +11292,7 @@
               </a:ln>
               <a:extLst>
                 <a:ext uri="{91240B29-F687-4f45-9708-019B960494DF}">
-                  <a14:hiddenLine xmlns="" xmlns:a14="http://schemas.microsoft.com/office/drawing/2010/main" w="9525">
+                  <a14:hiddenLine xmlns:a14="http://schemas.microsoft.com/office/drawing/2010/main" xmlns="" w="9525">
                     <a:solidFill>
                       <a:srgbClr val="000000"/>
                     </a:solidFill>
@@ -11358,7 +11357,7 @@
               </a:ln>
               <a:extLst>
                 <a:ext uri="{91240B29-F687-4f45-9708-019B960494DF}">
-                  <a14:hiddenLine xmlns="" xmlns:a14="http://schemas.microsoft.com/office/drawing/2010/main" w="9525">
+                  <a14:hiddenLine xmlns:a14="http://schemas.microsoft.com/office/drawing/2010/main" xmlns="" w="9525">
                     <a:solidFill>
                       <a:srgbClr val="000000"/>
                     </a:solidFill>
@@ -11448,7 +11447,7 @@
               </a:ln>
               <a:extLst>
                 <a:ext uri="{91240B29-F687-4f45-9708-019B960494DF}">
-                  <a14:hiddenLine xmlns="" xmlns:a14="http://schemas.microsoft.com/office/drawing/2010/main" w="9525">
+                  <a14:hiddenLine xmlns:a14="http://schemas.microsoft.com/office/drawing/2010/main" xmlns="" w="9525">
                     <a:solidFill>
                       <a:srgbClr val="000000"/>
                     </a:solidFill>
@@ -11516,7 +11515,7 @@
               </a:ln>
               <a:extLst>
                 <a:ext uri="{91240B29-F687-4f45-9708-019B960494DF}">
-                  <a14:hiddenLine xmlns="" xmlns:a14="http://schemas.microsoft.com/office/drawing/2010/main" w="9525">
+                  <a14:hiddenLine xmlns:a14="http://schemas.microsoft.com/office/drawing/2010/main" xmlns="" w="9525">
                     <a:solidFill>
                       <a:srgbClr val="000000"/>
                     </a:solidFill>
@@ -11606,7 +11605,7 @@
               </a:ln>
               <a:extLst>
                 <a:ext uri="{91240B29-F687-4f45-9708-019B960494DF}">
-                  <a14:hiddenLine xmlns="" xmlns:a14="http://schemas.microsoft.com/office/drawing/2010/main" w="9525">
+                  <a14:hiddenLine xmlns:a14="http://schemas.microsoft.com/office/drawing/2010/main" xmlns="" w="9525">
                     <a:solidFill>
                       <a:srgbClr val="000000"/>
                     </a:solidFill>
@@ -11674,7 +11673,7 @@
               </a:ln>
               <a:extLst>
                 <a:ext uri="{91240B29-F687-4f45-9708-019B960494DF}">
-                  <a14:hiddenLine xmlns="" xmlns:a14="http://schemas.microsoft.com/office/drawing/2010/main" w="9525">
+                  <a14:hiddenLine xmlns:a14="http://schemas.microsoft.com/office/drawing/2010/main" xmlns="" w="9525">
                     <a:solidFill>
                       <a:srgbClr val="000000"/>
                     </a:solidFill>
@@ -11764,7 +11763,7 @@
               </a:ln>
               <a:extLst>
                 <a:ext uri="{91240B29-F687-4f45-9708-019B960494DF}">
-                  <a14:hiddenLine xmlns="" xmlns:a14="http://schemas.microsoft.com/office/drawing/2010/main" w="9525">
+                  <a14:hiddenLine xmlns:a14="http://schemas.microsoft.com/office/drawing/2010/main" xmlns="" w="9525">
                     <a:solidFill>
                       <a:srgbClr val="000000"/>
                     </a:solidFill>
@@ -11798,7 +11797,7 @@
               </a:ln>
               <a:extLst>
                 <a:ext uri="{91240B29-F687-4f45-9708-019B960494DF}">
-                  <a14:hiddenLine xmlns="" xmlns:a14="http://schemas.microsoft.com/office/drawing/2010/main" w="9525">
+                  <a14:hiddenLine xmlns:a14="http://schemas.microsoft.com/office/drawing/2010/main" xmlns="" w="9525">
                     <a:solidFill>
                       <a:srgbClr val="000000"/>
                     </a:solidFill>
@@ -11939,7 +11938,7 @@
             <a:fld id="{48A87A34-81AB-432B-8DAE-1953F412C126}" type="datetimeFigureOut">
               <a:rPr lang="en-US" dirty="0"/>
               <a:pPr/>
-              <a:t>7/9/2016</a:t>
+              <a:t>7/16/2016</a:t>
             </a:fld>
             <a:endParaRPr lang="en-US" dirty="0"/>
           </a:p>
@@ -15110,85 +15109,6 @@
 </file>
 
 <file path=ppt/slides/slide7.xml><?xml version="1.0" encoding="utf-8"?>
-<p:sld xmlns:a="http://schemas.openxmlformats.org/drawingml/2006/main" xmlns:r="http://schemas.openxmlformats.org/officeDocument/2006/relationships" xmlns:p="http://schemas.openxmlformats.org/presentationml/2006/main">
-  <p:cSld>
-    <p:spTree>
-      <p:nvGrpSpPr>
-        <p:cNvPr id="1" name=""/>
-        <p:cNvGrpSpPr/>
-        <p:nvPr/>
-      </p:nvGrpSpPr>
-      <p:grpSpPr>
-        <a:xfrm>
-          <a:off x="0" y="0"/>
-          <a:ext cx="0" cy="0"/>
-          <a:chOff x="0" y="0"/>
-          <a:chExt cx="0" cy="0"/>
-        </a:xfrm>
-      </p:grpSpPr>
-      <p:sp>
-        <p:nvSpPr>
-          <p:cNvPr id="2" name="Title 1"/>
-          <p:cNvSpPr>
-            <a:spLocks noGrp="1"/>
-          </p:cNvSpPr>
-          <p:nvPr>
-            <p:ph type="title"/>
-          </p:nvPr>
-        </p:nvSpPr>
-        <p:spPr/>
-        <p:txBody>
-          <a:bodyPr/>
-          <a:lstStyle/>
-          <a:p>
-            <a:r>
-              <a:rPr lang="en-US" dirty="0" smtClean="0"/>
-              <a:t>Web Programming LAB</a:t>
-            </a:r>
-            <a:endParaRPr lang="en-US" dirty="0"/>
-          </a:p>
-        </p:txBody>
-      </p:sp>
-      <p:sp>
-        <p:nvSpPr>
-          <p:cNvPr id="3" name="Content Placeholder 2"/>
-          <p:cNvSpPr>
-            <a:spLocks noGrp="1"/>
-          </p:cNvSpPr>
-          <p:nvPr>
-            <p:ph idx="1"/>
-          </p:nvPr>
-        </p:nvSpPr>
-        <p:spPr/>
-        <p:txBody>
-          <a:bodyPr/>
-          <a:lstStyle/>
-          <a:p>
-            <a:endParaRPr lang="en-US"/>
-          </a:p>
-        </p:txBody>
-      </p:sp>
-    </p:spTree>
-    <p:extLst>
-      <p:ext uri="{BB962C8B-B14F-4D97-AF65-F5344CB8AC3E}">
-        <p14:creationId xmlns:p14="http://schemas.microsoft.com/office/powerpoint/2010/main" val="2806468708"/>
-      </p:ext>
-    </p:extLst>
-  </p:cSld>
-  <p:clrMapOvr>
-    <a:masterClrMapping/>
-  </p:clrMapOvr>
-  <p:timing>
-    <p:tnLst>
-      <p:par>
-        <p:cTn id="1" dur="indefinite" restart="never" nodeType="tmRoot"/>
-      </p:par>
-    </p:tnLst>
-  </p:timing>
-</p:sld>
-</file>
-
-<file path=ppt/slides/slide8.xml><?xml version="1.0" encoding="utf-8"?>
 <p:sld xmlns:a="http://schemas.openxmlformats.org/drawingml/2006/main" xmlns:r="http://schemas.openxmlformats.org/officeDocument/2006/relationships" xmlns:p="http://schemas.openxmlformats.org/presentationml/2006/main">
   <p:cSld>
     <p:spTree>

--- a/WebProgramming.pptx
+++ b/WebProgramming.pptx
@@ -168,7 +168,7 @@
           <a:noFill/>
           <a:extLst>
             <a:ext uri="{909E8E84-426E-40dd-AFC4-6F175D3DCCD1}">
-              <a14:hiddenFill xmlns:a14="http://schemas.microsoft.com/office/drawing/2010/main" xmlns="">
+              <a14:hiddenFill xmlns="" xmlns:a14="http://schemas.microsoft.com/office/drawing/2010/main">
                 <a:solidFill>
                   <a:srgbClr val="FFFFFF"/>
                 </a:solidFill>
@@ -228,7 +228,7 @@
             </a:ln>
             <a:extLst>
               <a:ext uri="{91240B29-F687-4f45-9708-019B960494DF}">
-                <a14:hiddenLine xmlns:a14="http://schemas.microsoft.com/office/drawing/2010/main" xmlns="" w="9525">
+                <a14:hiddenLine xmlns="" xmlns:a14="http://schemas.microsoft.com/office/drawing/2010/main" w="9525">
                   <a:solidFill>
                     <a:srgbClr val="000000"/>
                   </a:solidFill>
@@ -318,7 +318,7 @@
             </a:ln>
             <a:extLst>
               <a:ext uri="{91240B29-F687-4f45-9708-019B960494DF}">
-                <a14:hiddenLine xmlns:a14="http://schemas.microsoft.com/office/drawing/2010/main" xmlns="" w="9525">
+                <a14:hiddenLine xmlns="" xmlns:a14="http://schemas.microsoft.com/office/drawing/2010/main" w="9525">
                   <a:solidFill>
                     <a:srgbClr val="000000"/>
                   </a:solidFill>
@@ -408,7 +408,7 @@
             </a:ln>
             <a:extLst>
               <a:ext uri="{91240B29-F687-4f45-9708-019B960494DF}">
-                <a14:hiddenLine xmlns:a14="http://schemas.microsoft.com/office/drawing/2010/main" xmlns="" w="9525">
+                <a14:hiddenLine xmlns="" xmlns:a14="http://schemas.microsoft.com/office/drawing/2010/main" w="9525">
                   <a:solidFill>
                     <a:srgbClr val="000000"/>
                   </a:solidFill>
@@ -442,7 +442,7 @@
             </a:ln>
             <a:extLst>
               <a:ext uri="{91240B29-F687-4f45-9708-019B960494DF}">
-                <a14:hiddenLine xmlns:a14="http://schemas.microsoft.com/office/drawing/2010/main" xmlns="" w="9525">
+                <a14:hiddenLine xmlns="" xmlns:a14="http://schemas.microsoft.com/office/drawing/2010/main" w="9525">
                   <a:solidFill>
                     <a:srgbClr val="000000"/>
                   </a:solidFill>
@@ -532,7 +532,7 @@
             </a:ln>
             <a:extLst>
               <a:ext uri="{91240B29-F687-4f45-9708-019B960494DF}">
-                <a14:hiddenLine xmlns:a14="http://schemas.microsoft.com/office/drawing/2010/main" xmlns="" w="9525">
+                <a14:hiddenLine xmlns="" xmlns:a14="http://schemas.microsoft.com/office/drawing/2010/main" w="9525">
                   <a:solidFill>
                     <a:srgbClr val="000000"/>
                   </a:solidFill>
@@ -594,7 +594,7 @@
             </a:ln>
             <a:extLst>
               <a:ext uri="{91240B29-F687-4f45-9708-019B960494DF}">
-                <a14:hiddenLine xmlns:a14="http://schemas.microsoft.com/office/drawing/2010/main" xmlns="" w="9525">
+                <a14:hiddenLine xmlns="" xmlns:a14="http://schemas.microsoft.com/office/drawing/2010/main" w="9525">
                   <a:solidFill>
                     <a:srgbClr val="000000"/>
                   </a:solidFill>
@@ -656,7 +656,7 @@
             </a:ln>
             <a:extLst>
               <a:ext uri="{91240B29-F687-4f45-9708-019B960494DF}">
-                <a14:hiddenLine xmlns:a14="http://schemas.microsoft.com/office/drawing/2010/main" xmlns="" w="9525">
+                <a14:hiddenLine xmlns="" xmlns:a14="http://schemas.microsoft.com/office/drawing/2010/main" w="9525">
                   <a:solidFill>
                     <a:srgbClr val="000000"/>
                   </a:solidFill>
@@ -746,7 +746,7 @@
             </a:ln>
             <a:extLst>
               <a:ext uri="{91240B29-F687-4f45-9708-019B960494DF}">
-                <a14:hiddenLine xmlns:a14="http://schemas.microsoft.com/office/drawing/2010/main" xmlns="" w="9525">
+                <a14:hiddenLine xmlns="" xmlns:a14="http://schemas.microsoft.com/office/drawing/2010/main" w="9525">
                   <a:solidFill>
                     <a:srgbClr val="000000"/>
                   </a:solidFill>
@@ -808,7 +808,7 @@
             </a:ln>
             <a:extLst>
               <a:ext uri="{91240B29-F687-4f45-9708-019B960494DF}">
-                <a14:hiddenLine xmlns:a14="http://schemas.microsoft.com/office/drawing/2010/main" xmlns="" w="9525">
+                <a14:hiddenLine xmlns="" xmlns:a14="http://schemas.microsoft.com/office/drawing/2010/main" w="9525">
                   <a:solidFill>
                     <a:srgbClr val="000000"/>
                   </a:solidFill>
@@ -870,7 +870,7 @@
             </a:ln>
             <a:extLst>
               <a:ext uri="{91240B29-F687-4f45-9708-019B960494DF}">
-                <a14:hiddenLine xmlns:a14="http://schemas.microsoft.com/office/drawing/2010/main" xmlns="" w="9525">
+                <a14:hiddenLine xmlns="" xmlns:a14="http://schemas.microsoft.com/office/drawing/2010/main" w="9525">
                   <a:solidFill>
                     <a:srgbClr val="000000"/>
                   </a:solidFill>
@@ -960,7 +960,7 @@
             </a:ln>
             <a:extLst>
               <a:ext uri="{91240B29-F687-4f45-9708-019B960494DF}">
-                <a14:hiddenLine xmlns:a14="http://schemas.microsoft.com/office/drawing/2010/main" xmlns="" w="9525">
+                <a14:hiddenLine xmlns="" xmlns:a14="http://schemas.microsoft.com/office/drawing/2010/main" w="9525">
                   <a:solidFill>
                     <a:srgbClr val="000000"/>
                   </a:solidFill>
@@ -1050,7 +1050,7 @@
             </a:ln>
             <a:extLst>
               <a:ext uri="{91240B29-F687-4f45-9708-019B960494DF}">
-                <a14:hiddenLine xmlns:a14="http://schemas.microsoft.com/office/drawing/2010/main" xmlns="" w="9525">
+                <a14:hiddenLine xmlns="" xmlns:a14="http://schemas.microsoft.com/office/drawing/2010/main" w="9525">
                   <a:solidFill>
                     <a:srgbClr val="000000"/>
                   </a:solidFill>
@@ -1112,7 +1112,7 @@
             </a:ln>
             <a:extLst>
               <a:ext uri="{91240B29-F687-4f45-9708-019B960494DF}">
-                <a14:hiddenLine xmlns:a14="http://schemas.microsoft.com/office/drawing/2010/main" xmlns="" w="9525">
+                <a14:hiddenLine xmlns="" xmlns:a14="http://schemas.microsoft.com/office/drawing/2010/main" w="9525">
                   <a:solidFill>
                     <a:srgbClr val="000000"/>
                   </a:solidFill>
@@ -1222,7 +1222,7 @@
             </a:ln>
             <a:extLst>
               <a:ext uri="{91240B29-F687-4f45-9708-019B960494DF}">
-                <a14:hiddenLine xmlns:a14="http://schemas.microsoft.com/office/drawing/2010/main" xmlns="" w="9525">
+                <a14:hiddenLine xmlns="" xmlns:a14="http://schemas.microsoft.com/office/drawing/2010/main" w="9525">
                   <a:solidFill>
                     <a:srgbClr val="000000"/>
                   </a:solidFill>
@@ -1284,7 +1284,7 @@
             </a:ln>
             <a:extLst>
               <a:ext uri="{91240B29-F687-4f45-9708-019B960494DF}">
-                <a14:hiddenLine xmlns:a14="http://schemas.microsoft.com/office/drawing/2010/main" xmlns="" w="9525">
+                <a14:hiddenLine xmlns="" xmlns:a14="http://schemas.microsoft.com/office/drawing/2010/main" w="9525">
                   <a:solidFill>
                     <a:srgbClr val="000000"/>
                   </a:solidFill>
@@ -1374,7 +1374,7 @@
             </a:ln>
             <a:extLst>
               <a:ext uri="{91240B29-F687-4f45-9708-019B960494DF}">
-                <a14:hiddenLine xmlns:a14="http://schemas.microsoft.com/office/drawing/2010/main" xmlns="" w="9525">
+                <a14:hiddenLine xmlns="" xmlns:a14="http://schemas.microsoft.com/office/drawing/2010/main" w="9525">
                   <a:solidFill>
                     <a:srgbClr val="000000"/>
                   </a:solidFill>
@@ -1464,7 +1464,7 @@
             </a:ln>
             <a:extLst>
               <a:ext uri="{91240B29-F687-4f45-9708-019B960494DF}">
-                <a14:hiddenLine xmlns:a14="http://schemas.microsoft.com/office/drawing/2010/main" xmlns="" w="9525">
+                <a14:hiddenLine xmlns="" xmlns:a14="http://schemas.microsoft.com/office/drawing/2010/main" w="9525">
                   <a:solidFill>
                     <a:srgbClr val="000000"/>
                   </a:solidFill>
@@ -1526,7 +1526,7 @@
             </a:ln>
             <a:extLst>
               <a:ext uri="{91240B29-F687-4f45-9708-019B960494DF}">
-                <a14:hiddenLine xmlns:a14="http://schemas.microsoft.com/office/drawing/2010/main" xmlns="" w="9525">
+                <a14:hiddenLine xmlns="" xmlns:a14="http://schemas.microsoft.com/office/drawing/2010/main" w="9525">
                   <a:solidFill>
                     <a:srgbClr val="000000"/>
                   </a:solidFill>
@@ -1616,7 +1616,7 @@
             </a:ln>
             <a:extLst>
               <a:ext uri="{91240B29-F687-4f45-9708-019B960494DF}">
-                <a14:hiddenLine xmlns:a14="http://schemas.microsoft.com/office/drawing/2010/main" xmlns="" w="9525">
+                <a14:hiddenLine xmlns="" xmlns:a14="http://schemas.microsoft.com/office/drawing/2010/main" w="9525">
                   <a:solidFill>
                     <a:srgbClr val="000000"/>
                   </a:solidFill>
@@ -1706,7 +1706,7 @@
             </a:ln>
             <a:extLst>
               <a:ext uri="{91240B29-F687-4f45-9708-019B960494DF}">
-                <a14:hiddenLine xmlns:a14="http://schemas.microsoft.com/office/drawing/2010/main" xmlns="" w="9525">
+                <a14:hiddenLine xmlns="" xmlns:a14="http://schemas.microsoft.com/office/drawing/2010/main" w="9525">
                   <a:solidFill>
                     <a:srgbClr val="000000"/>
                   </a:solidFill>
@@ -1762,7 +1762,7 @@
             </a:ln>
             <a:extLst>
               <a:ext uri="{91240B29-F687-4f45-9708-019B960494DF}">
-                <a14:hiddenLine xmlns:a14="http://schemas.microsoft.com/office/drawing/2010/main" xmlns="" w="9525">
+                <a14:hiddenLine xmlns="" xmlns:a14="http://schemas.microsoft.com/office/drawing/2010/main" w="9525">
                   <a:solidFill>
                     <a:srgbClr val="000000"/>
                   </a:solidFill>
@@ -1852,7 +1852,7 @@
             </a:ln>
             <a:extLst>
               <a:ext uri="{91240B29-F687-4f45-9708-019B960494DF}">
-                <a14:hiddenLine xmlns:a14="http://schemas.microsoft.com/office/drawing/2010/main" xmlns="" w="9525">
+                <a14:hiddenLine xmlns="" xmlns:a14="http://schemas.microsoft.com/office/drawing/2010/main" w="9525">
                   <a:solidFill>
                     <a:srgbClr val="000000"/>
                   </a:solidFill>
@@ -1908,7 +1908,7 @@
             </a:ln>
             <a:extLst>
               <a:ext uri="{91240B29-F687-4f45-9708-019B960494DF}">
-                <a14:hiddenLine xmlns:a14="http://schemas.microsoft.com/office/drawing/2010/main" xmlns="" w="9525">
+                <a14:hiddenLine xmlns="" xmlns:a14="http://schemas.microsoft.com/office/drawing/2010/main" w="9525">
                   <a:solidFill>
                     <a:srgbClr val="000000"/>
                   </a:solidFill>
@@ -1998,7 +1998,7 @@
             </a:ln>
             <a:extLst>
               <a:ext uri="{91240B29-F687-4f45-9708-019B960494DF}">
-                <a14:hiddenLine xmlns:a14="http://schemas.microsoft.com/office/drawing/2010/main" xmlns="" w="9525">
+                <a14:hiddenLine xmlns="" xmlns:a14="http://schemas.microsoft.com/office/drawing/2010/main" w="9525">
                   <a:solidFill>
                     <a:srgbClr val="000000"/>
                   </a:solidFill>
@@ -2066,7 +2066,7 @@
             </a:ln>
             <a:extLst>
               <a:ext uri="{91240B29-F687-4f45-9708-019B960494DF}">
-                <a14:hiddenLine xmlns:a14="http://schemas.microsoft.com/office/drawing/2010/main" xmlns="" w="9525">
+                <a14:hiddenLine xmlns="" xmlns:a14="http://schemas.microsoft.com/office/drawing/2010/main" w="9525">
                   <a:solidFill>
                     <a:srgbClr val="000000"/>
                   </a:solidFill>
@@ -2156,7 +2156,7 @@
             </a:ln>
             <a:extLst>
               <a:ext uri="{91240B29-F687-4f45-9708-019B960494DF}">
-                <a14:hiddenLine xmlns:a14="http://schemas.microsoft.com/office/drawing/2010/main" xmlns="" w="9525">
+                <a14:hiddenLine xmlns="" xmlns:a14="http://schemas.microsoft.com/office/drawing/2010/main" w="9525">
                   <a:solidFill>
                     <a:srgbClr val="000000"/>
                   </a:solidFill>
@@ -2224,7 +2224,7 @@
             </a:ln>
             <a:extLst>
               <a:ext uri="{91240B29-F687-4f45-9708-019B960494DF}">
-                <a14:hiddenLine xmlns:a14="http://schemas.microsoft.com/office/drawing/2010/main" xmlns="" w="9525">
+                <a14:hiddenLine xmlns="" xmlns:a14="http://schemas.microsoft.com/office/drawing/2010/main" w="9525">
                   <a:solidFill>
                     <a:srgbClr val="000000"/>
                   </a:solidFill>
@@ -2314,7 +2314,7 @@
             </a:ln>
             <a:extLst>
               <a:ext uri="{91240B29-F687-4f45-9708-019B960494DF}">
-                <a14:hiddenLine xmlns:a14="http://schemas.microsoft.com/office/drawing/2010/main" xmlns="" w="9525">
+                <a14:hiddenLine xmlns="" xmlns:a14="http://schemas.microsoft.com/office/drawing/2010/main" w="9525">
                   <a:solidFill>
                     <a:srgbClr val="000000"/>
                   </a:solidFill>
@@ -2348,7 +2348,7 @@
             </a:ln>
             <a:extLst>
               <a:ext uri="{91240B29-F687-4f45-9708-019B960494DF}">
-                <a14:hiddenLine xmlns:a14="http://schemas.microsoft.com/office/drawing/2010/main" xmlns="" w="9525">
+                <a14:hiddenLine xmlns="" xmlns:a14="http://schemas.microsoft.com/office/drawing/2010/main" w="9525">
                   <a:solidFill>
                     <a:srgbClr val="000000"/>
                   </a:solidFill>
@@ -2438,7 +2438,7 @@
             </a:ln>
             <a:extLst>
               <a:ext uri="{91240B29-F687-4f45-9708-019B960494DF}">
-                <a14:hiddenLine xmlns:a14="http://schemas.microsoft.com/office/drawing/2010/main" xmlns="" w="9525">
+                <a14:hiddenLine xmlns="" xmlns:a14="http://schemas.microsoft.com/office/drawing/2010/main" w="9525">
                   <a:solidFill>
                     <a:srgbClr val="000000"/>
                   </a:solidFill>
@@ -2500,7 +2500,7 @@
             </a:ln>
             <a:extLst>
               <a:ext uri="{91240B29-F687-4f45-9708-019B960494DF}">
-                <a14:hiddenLine xmlns:a14="http://schemas.microsoft.com/office/drawing/2010/main" xmlns="" w="9525">
+                <a14:hiddenLine xmlns="" xmlns:a14="http://schemas.microsoft.com/office/drawing/2010/main" w="9525">
                   <a:solidFill>
                     <a:srgbClr val="000000"/>
                   </a:solidFill>
@@ -2562,7 +2562,7 @@
             </a:ln>
             <a:extLst>
               <a:ext uri="{91240B29-F687-4f45-9708-019B960494DF}">
-                <a14:hiddenLine xmlns:a14="http://schemas.microsoft.com/office/drawing/2010/main" xmlns="" w="9525">
+                <a14:hiddenLine xmlns="" xmlns:a14="http://schemas.microsoft.com/office/drawing/2010/main" w="9525">
                   <a:solidFill>
                     <a:srgbClr val="000000"/>
                   </a:solidFill>
@@ -2652,7 +2652,7 @@
             </a:ln>
             <a:extLst>
               <a:ext uri="{91240B29-F687-4f45-9708-019B960494DF}">
-                <a14:hiddenLine xmlns:a14="http://schemas.microsoft.com/office/drawing/2010/main" xmlns="" w="9525">
+                <a14:hiddenLine xmlns="" xmlns:a14="http://schemas.microsoft.com/office/drawing/2010/main" w="9525">
                   <a:solidFill>
                     <a:srgbClr val="000000"/>
                   </a:solidFill>
@@ -2720,7 +2720,7 @@
             </a:ln>
             <a:extLst>
               <a:ext uri="{91240B29-F687-4f45-9708-019B960494DF}">
-                <a14:hiddenLine xmlns:a14="http://schemas.microsoft.com/office/drawing/2010/main" xmlns="" w="9525">
+                <a14:hiddenLine xmlns="" xmlns:a14="http://schemas.microsoft.com/office/drawing/2010/main" w="9525">
                   <a:solidFill>
                     <a:srgbClr val="000000"/>
                   </a:solidFill>
@@ -2782,7 +2782,7 @@
             </a:ln>
             <a:extLst>
               <a:ext uri="{91240B29-F687-4f45-9708-019B960494DF}">
-                <a14:hiddenLine xmlns:a14="http://schemas.microsoft.com/office/drawing/2010/main" xmlns="" w="9525">
+                <a14:hiddenLine xmlns="" xmlns:a14="http://schemas.microsoft.com/office/drawing/2010/main" w="9525">
                   <a:solidFill>
                     <a:srgbClr val="000000"/>
                   </a:solidFill>
@@ -2872,7 +2872,7 @@
             </a:ln>
             <a:extLst>
               <a:ext uri="{91240B29-F687-4f45-9708-019B960494DF}">
-                <a14:hiddenLine xmlns:a14="http://schemas.microsoft.com/office/drawing/2010/main" xmlns="" w="9525">
+                <a14:hiddenLine xmlns="" xmlns:a14="http://schemas.microsoft.com/office/drawing/2010/main" w="9525">
                   <a:solidFill>
                     <a:srgbClr val="000000"/>
                   </a:solidFill>
@@ -2934,7 +2934,7 @@
             </a:ln>
             <a:extLst>
               <a:ext uri="{91240B29-F687-4f45-9708-019B960494DF}">
-                <a14:hiddenLine xmlns:a14="http://schemas.microsoft.com/office/drawing/2010/main" xmlns="" w="9525">
+                <a14:hiddenLine xmlns="" xmlns:a14="http://schemas.microsoft.com/office/drawing/2010/main" w="9525">
                   <a:solidFill>
                     <a:srgbClr val="000000"/>
                   </a:solidFill>
@@ -3024,7 +3024,7 @@
             </a:ln>
             <a:extLst>
               <a:ext uri="{91240B29-F687-4f45-9708-019B960494DF}">
-                <a14:hiddenLine xmlns:a14="http://schemas.microsoft.com/office/drawing/2010/main" xmlns="" w="9525">
+                <a14:hiddenLine xmlns="" xmlns:a14="http://schemas.microsoft.com/office/drawing/2010/main" w="9525">
                   <a:solidFill>
                     <a:srgbClr val="000000"/>
                   </a:solidFill>
@@ -3086,7 +3086,7 @@
             </a:ln>
             <a:extLst>
               <a:ext uri="{91240B29-F687-4f45-9708-019B960494DF}">
-                <a14:hiddenLine xmlns:a14="http://schemas.microsoft.com/office/drawing/2010/main" xmlns="" w="9525">
+                <a14:hiddenLine xmlns="" xmlns:a14="http://schemas.microsoft.com/office/drawing/2010/main" w="9525">
                   <a:solidFill>
                     <a:srgbClr val="000000"/>
                   </a:solidFill>
@@ -3176,7 +3176,7 @@
             </a:ln>
             <a:extLst>
               <a:ext uri="{91240B29-F687-4f45-9708-019B960494DF}">
-                <a14:hiddenLine xmlns:a14="http://schemas.microsoft.com/office/drawing/2010/main" xmlns="" w="9525">
+                <a14:hiddenLine xmlns="" xmlns:a14="http://schemas.microsoft.com/office/drawing/2010/main" w="9525">
                   <a:solidFill>
                     <a:srgbClr val="000000"/>
                   </a:solidFill>
@@ -3210,7 +3210,7 @@
             </a:ln>
             <a:extLst>
               <a:ext uri="{91240B29-F687-4f45-9708-019B960494DF}">
-                <a14:hiddenLine xmlns:a14="http://schemas.microsoft.com/office/drawing/2010/main" xmlns="" w="9525">
+                <a14:hiddenLine xmlns="" xmlns:a14="http://schemas.microsoft.com/office/drawing/2010/main" w="9525">
                   <a:solidFill>
                     <a:srgbClr val="000000"/>
                   </a:solidFill>
@@ -3275,7 +3275,7 @@
             </a:ln>
             <a:extLst>
               <a:ext uri="{91240B29-F687-4f45-9708-019B960494DF}">
-                <a14:hiddenLine xmlns:a14="http://schemas.microsoft.com/office/drawing/2010/main" xmlns="" w="9525">
+                <a14:hiddenLine xmlns="" xmlns:a14="http://schemas.microsoft.com/office/drawing/2010/main" w="9525">
                   <a:solidFill>
                     <a:srgbClr val="000000"/>
                   </a:solidFill>
@@ -3365,7 +3365,7 @@
             </a:ln>
             <a:extLst>
               <a:ext uri="{91240B29-F687-4f45-9708-019B960494DF}">
-                <a14:hiddenLine xmlns:a14="http://schemas.microsoft.com/office/drawing/2010/main" xmlns="" w="9525">
+                <a14:hiddenLine xmlns="" xmlns:a14="http://schemas.microsoft.com/office/drawing/2010/main" w="9525">
                   <a:solidFill>
                     <a:srgbClr val="000000"/>
                   </a:solidFill>
@@ -3427,7 +3427,7 @@
             </a:ln>
             <a:extLst>
               <a:ext uri="{91240B29-F687-4f45-9708-019B960494DF}">
-                <a14:hiddenLine xmlns:a14="http://schemas.microsoft.com/office/drawing/2010/main" xmlns="" w="9525">
+                <a14:hiddenLine xmlns="" xmlns:a14="http://schemas.microsoft.com/office/drawing/2010/main" w="9525">
                   <a:solidFill>
                     <a:srgbClr val="000000"/>
                   </a:solidFill>
@@ -3517,7 +3517,7 @@
             </a:ln>
             <a:extLst>
               <a:ext uri="{91240B29-F687-4f45-9708-019B960494DF}">
-                <a14:hiddenLine xmlns:a14="http://schemas.microsoft.com/office/drawing/2010/main" xmlns="" w="9525">
+                <a14:hiddenLine xmlns="" xmlns:a14="http://schemas.microsoft.com/office/drawing/2010/main" w="9525">
                   <a:solidFill>
                     <a:srgbClr val="000000"/>
                   </a:solidFill>
@@ -3607,7 +3607,7 @@
             </a:ln>
             <a:extLst>
               <a:ext uri="{91240B29-F687-4f45-9708-019B960494DF}">
-                <a14:hiddenLine xmlns:a14="http://schemas.microsoft.com/office/drawing/2010/main" xmlns="" w="9525">
+                <a14:hiddenLine xmlns="" xmlns:a14="http://schemas.microsoft.com/office/drawing/2010/main" w="9525">
                   <a:solidFill>
                     <a:srgbClr val="000000"/>
                   </a:solidFill>
@@ -3672,7 +3672,7 @@
             </a:ln>
             <a:extLst>
               <a:ext uri="{91240B29-F687-4f45-9708-019B960494DF}">
-                <a14:hiddenLine xmlns:a14="http://schemas.microsoft.com/office/drawing/2010/main" xmlns="" w="9525">
+                <a14:hiddenLine xmlns="" xmlns:a14="http://schemas.microsoft.com/office/drawing/2010/main" w="9525">
                   <a:solidFill>
                     <a:srgbClr val="000000"/>
                   </a:solidFill>
@@ -3734,7 +3734,7 @@
             </a:ln>
             <a:extLst>
               <a:ext uri="{91240B29-F687-4f45-9708-019B960494DF}">
-                <a14:hiddenLine xmlns:a14="http://schemas.microsoft.com/office/drawing/2010/main" xmlns="" w="9525">
+                <a14:hiddenLine xmlns="" xmlns:a14="http://schemas.microsoft.com/office/drawing/2010/main" w="9525">
                   <a:solidFill>
                     <a:srgbClr val="000000"/>
                   </a:solidFill>
@@ -3824,7 +3824,7 @@
             </a:ln>
             <a:extLst>
               <a:ext uri="{91240B29-F687-4f45-9708-019B960494DF}">
-                <a14:hiddenLine xmlns:a14="http://schemas.microsoft.com/office/drawing/2010/main" xmlns="" w="9525">
+                <a14:hiddenLine xmlns="" xmlns:a14="http://schemas.microsoft.com/office/drawing/2010/main" w="9525">
                   <a:solidFill>
                     <a:srgbClr val="000000"/>
                   </a:solidFill>
@@ -3914,7 +3914,7 @@
             </a:ln>
             <a:extLst>
               <a:ext uri="{91240B29-F687-4f45-9708-019B960494DF}">
-                <a14:hiddenLine xmlns:a14="http://schemas.microsoft.com/office/drawing/2010/main" xmlns="" w="9525">
+                <a14:hiddenLine xmlns="" xmlns:a14="http://schemas.microsoft.com/office/drawing/2010/main" w="9525">
                   <a:solidFill>
                     <a:srgbClr val="000000"/>
                   </a:solidFill>
@@ -3976,7 +3976,7 @@
             </a:ln>
             <a:extLst>
               <a:ext uri="{91240B29-F687-4f45-9708-019B960494DF}">
-                <a14:hiddenLine xmlns:a14="http://schemas.microsoft.com/office/drawing/2010/main" xmlns="" w="9525">
+                <a14:hiddenLine xmlns="" xmlns:a14="http://schemas.microsoft.com/office/drawing/2010/main" w="9525">
                   <a:solidFill>
                     <a:srgbClr val="000000"/>
                   </a:solidFill>
@@ -4096,7 +4096,7 @@
             </a:ln>
             <a:extLst>
               <a:ext uri="{91240B29-F687-4f45-9708-019B960494DF}">
-                <a14:hiddenLine xmlns:a14="http://schemas.microsoft.com/office/drawing/2010/main" xmlns="" w="9525">
+                <a14:hiddenLine xmlns="" xmlns:a14="http://schemas.microsoft.com/office/drawing/2010/main" w="9525">
                   <a:solidFill>
                     <a:srgbClr val="000000"/>
                   </a:solidFill>
@@ -4164,7 +4164,7 @@
             </a:ln>
             <a:extLst>
               <a:ext uri="{91240B29-F687-4f45-9708-019B960494DF}">
-                <a14:hiddenLine xmlns:a14="http://schemas.microsoft.com/office/drawing/2010/main" xmlns="" w="9525">
+                <a14:hiddenLine xmlns="" xmlns:a14="http://schemas.microsoft.com/office/drawing/2010/main" w="9525">
                   <a:solidFill>
                     <a:srgbClr val="000000"/>
                   </a:solidFill>
@@ -4254,7 +4254,7 @@
             </a:ln>
             <a:extLst>
               <a:ext uri="{91240B29-F687-4f45-9708-019B960494DF}">
-                <a14:hiddenLine xmlns:a14="http://schemas.microsoft.com/office/drawing/2010/main" xmlns="" w="9525">
+                <a14:hiddenLine xmlns="" xmlns:a14="http://schemas.microsoft.com/office/drawing/2010/main" w="9525">
                   <a:solidFill>
                     <a:srgbClr val="000000"/>
                   </a:solidFill>
@@ -4394,7 +4394,7 @@
           <a:p>
             <a:fld id="{48A87A34-81AB-432B-8DAE-1953F412C126}" type="datetimeFigureOut">
               <a:rPr lang="en-US" dirty="0"/>
-              <a:t>7/16/2016</a:t>
+              <a:t>7/26/2016</a:t>
             </a:fld>
             <a:endParaRPr lang="en-US" dirty="0"/>
           </a:p>
@@ -4656,7 +4656,7 @@
           <a:p>
             <a:fld id="{48A87A34-81AB-432B-8DAE-1953F412C126}" type="datetimeFigureOut">
               <a:rPr lang="en-US" dirty="0"/>
-              <a:t>7/16/2016</a:t>
+              <a:t>7/26/2016</a:t>
             </a:fld>
             <a:endParaRPr lang="en-US" dirty="0"/>
           </a:p>
@@ -4847,7 +4847,7 @@
           <a:p>
             <a:fld id="{48A87A34-81AB-432B-8DAE-1953F412C126}" type="datetimeFigureOut">
               <a:rPr lang="en-US" dirty="0"/>
-              <a:t>7/16/2016</a:t>
+              <a:t>7/26/2016</a:t>
             </a:fld>
             <a:endParaRPr lang="en-US" dirty="0"/>
           </a:p>
@@ -5105,7 +5105,7 @@
           <a:p>
             <a:fld id="{48A87A34-81AB-432B-8DAE-1953F412C126}" type="datetimeFigureOut">
               <a:rPr lang="en-US" dirty="0"/>
-              <a:t>7/16/2016</a:t>
+              <a:t>7/26/2016</a:t>
             </a:fld>
             <a:endParaRPr lang="en-US" dirty="0"/>
           </a:p>
@@ -5534,7 +5534,7 @@
           <a:p>
             <a:fld id="{48A87A34-81AB-432B-8DAE-1953F412C126}" type="datetimeFigureOut">
               <a:rPr lang="en-US" dirty="0"/>
-              <a:t>7/16/2016</a:t>
+              <a:t>7/26/2016</a:t>
             </a:fld>
             <a:endParaRPr lang="en-US" dirty="0"/>
           </a:p>
@@ -6075,7 +6075,7 @@
           <a:p>
             <a:fld id="{48A87A34-81AB-432B-8DAE-1953F412C126}" type="datetimeFigureOut">
               <a:rPr lang="en-US" dirty="0"/>
-              <a:t>7/16/2016</a:t>
+              <a:t>7/26/2016</a:t>
             </a:fld>
             <a:endParaRPr lang="en-US" dirty="0"/>
           </a:p>
@@ -6790,7 +6790,7 @@
           <a:p>
             <a:fld id="{48A87A34-81AB-432B-8DAE-1953F412C126}" type="datetimeFigureOut">
               <a:rPr lang="en-US" dirty="0"/>
-              <a:t>7/16/2016</a:t>
+              <a:t>7/26/2016</a:t>
             </a:fld>
             <a:endParaRPr lang="en-US" dirty="0"/>
           </a:p>
@@ -6955,7 +6955,7 @@
           <a:p>
             <a:fld id="{48A87A34-81AB-432B-8DAE-1953F412C126}" type="datetimeFigureOut">
               <a:rPr lang="en-US" dirty="0"/>
-              <a:t>7/16/2016</a:t>
+              <a:t>7/26/2016</a:t>
             </a:fld>
             <a:endParaRPr lang="en-US" dirty="0"/>
           </a:p>
@@ -7130,7 +7130,7 @@
           <a:p>
             <a:fld id="{48A87A34-81AB-432B-8DAE-1953F412C126}" type="datetimeFigureOut">
               <a:rPr lang="en-US" dirty="0"/>
-              <a:t>7/16/2016</a:t>
+              <a:t>7/26/2016</a:t>
             </a:fld>
             <a:endParaRPr lang="en-US" dirty="0"/>
           </a:p>
@@ -7295,7 +7295,7 @@
           <a:p>
             <a:fld id="{48A87A34-81AB-432B-8DAE-1953F412C126}" type="datetimeFigureOut">
               <a:rPr lang="en-US" dirty="0"/>
-              <a:t>7/16/2016</a:t>
+              <a:t>7/26/2016</a:t>
             </a:fld>
             <a:endParaRPr lang="en-US" dirty="0"/>
           </a:p>
@@ -7540,7 +7540,7 @@
           <a:p>
             <a:fld id="{48A87A34-81AB-432B-8DAE-1953F412C126}" type="datetimeFigureOut">
               <a:rPr lang="en-US" dirty="0"/>
-              <a:t>7/16/2016</a:t>
+              <a:t>7/26/2016</a:t>
             </a:fld>
             <a:endParaRPr lang="en-US" dirty="0"/>
           </a:p>
@@ -7767,7 +7767,7 @@
           <a:p>
             <a:fld id="{48A87A34-81AB-432B-8DAE-1953F412C126}" type="datetimeFigureOut">
               <a:rPr lang="en-US" dirty="0"/>
-              <a:t>7/16/2016</a:t>
+              <a:t>7/26/2016</a:t>
             </a:fld>
             <a:endParaRPr lang="en-US" dirty="0"/>
           </a:p>
@@ -8143,7 +8143,7 @@
           <a:p>
             <a:fld id="{48A87A34-81AB-432B-8DAE-1953F412C126}" type="datetimeFigureOut">
               <a:rPr lang="en-US" dirty="0"/>
-              <a:t>7/16/2016</a:t>
+              <a:t>7/26/2016</a:t>
             </a:fld>
             <a:endParaRPr lang="en-US" dirty="0"/>
           </a:p>
@@ -8256,7 +8256,7 @@
           <a:p>
             <a:fld id="{48A87A34-81AB-432B-8DAE-1953F412C126}" type="datetimeFigureOut">
               <a:rPr lang="en-US" dirty="0"/>
-              <a:t>7/16/2016</a:t>
+              <a:t>7/26/2016</a:t>
             </a:fld>
             <a:endParaRPr lang="en-US" dirty="0"/>
           </a:p>
@@ -8346,7 +8346,7 @@
           <a:p>
             <a:fld id="{48A87A34-81AB-432B-8DAE-1953F412C126}" type="datetimeFigureOut">
               <a:rPr lang="en-US" dirty="0"/>
-              <a:t>7/16/2016</a:t>
+              <a:t>7/26/2016</a:t>
             </a:fld>
             <a:endParaRPr lang="en-US" dirty="0"/>
           </a:p>
@@ -8590,7 +8590,7 @@
           <a:p>
             <a:fld id="{48A87A34-81AB-432B-8DAE-1953F412C126}" type="datetimeFigureOut">
               <a:rPr lang="en-US" dirty="0"/>
-              <a:t>7/16/2016</a:t>
+              <a:t>7/26/2016</a:t>
             </a:fld>
             <a:endParaRPr lang="en-US" dirty="0"/>
           </a:p>
@@ -8865,7 +8865,7 @@
           <a:p>
             <a:fld id="{48A87A34-81AB-432B-8DAE-1953F412C126}" type="datetimeFigureOut">
               <a:rPr lang="en-US" dirty="0"/>
-              <a:t>7/16/2016</a:t>
+              <a:t>7/26/2016</a:t>
             </a:fld>
             <a:endParaRPr lang="en-US" dirty="0"/>
           </a:p>
@@ -8976,7 +8976,7 @@
           <a:noFill/>
           <a:extLst>
             <a:ext uri="{909E8E84-426E-40dd-AFC4-6F175D3DCCD1}">
-              <a14:hiddenFill xmlns:a14="http://schemas.microsoft.com/office/drawing/2010/main" xmlns="">
+              <a14:hiddenFill xmlns="" xmlns:a14="http://schemas.microsoft.com/office/drawing/2010/main">
                 <a:solidFill>
                   <a:srgbClr val="FFFFFF"/>
                 </a:solidFill>
@@ -9050,7 +9050,7 @@
               </a:ln>
               <a:extLst>
                 <a:ext uri="{91240B29-F687-4f45-9708-019B960494DF}">
-                  <a14:hiddenLine xmlns:a14="http://schemas.microsoft.com/office/drawing/2010/main" xmlns="" w="9525">
+                  <a14:hiddenLine xmlns="" xmlns:a14="http://schemas.microsoft.com/office/drawing/2010/main" w="9525">
                     <a:solidFill>
                       <a:srgbClr val="000000"/>
                     </a:solidFill>
@@ -9140,7 +9140,7 @@
               </a:ln>
               <a:extLst>
                 <a:ext uri="{91240B29-F687-4f45-9708-019B960494DF}">
-                  <a14:hiddenLine xmlns:a14="http://schemas.microsoft.com/office/drawing/2010/main" xmlns="" w="9525">
+                  <a14:hiddenLine xmlns="" xmlns:a14="http://schemas.microsoft.com/office/drawing/2010/main" w="9525">
                     <a:solidFill>
                       <a:srgbClr val="000000"/>
                     </a:solidFill>
@@ -9230,7 +9230,7 @@
               </a:ln>
               <a:extLst>
                 <a:ext uri="{91240B29-F687-4f45-9708-019B960494DF}">
-                  <a14:hiddenLine xmlns:a14="http://schemas.microsoft.com/office/drawing/2010/main" xmlns="" w="9525">
+                  <a14:hiddenLine xmlns="" xmlns:a14="http://schemas.microsoft.com/office/drawing/2010/main" w="9525">
                     <a:solidFill>
                       <a:srgbClr val="000000"/>
                     </a:solidFill>
@@ -9292,7 +9292,7 @@
               </a:ln>
               <a:extLst>
                 <a:ext uri="{91240B29-F687-4f45-9708-019B960494DF}">
-                  <a14:hiddenLine xmlns:a14="http://schemas.microsoft.com/office/drawing/2010/main" xmlns="" w="9525">
+                  <a14:hiddenLine xmlns="" xmlns:a14="http://schemas.microsoft.com/office/drawing/2010/main" w="9525">
                     <a:solidFill>
                       <a:srgbClr val="000000"/>
                     </a:solidFill>
@@ -9382,7 +9382,7 @@
               </a:ln>
               <a:extLst>
                 <a:ext uri="{91240B29-F687-4f45-9708-019B960494DF}">
-                  <a14:hiddenLine xmlns:a14="http://schemas.microsoft.com/office/drawing/2010/main" xmlns="" w="9525">
+                  <a14:hiddenLine xmlns="" xmlns:a14="http://schemas.microsoft.com/office/drawing/2010/main" w="9525">
                     <a:solidFill>
                       <a:srgbClr val="000000"/>
                     </a:solidFill>
@@ -9444,7 +9444,7 @@
               </a:ln>
               <a:extLst>
                 <a:ext uri="{91240B29-F687-4f45-9708-019B960494DF}">
-                  <a14:hiddenLine xmlns:a14="http://schemas.microsoft.com/office/drawing/2010/main" xmlns="" w="9525">
+                  <a14:hiddenLine xmlns="" xmlns:a14="http://schemas.microsoft.com/office/drawing/2010/main" w="9525">
                     <a:solidFill>
                       <a:srgbClr val="000000"/>
                     </a:solidFill>
@@ -9506,7 +9506,7 @@
               </a:ln>
               <a:extLst>
                 <a:ext uri="{91240B29-F687-4f45-9708-019B960494DF}">
-                  <a14:hiddenLine xmlns:a14="http://schemas.microsoft.com/office/drawing/2010/main" xmlns="" w="9525">
+                  <a14:hiddenLine xmlns="" xmlns:a14="http://schemas.microsoft.com/office/drawing/2010/main" w="9525">
                     <a:solidFill>
                       <a:srgbClr val="000000"/>
                     </a:solidFill>
@@ -9596,7 +9596,7 @@
               </a:ln>
               <a:extLst>
                 <a:ext uri="{91240B29-F687-4f45-9708-019B960494DF}">
-                  <a14:hiddenLine xmlns:a14="http://schemas.microsoft.com/office/drawing/2010/main" xmlns="" w="9525">
+                  <a14:hiddenLine xmlns="" xmlns:a14="http://schemas.microsoft.com/office/drawing/2010/main" w="9525">
                     <a:solidFill>
                       <a:srgbClr val="000000"/>
                     </a:solidFill>
@@ -9686,7 +9686,7 @@
               </a:ln>
               <a:extLst>
                 <a:ext uri="{91240B29-F687-4f45-9708-019B960494DF}">
-                  <a14:hiddenLine xmlns:a14="http://schemas.microsoft.com/office/drawing/2010/main" xmlns="" w="9525">
+                  <a14:hiddenLine xmlns="" xmlns:a14="http://schemas.microsoft.com/office/drawing/2010/main" w="9525">
                     <a:solidFill>
                       <a:srgbClr val="000000"/>
                     </a:solidFill>
@@ -9748,7 +9748,7 @@
               </a:ln>
               <a:extLst>
                 <a:ext uri="{91240B29-F687-4f45-9708-019B960494DF}">
-                  <a14:hiddenLine xmlns:a14="http://schemas.microsoft.com/office/drawing/2010/main" xmlns="" w="9525">
+                  <a14:hiddenLine xmlns="" xmlns:a14="http://schemas.microsoft.com/office/drawing/2010/main" w="9525">
                     <a:solidFill>
                       <a:srgbClr val="000000"/>
                     </a:solidFill>
@@ -9858,7 +9858,7 @@
               </a:ln>
               <a:extLst>
                 <a:ext uri="{91240B29-F687-4f45-9708-019B960494DF}">
-                  <a14:hiddenLine xmlns:a14="http://schemas.microsoft.com/office/drawing/2010/main" xmlns="" w="9525">
+                  <a14:hiddenLine xmlns="" xmlns:a14="http://schemas.microsoft.com/office/drawing/2010/main" w="9525">
                     <a:solidFill>
                       <a:srgbClr val="000000"/>
                     </a:solidFill>
@@ -9942,7 +9942,7 @@
               </a:ln>
               <a:extLst>
                 <a:ext uri="{91240B29-F687-4f45-9708-019B960494DF}">
-                  <a14:hiddenLine xmlns:a14="http://schemas.microsoft.com/office/drawing/2010/main" xmlns="" w="9525">
+                  <a14:hiddenLine xmlns="" xmlns:a14="http://schemas.microsoft.com/office/drawing/2010/main" w="9525">
                     <a:solidFill>
                       <a:srgbClr val="000000"/>
                     </a:solidFill>
@@ -10004,7 +10004,7 @@
               </a:ln>
               <a:extLst>
                 <a:ext uri="{91240B29-F687-4f45-9708-019B960494DF}">
-                  <a14:hiddenLine xmlns:a14="http://schemas.microsoft.com/office/drawing/2010/main" xmlns="" w="9525">
+                  <a14:hiddenLine xmlns="" xmlns:a14="http://schemas.microsoft.com/office/drawing/2010/main" w="9525">
                     <a:solidFill>
                       <a:srgbClr val="000000"/>
                     </a:solidFill>
@@ -10066,7 +10066,7 @@
               </a:ln>
               <a:extLst>
                 <a:ext uri="{91240B29-F687-4f45-9708-019B960494DF}">
-                  <a14:hiddenLine xmlns:a14="http://schemas.microsoft.com/office/drawing/2010/main" xmlns="" w="9525">
+                  <a14:hiddenLine xmlns="" xmlns:a14="http://schemas.microsoft.com/office/drawing/2010/main" w="9525">
                     <a:solidFill>
                       <a:srgbClr val="000000"/>
                     </a:solidFill>
@@ -10156,7 +10156,7 @@
               </a:ln>
               <a:extLst>
                 <a:ext uri="{91240B29-F687-4f45-9708-019B960494DF}">
-                  <a14:hiddenLine xmlns:a14="http://schemas.microsoft.com/office/drawing/2010/main" xmlns="" w="9525">
+                  <a14:hiddenLine xmlns="" xmlns:a14="http://schemas.microsoft.com/office/drawing/2010/main" w="9525">
                     <a:solidFill>
                       <a:srgbClr val="000000"/>
                     </a:solidFill>
@@ -10190,7 +10190,7 @@
               </a:ln>
               <a:extLst>
                 <a:ext uri="{91240B29-F687-4f45-9708-019B960494DF}">
-                  <a14:hiddenLine xmlns:a14="http://schemas.microsoft.com/office/drawing/2010/main" xmlns="" w="9525">
+                  <a14:hiddenLine xmlns="" xmlns:a14="http://schemas.microsoft.com/office/drawing/2010/main" w="9525">
                     <a:solidFill>
                       <a:srgbClr val="000000"/>
                     </a:solidFill>
@@ -10255,7 +10255,7 @@
               </a:ln>
               <a:extLst>
                 <a:ext uri="{91240B29-F687-4f45-9708-019B960494DF}">
-                  <a14:hiddenLine xmlns:a14="http://schemas.microsoft.com/office/drawing/2010/main" xmlns="" w="9525">
+                  <a14:hiddenLine xmlns="" xmlns:a14="http://schemas.microsoft.com/office/drawing/2010/main" w="9525">
                     <a:solidFill>
                       <a:srgbClr val="000000"/>
                     </a:solidFill>
@@ -10345,7 +10345,7 @@
               </a:ln>
               <a:extLst>
                 <a:ext uri="{91240B29-F687-4f45-9708-019B960494DF}">
-                  <a14:hiddenLine xmlns:a14="http://schemas.microsoft.com/office/drawing/2010/main" xmlns="" w="9525">
+                  <a14:hiddenLine xmlns="" xmlns:a14="http://schemas.microsoft.com/office/drawing/2010/main" w="9525">
                     <a:solidFill>
                       <a:srgbClr val="000000"/>
                     </a:solidFill>
@@ -10407,7 +10407,7 @@
               </a:ln>
               <a:extLst>
                 <a:ext uri="{91240B29-F687-4f45-9708-019B960494DF}">
-                  <a14:hiddenLine xmlns:a14="http://schemas.microsoft.com/office/drawing/2010/main" xmlns="" w="9525">
+                  <a14:hiddenLine xmlns="" xmlns:a14="http://schemas.microsoft.com/office/drawing/2010/main" w="9525">
                     <a:solidFill>
                       <a:srgbClr val="000000"/>
                     </a:solidFill>
@@ -10497,7 +10497,7 @@
               </a:ln>
               <a:extLst>
                 <a:ext uri="{91240B29-F687-4f45-9708-019B960494DF}">
-                  <a14:hiddenLine xmlns:a14="http://schemas.microsoft.com/office/drawing/2010/main" xmlns="" w="9525">
+                  <a14:hiddenLine xmlns="" xmlns:a14="http://schemas.microsoft.com/office/drawing/2010/main" w="9525">
                     <a:solidFill>
                       <a:srgbClr val="000000"/>
                     </a:solidFill>
@@ -10562,7 +10562,7 @@
               </a:ln>
               <a:extLst>
                 <a:ext uri="{91240B29-F687-4f45-9708-019B960494DF}">
-                  <a14:hiddenLine xmlns:a14="http://schemas.microsoft.com/office/drawing/2010/main" xmlns="" w="9525">
+                  <a14:hiddenLine xmlns="" xmlns:a14="http://schemas.microsoft.com/office/drawing/2010/main" w="9525">
                     <a:solidFill>
                       <a:srgbClr val="000000"/>
                     </a:solidFill>
@@ -10624,7 +10624,7 @@
               </a:ln>
               <a:extLst>
                 <a:ext uri="{91240B29-F687-4f45-9708-019B960494DF}">
-                  <a14:hiddenLine xmlns:a14="http://schemas.microsoft.com/office/drawing/2010/main" xmlns="" w="9525">
+                  <a14:hiddenLine xmlns="" xmlns:a14="http://schemas.microsoft.com/office/drawing/2010/main" w="9525">
                     <a:solidFill>
                       <a:srgbClr val="000000"/>
                     </a:solidFill>
@@ -10714,7 +10714,7 @@
               </a:ln>
               <a:extLst>
                 <a:ext uri="{91240B29-F687-4f45-9708-019B960494DF}">
-                  <a14:hiddenLine xmlns:a14="http://schemas.microsoft.com/office/drawing/2010/main" xmlns="" w="9525">
+                  <a14:hiddenLine xmlns="" xmlns:a14="http://schemas.microsoft.com/office/drawing/2010/main" w="9525">
                     <a:solidFill>
                       <a:srgbClr val="000000"/>
                     </a:solidFill>
@@ -10804,7 +10804,7 @@
               </a:ln>
               <a:extLst>
                 <a:ext uri="{91240B29-F687-4f45-9708-019B960494DF}">
-                  <a14:hiddenLine xmlns:a14="http://schemas.microsoft.com/office/drawing/2010/main" xmlns="" w="9525">
+                  <a14:hiddenLine xmlns="" xmlns:a14="http://schemas.microsoft.com/office/drawing/2010/main" w="9525">
                     <a:solidFill>
                       <a:srgbClr val="000000"/>
                     </a:solidFill>
@@ -10869,7 +10869,7 @@
               </a:ln>
               <a:extLst>
                 <a:ext uri="{91240B29-F687-4f45-9708-019B960494DF}">
-                  <a14:hiddenLine xmlns:a14="http://schemas.microsoft.com/office/drawing/2010/main" xmlns="" w="9525">
+                  <a14:hiddenLine xmlns="" xmlns:a14="http://schemas.microsoft.com/office/drawing/2010/main" w="9525">
                     <a:solidFill>
                       <a:srgbClr val="000000"/>
                     </a:solidFill>
@@ -10989,7 +10989,7 @@
               </a:ln>
               <a:extLst>
                 <a:ext uri="{91240B29-F687-4f45-9708-019B960494DF}">
-                  <a14:hiddenLine xmlns:a14="http://schemas.microsoft.com/office/drawing/2010/main" xmlns="" w="9525">
+                  <a14:hiddenLine xmlns="" xmlns:a14="http://schemas.microsoft.com/office/drawing/2010/main" w="9525">
                     <a:solidFill>
                       <a:srgbClr val="000000"/>
                     </a:solidFill>
@@ -11087,7 +11087,7 @@
               </a:ln>
               <a:extLst>
                 <a:ext uri="{91240B29-F687-4f45-9708-019B960494DF}">
-                  <a14:hiddenLine xmlns:a14="http://schemas.microsoft.com/office/drawing/2010/main" xmlns="" w="9525">
+                  <a14:hiddenLine xmlns="" xmlns:a14="http://schemas.microsoft.com/office/drawing/2010/main" w="9525">
                     <a:solidFill>
                       <a:srgbClr val="000000"/>
                     </a:solidFill>
@@ -11202,7 +11202,7 @@
               </a:ln>
               <a:extLst>
                 <a:ext uri="{91240B29-F687-4f45-9708-019B960494DF}">
-                  <a14:hiddenLine xmlns:a14="http://schemas.microsoft.com/office/drawing/2010/main" xmlns="" w="9525">
+                  <a14:hiddenLine xmlns="" xmlns:a14="http://schemas.microsoft.com/office/drawing/2010/main" w="9525">
                     <a:solidFill>
                       <a:srgbClr val="000000"/>
                     </a:solidFill>
@@ -11292,7 +11292,7 @@
               </a:ln>
               <a:extLst>
                 <a:ext uri="{91240B29-F687-4f45-9708-019B960494DF}">
-                  <a14:hiddenLine xmlns:a14="http://schemas.microsoft.com/office/drawing/2010/main" xmlns="" w="9525">
+                  <a14:hiddenLine xmlns="" xmlns:a14="http://schemas.microsoft.com/office/drawing/2010/main" w="9525">
                     <a:solidFill>
                       <a:srgbClr val="000000"/>
                     </a:solidFill>
@@ -11357,7 +11357,7 @@
               </a:ln>
               <a:extLst>
                 <a:ext uri="{91240B29-F687-4f45-9708-019B960494DF}">
-                  <a14:hiddenLine xmlns:a14="http://schemas.microsoft.com/office/drawing/2010/main" xmlns="" w="9525">
+                  <a14:hiddenLine xmlns="" xmlns:a14="http://schemas.microsoft.com/office/drawing/2010/main" w="9525">
                     <a:solidFill>
                       <a:srgbClr val="000000"/>
                     </a:solidFill>
@@ -11447,7 +11447,7 @@
               </a:ln>
               <a:extLst>
                 <a:ext uri="{91240B29-F687-4f45-9708-019B960494DF}">
-                  <a14:hiddenLine xmlns:a14="http://schemas.microsoft.com/office/drawing/2010/main" xmlns="" w="9525">
+                  <a14:hiddenLine xmlns="" xmlns:a14="http://schemas.microsoft.com/office/drawing/2010/main" w="9525">
                     <a:solidFill>
                       <a:srgbClr val="000000"/>
                     </a:solidFill>
@@ -11515,7 +11515,7 @@
               </a:ln>
               <a:extLst>
                 <a:ext uri="{91240B29-F687-4f45-9708-019B960494DF}">
-                  <a14:hiddenLine xmlns:a14="http://schemas.microsoft.com/office/drawing/2010/main" xmlns="" w="9525">
+                  <a14:hiddenLine xmlns="" xmlns:a14="http://schemas.microsoft.com/office/drawing/2010/main" w="9525">
                     <a:solidFill>
                       <a:srgbClr val="000000"/>
                     </a:solidFill>
@@ -11605,7 +11605,7 @@
               </a:ln>
               <a:extLst>
                 <a:ext uri="{91240B29-F687-4f45-9708-019B960494DF}">
-                  <a14:hiddenLine xmlns:a14="http://schemas.microsoft.com/office/drawing/2010/main" xmlns="" w="9525">
+                  <a14:hiddenLine xmlns="" xmlns:a14="http://schemas.microsoft.com/office/drawing/2010/main" w="9525">
                     <a:solidFill>
                       <a:srgbClr val="000000"/>
                     </a:solidFill>
@@ -11673,7 +11673,7 @@
               </a:ln>
               <a:extLst>
                 <a:ext uri="{91240B29-F687-4f45-9708-019B960494DF}">
-                  <a14:hiddenLine xmlns:a14="http://schemas.microsoft.com/office/drawing/2010/main" xmlns="" w="9525">
+                  <a14:hiddenLine xmlns="" xmlns:a14="http://schemas.microsoft.com/office/drawing/2010/main" w="9525">
                     <a:solidFill>
                       <a:srgbClr val="000000"/>
                     </a:solidFill>
@@ -11763,7 +11763,7 @@
               </a:ln>
               <a:extLst>
                 <a:ext uri="{91240B29-F687-4f45-9708-019B960494DF}">
-                  <a14:hiddenLine xmlns:a14="http://schemas.microsoft.com/office/drawing/2010/main" xmlns="" w="9525">
+                  <a14:hiddenLine xmlns="" xmlns:a14="http://schemas.microsoft.com/office/drawing/2010/main" w="9525">
                     <a:solidFill>
                       <a:srgbClr val="000000"/>
                     </a:solidFill>
@@ -11797,7 +11797,7 @@
               </a:ln>
               <a:extLst>
                 <a:ext uri="{91240B29-F687-4f45-9708-019B960494DF}">
-                  <a14:hiddenLine xmlns:a14="http://schemas.microsoft.com/office/drawing/2010/main" xmlns="" w="9525">
+                  <a14:hiddenLine xmlns="" xmlns:a14="http://schemas.microsoft.com/office/drawing/2010/main" w="9525">
                     <a:solidFill>
                       <a:srgbClr val="000000"/>
                     </a:solidFill>
@@ -11938,7 +11938,7 @@
             <a:fld id="{48A87A34-81AB-432B-8DAE-1953F412C126}" type="datetimeFigureOut">
               <a:rPr lang="en-US" dirty="0"/>
               <a:pPr/>
-              <a:t>7/16/2016</a:t>
+              <a:t>7/26/2016</a:t>
             </a:fld>
             <a:endParaRPr lang="en-US" dirty="0"/>
           </a:p>
@@ -12510,375 +12510,7 @@
   <p:timing>
     <p:tnLst>
       <p:par>
-        <p:cTn id="1" dur="indefinite" restart="never" nodeType="tmRoot">
-          <p:childTnLst>
-            <p:seq concurrent="1" nextAc="seek">
-              <p:cTn id="2" dur="indefinite" nodeType="mainSeq">
-                <p:childTnLst>
-                  <p:par>
-                    <p:cTn id="3" fill="hold">
-                      <p:stCondLst>
-                        <p:cond delay="indefinite"/>
-                      </p:stCondLst>
-                      <p:childTnLst>
-                        <p:par>
-                          <p:cTn id="4" fill="hold">
-                            <p:stCondLst>
-                              <p:cond delay="0"/>
-                            </p:stCondLst>
-                            <p:childTnLst>
-                              <p:par>
-                                <p:cTn id="5" presetID="42" presetClass="entr" presetSubtype="0" fill="hold" nodeType="clickEffect">
-                                  <p:stCondLst>
-                                    <p:cond delay="0"/>
-                                  </p:stCondLst>
-                                  <p:childTnLst>
-                                    <p:set>
-                                      <p:cBhvr>
-                                        <p:cTn id="6" dur="1" fill="hold">
-                                          <p:stCondLst>
-                                            <p:cond delay="0"/>
-                                          </p:stCondLst>
-                                        </p:cTn>
-                                        <p:tgtEl>
-                                          <p:spTgt spid="3">
-                                            <p:txEl>
-                                              <p:pRg st="0" end="0"/>
-                                            </p:txEl>
-                                          </p:spTgt>
-                                        </p:tgtEl>
-                                        <p:attrNameLst>
-                                          <p:attrName>style.visibility</p:attrName>
-                                        </p:attrNameLst>
-                                      </p:cBhvr>
-                                      <p:to>
-                                        <p:strVal val="visible"/>
-                                      </p:to>
-                                    </p:set>
-                                    <p:animEffect transition="in" filter="fade">
-                                      <p:cBhvr>
-                                        <p:cTn id="7" dur="1000"/>
-                                        <p:tgtEl>
-                                          <p:spTgt spid="3">
-                                            <p:txEl>
-                                              <p:pRg st="0" end="0"/>
-                                            </p:txEl>
-                                          </p:spTgt>
-                                        </p:tgtEl>
-                                      </p:cBhvr>
-                                    </p:animEffect>
-                                    <p:anim calcmode="lin" valueType="num">
-                                      <p:cBhvr>
-                                        <p:cTn id="8" dur="1000" fill="hold"/>
-                                        <p:tgtEl>
-                                          <p:spTgt spid="3">
-                                            <p:txEl>
-                                              <p:pRg st="0" end="0"/>
-                                            </p:txEl>
-                                          </p:spTgt>
-                                        </p:tgtEl>
-                                        <p:attrNameLst>
-                                          <p:attrName>ppt_x</p:attrName>
-                                        </p:attrNameLst>
-                                      </p:cBhvr>
-                                      <p:tavLst>
-                                        <p:tav tm="0">
-                                          <p:val>
-                                            <p:strVal val="#ppt_x"/>
-                                          </p:val>
-                                        </p:tav>
-                                        <p:tav tm="100000">
-                                          <p:val>
-                                            <p:strVal val="#ppt_x"/>
-                                          </p:val>
-                                        </p:tav>
-                                      </p:tavLst>
-                                    </p:anim>
-                                    <p:anim calcmode="lin" valueType="num">
-                                      <p:cBhvr>
-                                        <p:cTn id="9" dur="1000" fill="hold"/>
-                                        <p:tgtEl>
-                                          <p:spTgt spid="3">
-                                            <p:txEl>
-                                              <p:pRg st="0" end="0"/>
-                                            </p:txEl>
-                                          </p:spTgt>
-                                        </p:tgtEl>
-                                        <p:attrNameLst>
-                                          <p:attrName>ppt_y</p:attrName>
-                                        </p:attrNameLst>
-                                      </p:cBhvr>
-                                      <p:tavLst>
-                                        <p:tav tm="0">
-                                          <p:val>
-                                            <p:strVal val="#ppt_y+.1"/>
-                                          </p:val>
-                                        </p:tav>
-                                        <p:tav tm="100000">
-                                          <p:val>
-                                            <p:strVal val="#ppt_y"/>
-                                          </p:val>
-                                        </p:tav>
-                                      </p:tavLst>
-                                    </p:anim>
-                                  </p:childTnLst>
-                                </p:cTn>
-                              </p:par>
-                            </p:childTnLst>
-                          </p:cTn>
-                        </p:par>
-                      </p:childTnLst>
-                    </p:cTn>
-                  </p:par>
-                  <p:par>
-                    <p:cTn id="10" fill="hold">
-                      <p:stCondLst>
-                        <p:cond delay="indefinite"/>
-                      </p:stCondLst>
-                      <p:childTnLst>
-                        <p:par>
-                          <p:cTn id="11" fill="hold">
-                            <p:stCondLst>
-                              <p:cond delay="0"/>
-                            </p:stCondLst>
-                            <p:childTnLst>
-                              <p:par>
-                                <p:cTn id="12" presetID="42" presetClass="entr" presetSubtype="0" fill="hold" nodeType="clickEffect">
-                                  <p:stCondLst>
-                                    <p:cond delay="0"/>
-                                  </p:stCondLst>
-                                  <p:childTnLst>
-                                    <p:set>
-                                      <p:cBhvr>
-                                        <p:cTn id="13" dur="1" fill="hold">
-                                          <p:stCondLst>
-                                            <p:cond delay="0"/>
-                                          </p:stCondLst>
-                                        </p:cTn>
-                                        <p:tgtEl>
-                                          <p:spTgt spid="3">
-                                            <p:txEl>
-                                              <p:pRg st="1" end="1"/>
-                                            </p:txEl>
-                                          </p:spTgt>
-                                        </p:tgtEl>
-                                        <p:attrNameLst>
-                                          <p:attrName>style.visibility</p:attrName>
-                                        </p:attrNameLst>
-                                      </p:cBhvr>
-                                      <p:to>
-                                        <p:strVal val="visible"/>
-                                      </p:to>
-                                    </p:set>
-                                    <p:animEffect transition="in" filter="fade">
-                                      <p:cBhvr>
-                                        <p:cTn id="14" dur="1000"/>
-                                        <p:tgtEl>
-                                          <p:spTgt spid="3">
-                                            <p:txEl>
-                                              <p:pRg st="1" end="1"/>
-                                            </p:txEl>
-                                          </p:spTgt>
-                                        </p:tgtEl>
-                                      </p:cBhvr>
-                                    </p:animEffect>
-                                    <p:anim calcmode="lin" valueType="num">
-                                      <p:cBhvr>
-                                        <p:cTn id="15" dur="1000" fill="hold"/>
-                                        <p:tgtEl>
-                                          <p:spTgt spid="3">
-                                            <p:txEl>
-                                              <p:pRg st="1" end="1"/>
-                                            </p:txEl>
-                                          </p:spTgt>
-                                        </p:tgtEl>
-                                        <p:attrNameLst>
-                                          <p:attrName>ppt_x</p:attrName>
-                                        </p:attrNameLst>
-                                      </p:cBhvr>
-                                      <p:tavLst>
-                                        <p:tav tm="0">
-                                          <p:val>
-                                            <p:strVal val="#ppt_x"/>
-                                          </p:val>
-                                        </p:tav>
-                                        <p:tav tm="100000">
-                                          <p:val>
-                                            <p:strVal val="#ppt_x"/>
-                                          </p:val>
-                                        </p:tav>
-                                      </p:tavLst>
-                                    </p:anim>
-                                    <p:anim calcmode="lin" valueType="num">
-                                      <p:cBhvr>
-                                        <p:cTn id="16" dur="1000" fill="hold"/>
-                                        <p:tgtEl>
-                                          <p:spTgt spid="3">
-                                            <p:txEl>
-                                              <p:pRg st="1" end="1"/>
-                                            </p:txEl>
-                                          </p:spTgt>
-                                        </p:tgtEl>
-                                        <p:attrNameLst>
-                                          <p:attrName>ppt_y</p:attrName>
-                                        </p:attrNameLst>
-                                      </p:cBhvr>
-                                      <p:tavLst>
-                                        <p:tav tm="0">
-                                          <p:val>
-                                            <p:strVal val="#ppt_y+.1"/>
-                                          </p:val>
-                                        </p:tav>
-                                        <p:tav tm="100000">
-                                          <p:val>
-                                            <p:strVal val="#ppt_y"/>
-                                          </p:val>
-                                        </p:tav>
-                                      </p:tavLst>
-                                    </p:anim>
-                                  </p:childTnLst>
-                                </p:cTn>
-                              </p:par>
-                            </p:childTnLst>
-                          </p:cTn>
-                        </p:par>
-                      </p:childTnLst>
-                    </p:cTn>
-                  </p:par>
-                  <p:par>
-                    <p:cTn id="17" fill="hold">
-                      <p:stCondLst>
-                        <p:cond delay="indefinite"/>
-                      </p:stCondLst>
-                      <p:childTnLst>
-                        <p:par>
-                          <p:cTn id="18" fill="hold">
-                            <p:stCondLst>
-                              <p:cond delay="0"/>
-                            </p:stCondLst>
-                            <p:childTnLst>
-                              <p:par>
-                                <p:cTn id="19" presetID="42" presetClass="entr" presetSubtype="0" fill="hold" nodeType="clickEffect">
-                                  <p:stCondLst>
-                                    <p:cond delay="0"/>
-                                  </p:stCondLst>
-                                  <p:childTnLst>
-                                    <p:set>
-                                      <p:cBhvr>
-                                        <p:cTn id="20" dur="1" fill="hold">
-                                          <p:stCondLst>
-                                            <p:cond delay="0"/>
-                                          </p:stCondLst>
-                                        </p:cTn>
-                                        <p:tgtEl>
-                                          <p:spTgt spid="3">
-                                            <p:txEl>
-                                              <p:pRg st="2" end="2"/>
-                                            </p:txEl>
-                                          </p:spTgt>
-                                        </p:tgtEl>
-                                        <p:attrNameLst>
-                                          <p:attrName>style.visibility</p:attrName>
-                                        </p:attrNameLst>
-                                      </p:cBhvr>
-                                      <p:to>
-                                        <p:strVal val="visible"/>
-                                      </p:to>
-                                    </p:set>
-                                    <p:animEffect transition="in" filter="fade">
-                                      <p:cBhvr>
-                                        <p:cTn id="21" dur="1000"/>
-                                        <p:tgtEl>
-                                          <p:spTgt spid="3">
-                                            <p:txEl>
-                                              <p:pRg st="2" end="2"/>
-                                            </p:txEl>
-                                          </p:spTgt>
-                                        </p:tgtEl>
-                                      </p:cBhvr>
-                                    </p:animEffect>
-                                    <p:anim calcmode="lin" valueType="num">
-                                      <p:cBhvr>
-                                        <p:cTn id="22" dur="1000" fill="hold"/>
-                                        <p:tgtEl>
-                                          <p:spTgt spid="3">
-                                            <p:txEl>
-                                              <p:pRg st="2" end="2"/>
-                                            </p:txEl>
-                                          </p:spTgt>
-                                        </p:tgtEl>
-                                        <p:attrNameLst>
-                                          <p:attrName>ppt_x</p:attrName>
-                                        </p:attrNameLst>
-                                      </p:cBhvr>
-                                      <p:tavLst>
-                                        <p:tav tm="0">
-                                          <p:val>
-                                            <p:strVal val="#ppt_x"/>
-                                          </p:val>
-                                        </p:tav>
-                                        <p:tav tm="100000">
-                                          <p:val>
-                                            <p:strVal val="#ppt_x"/>
-                                          </p:val>
-                                        </p:tav>
-                                      </p:tavLst>
-                                    </p:anim>
-                                    <p:anim calcmode="lin" valueType="num">
-                                      <p:cBhvr>
-                                        <p:cTn id="23" dur="1000" fill="hold"/>
-                                        <p:tgtEl>
-                                          <p:spTgt spid="3">
-                                            <p:txEl>
-                                              <p:pRg st="2" end="2"/>
-                                            </p:txEl>
-                                          </p:spTgt>
-                                        </p:tgtEl>
-                                        <p:attrNameLst>
-                                          <p:attrName>ppt_y</p:attrName>
-                                        </p:attrNameLst>
-                                      </p:cBhvr>
-                                      <p:tavLst>
-                                        <p:tav tm="0">
-                                          <p:val>
-                                            <p:strVal val="#ppt_y+.1"/>
-                                          </p:val>
-                                        </p:tav>
-                                        <p:tav tm="100000">
-                                          <p:val>
-                                            <p:strVal val="#ppt_y"/>
-                                          </p:val>
-                                        </p:tav>
-                                      </p:tavLst>
-                                    </p:anim>
-                                  </p:childTnLst>
-                                </p:cTn>
-                              </p:par>
-                            </p:childTnLst>
-                          </p:cTn>
-                        </p:par>
-                      </p:childTnLst>
-                    </p:cTn>
-                  </p:par>
-                </p:childTnLst>
-              </p:cTn>
-              <p:prevCondLst>
-                <p:cond evt="onPrev" delay="0">
-                  <p:tgtEl>
-                    <p:sldTgt/>
-                  </p:tgtEl>
-                </p:cond>
-              </p:prevCondLst>
-              <p:nextCondLst>
-                <p:cond evt="onNext" delay="0">
-                  <p:tgtEl>
-                    <p:sldTgt/>
-                  </p:tgtEl>
-                </p:cond>
-              </p:nextCondLst>
-            </p:seq>
-          </p:childTnLst>
-        </p:cTn>
+        <p:cTn id="1" dur="indefinite" restart="never" nodeType="tmRoot"/>
       </p:par>
     </p:tnLst>
   </p:timing>
@@ -12989,605 +12621,7 @@
   <p:timing>
     <p:tnLst>
       <p:par>
-        <p:cTn id="1" dur="indefinite" restart="never" nodeType="tmRoot">
-          <p:childTnLst>
-            <p:seq concurrent="1" nextAc="seek">
-              <p:cTn id="2" dur="indefinite" nodeType="mainSeq">
-                <p:childTnLst>
-                  <p:par>
-                    <p:cTn id="3" fill="hold">
-                      <p:stCondLst>
-                        <p:cond delay="indefinite"/>
-                      </p:stCondLst>
-                      <p:childTnLst>
-                        <p:par>
-                          <p:cTn id="4" fill="hold">
-                            <p:stCondLst>
-                              <p:cond delay="0"/>
-                            </p:stCondLst>
-                            <p:childTnLst>
-                              <p:par>
-                                <p:cTn id="5" presetID="42" presetClass="entr" presetSubtype="0" fill="hold" nodeType="clickEffect">
-                                  <p:stCondLst>
-                                    <p:cond delay="0"/>
-                                  </p:stCondLst>
-                                  <p:childTnLst>
-                                    <p:set>
-                                      <p:cBhvr>
-                                        <p:cTn id="6" dur="1" fill="hold">
-                                          <p:stCondLst>
-                                            <p:cond delay="0"/>
-                                          </p:stCondLst>
-                                        </p:cTn>
-                                        <p:tgtEl>
-                                          <p:spTgt spid="3">
-                                            <p:txEl>
-                                              <p:pRg st="0" end="0"/>
-                                            </p:txEl>
-                                          </p:spTgt>
-                                        </p:tgtEl>
-                                        <p:attrNameLst>
-                                          <p:attrName>style.visibility</p:attrName>
-                                        </p:attrNameLst>
-                                      </p:cBhvr>
-                                      <p:to>
-                                        <p:strVal val="visible"/>
-                                      </p:to>
-                                    </p:set>
-                                    <p:animEffect transition="in" filter="fade">
-                                      <p:cBhvr>
-                                        <p:cTn id="7" dur="1000"/>
-                                        <p:tgtEl>
-                                          <p:spTgt spid="3">
-                                            <p:txEl>
-                                              <p:pRg st="0" end="0"/>
-                                            </p:txEl>
-                                          </p:spTgt>
-                                        </p:tgtEl>
-                                      </p:cBhvr>
-                                    </p:animEffect>
-                                    <p:anim calcmode="lin" valueType="num">
-                                      <p:cBhvr>
-                                        <p:cTn id="8" dur="1000" fill="hold"/>
-                                        <p:tgtEl>
-                                          <p:spTgt spid="3">
-                                            <p:txEl>
-                                              <p:pRg st="0" end="0"/>
-                                            </p:txEl>
-                                          </p:spTgt>
-                                        </p:tgtEl>
-                                        <p:attrNameLst>
-                                          <p:attrName>ppt_x</p:attrName>
-                                        </p:attrNameLst>
-                                      </p:cBhvr>
-                                      <p:tavLst>
-                                        <p:tav tm="0">
-                                          <p:val>
-                                            <p:strVal val="#ppt_x"/>
-                                          </p:val>
-                                        </p:tav>
-                                        <p:tav tm="100000">
-                                          <p:val>
-                                            <p:strVal val="#ppt_x"/>
-                                          </p:val>
-                                        </p:tav>
-                                      </p:tavLst>
-                                    </p:anim>
-                                    <p:anim calcmode="lin" valueType="num">
-                                      <p:cBhvr>
-                                        <p:cTn id="9" dur="1000" fill="hold"/>
-                                        <p:tgtEl>
-                                          <p:spTgt spid="3">
-                                            <p:txEl>
-                                              <p:pRg st="0" end="0"/>
-                                            </p:txEl>
-                                          </p:spTgt>
-                                        </p:tgtEl>
-                                        <p:attrNameLst>
-                                          <p:attrName>ppt_y</p:attrName>
-                                        </p:attrNameLst>
-                                      </p:cBhvr>
-                                      <p:tavLst>
-                                        <p:tav tm="0">
-                                          <p:val>
-                                            <p:strVal val="#ppt_y+.1"/>
-                                          </p:val>
-                                        </p:tav>
-                                        <p:tav tm="100000">
-                                          <p:val>
-                                            <p:strVal val="#ppt_y"/>
-                                          </p:val>
-                                        </p:tav>
-                                      </p:tavLst>
-                                    </p:anim>
-                                  </p:childTnLst>
-                                </p:cTn>
-                              </p:par>
-                            </p:childTnLst>
-                          </p:cTn>
-                        </p:par>
-                      </p:childTnLst>
-                    </p:cTn>
-                  </p:par>
-                  <p:par>
-                    <p:cTn id="10" fill="hold">
-                      <p:stCondLst>
-                        <p:cond delay="indefinite"/>
-                      </p:stCondLst>
-                      <p:childTnLst>
-                        <p:par>
-                          <p:cTn id="11" fill="hold">
-                            <p:stCondLst>
-                              <p:cond delay="0"/>
-                            </p:stCondLst>
-                            <p:childTnLst>
-                              <p:par>
-                                <p:cTn id="12" presetID="42" presetClass="entr" presetSubtype="0" fill="hold" nodeType="clickEffect">
-                                  <p:stCondLst>
-                                    <p:cond delay="0"/>
-                                  </p:stCondLst>
-                                  <p:childTnLst>
-                                    <p:set>
-                                      <p:cBhvr>
-                                        <p:cTn id="13" dur="1" fill="hold">
-                                          <p:stCondLst>
-                                            <p:cond delay="0"/>
-                                          </p:stCondLst>
-                                        </p:cTn>
-                                        <p:tgtEl>
-                                          <p:spTgt spid="3">
-                                            <p:txEl>
-                                              <p:pRg st="1" end="1"/>
-                                            </p:txEl>
-                                          </p:spTgt>
-                                        </p:tgtEl>
-                                        <p:attrNameLst>
-                                          <p:attrName>style.visibility</p:attrName>
-                                        </p:attrNameLst>
-                                      </p:cBhvr>
-                                      <p:to>
-                                        <p:strVal val="visible"/>
-                                      </p:to>
-                                    </p:set>
-                                    <p:animEffect transition="in" filter="fade">
-                                      <p:cBhvr>
-                                        <p:cTn id="14" dur="1000"/>
-                                        <p:tgtEl>
-                                          <p:spTgt spid="3">
-                                            <p:txEl>
-                                              <p:pRg st="1" end="1"/>
-                                            </p:txEl>
-                                          </p:spTgt>
-                                        </p:tgtEl>
-                                      </p:cBhvr>
-                                    </p:animEffect>
-                                    <p:anim calcmode="lin" valueType="num">
-                                      <p:cBhvr>
-                                        <p:cTn id="15" dur="1000" fill="hold"/>
-                                        <p:tgtEl>
-                                          <p:spTgt spid="3">
-                                            <p:txEl>
-                                              <p:pRg st="1" end="1"/>
-                                            </p:txEl>
-                                          </p:spTgt>
-                                        </p:tgtEl>
-                                        <p:attrNameLst>
-                                          <p:attrName>ppt_x</p:attrName>
-                                        </p:attrNameLst>
-                                      </p:cBhvr>
-                                      <p:tavLst>
-                                        <p:tav tm="0">
-                                          <p:val>
-                                            <p:strVal val="#ppt_x"/>
-                                          </p:val>
-                                        </p:tav>
-                                        <p:tav tm="100000">
-                                          <p:val>
-                                            <p:strVal val="#ppt_x"/>
-                                          </p:val>
-                                        </p:tav>
-                                      </p:tavLst>
-                                    </p:anim>
-                                    <p:anim calcmode="lin" valueType="num">
-                                      <p:cBhvr>
-                                        <p:cTn id="16" dur="1000" fill="hold"/>
-                                        <p:tgtEl>
-                                          <p:spTgt spid="3">
-                                            <p:txEl>
-                                              <p:pRg st="1" end="1"/>
-                                            </p:txEl>
-                                          </p:spTgt>
-                                        </p:tgtEl>
-                                        <p:attrNameLst>
-                                          <p:attrName>ppt_y</p:attrName>
-                                        </p:attrNameLst>
-                                      </p:cBhvr>
-                                      <p:tavLst>
-                                        <p:tav tm="0">
-                                          <p:val>
-                                            <p:strVal val="#ppt_y+.1"/>
-                                          </p:val>
-                                        </p:tav>
-                                        <p:tav tm="100000">
-                                          <p:val>
-                                            <p:strVal val="#ppt_y"/>
-                                          </p:val>
-                                        </p:tav>
-                                      </p:tavLst>
-                                    </p:anim>
-                                  </p:childTnLst>
-                                </p:cTn>
-                              </p:par>
-                            </p:childTnLst>
-                          </p:cTn>
-                        </p:par>
-                      </p:childTnLst>
-                    </p:cTn>
-                  </p:par>
-                  <p:par>
-                    <p:cTn id="17" fill="hold">
-                      <p:stCondLst>
-                        <p:cond delay="indefinite"/>
-                      </p:stCondLst>
-                      <p:childTnLst>
-                        <p:par>
-                          <p:cTn id="18" fill="hold">
-                            <p:stCondLst>
-                              <p:cond delay="0"/>
-                            </p:stCondLst>
-                            <p:childTnLst>
-                              <p:par>
-                                <p:cTn id="19" presetID="42" presetClass="entr" presetSubtype="0" fill="hold" nodeType="clickEffect">
-                                  <p:stCondLst>
-                                    <p:cond delay="0"/>
-                                  </p:stCondLst>
-                                  <p:childTnLst>
-                                    <p:set>
-                                      <p:cBhvr>
-                                        <p:cTn id="20" dur="1" fill="hold">
-                                          <p:stCondLst>
-                                            <p:cond delay="0"/>
-                                          </p:stCondLst>
-                                        </p:cTn>
-                                        <p:tgtEl>
-                                          <p:spTgt spid="3">
-                                            <p:txEl>
-                                              <p:pRg st="2" end="2"/>
-                                            </p:txEl>
-                                          </p:spTgt>
-                                        </p:tgtEl>
-                                        <p:attrNameLst>
-                                          <p:attrName>style.visibility</p:attrName>
-                                        </p:attrNameLst>
-                                      </p:cBhvr>
-                                      <p:to>
-                                        <p:strVal val="visible"/>
-                                      </p:to>
-                                    </p:set>
-                                    <p:animEffect transition="in" filter="fade">
-                                      <p:cBhvr>
-                                        <p:cTn id="21" dur="1000"/>
-                                        <p:tgtEl>
-                                          <p:spTgt spid="3">
-                                            <p:txEl>
-                                              <p:pRg st="2" end="2"/>
-                                            </p:txEl>
-                                          </p:spTgt>
-                                        </p:tgtEl>
-                                      </p:cBhvr>
-                                    </p:animEffect>
-                                    <p:anim calcmode="lin" valueType="num">
-                                      <p:cBhvr>
-                                        <p:cTn id="22" dur="1000" fill="hold"/>
-                                        <p:tgtEl>
-                                          <p:spTgt spid="3">
-                                            <p:txEl>
-                                              <p:pRg st="2" end="2"/>
-                                            </p:txEl>
-                                          </p:spTgt>
-                                        </p:tgtEl>
-                                        <p:attrNameLst>
-                                          <p:attrName>ppt_x</p:attrName>
-                                        </p:attrNameLst>
-                                      </p:cBhvr>
-                                      <p:tavLst>
-                                        <p:tav tm="0">
-                                          <p:val>
-                                            <p:strVal val="#ppt_x"/>
-                                          </p:val>
-                                        </p:tav>
-                                        <p:tav tm="100000">
-                                          <p:val>
-                                            <p:strVal val="#ppt_x"/>
-                                          </p:val>
-                                        </p:tav>
-                                      </p:tavLst>
-                                    </p:anim>
-                                    <p:anim calcmode="lin" valueType="num">
-                                      <p:cBhvr>
-                                        <p:cTn id="23" dur="1000" fill="hold"/>
-                                        <p:tgtEl>
-                                          <p:spTgt spid="3">
-                                            <p:txEl>
-                                              <p:pRg st="2" end="2"/>
-                                            </p:txEl>
-                                          </p:spTgt>
-                                        </p:tgtEl>
-                                        <p:attrNameLst>
-                                          <p:attrName>ppt_y</p:attrName>
-                                        </p:attrNameLst>
-                                      </p:cBhvr>
-                                      <p:tavLst>
-                                        <p:tav tm="0">
-                                          <p:val>
-                                            <p:strVal val="#ppt_y+.1"/>
-                                          </p:val>
-                                        </p:tav>
-                                        <p:tav tm="100000">
-                                          <p:val>
-                                            <p:strVal val="#ppt_y"/>
-                                          </p:val>
-                                        </p:tav>
-                                      </p:tavLst>
-                                    </p:anim>
-                                  </p:childTnLst>
-                                </p:cTn>
-                              </p:par>
-                            </p:childTnLst>
-                          </p:cTn>
-                        </p:par>
-                      </p:childTnLst>
-                    </p:cTn>
-                  </p:par>
-                  <p:par>
-                    <p:cTn id="24" fill="hold">
-                      <p:stCondLst>
-                        <p:cond delay="indefinite"/>
-                      </p:stCondLst>
-                      <p:childTnLst>
-                        <p:par>
-                          <p:cTn id="25" fill="hold">
-                            <p:stCondLst>
-                              <p:cond delay="0"/>
-                            </p:stCondLst>
-                            <p:childTnLst>
-                              <p:par>
-                                <p:cTn id="26" presetID="42" presetClass="entr" presetSubtype="0" fill="hold" nodeType="clickEffect">
-                                  <p:stCondLst>
-                                    <p:cond delay="0"/>
-                                  </p:stCondLst>
-                                  <p:childTnLst>
-                                    <p:set>
-                                      <p:cBhvr>
-                                        <p:cTn id="27" dur="1" fill="hold">
-                                          <p:stCondLst>
-                                            <p:cond delay="0"/>
-                                          </p:stCondLst>
-                                        </p:cTn>
-                                        <p:tgtEl>
-                                          <p:spTgt spid="3">
-                                            <p:txEl>
-                                              <p:pRg st="3" end="3"/>
-                                            </p:txEl>
-                                          </p:spTgt>
-                                        </p:tgtEl>
-                                        <p:attrNameLst>
-                                          <p:attrName>style.visibility</p:attrName>
-                                        </p:attrNameLst>
-                                      </p:cBhvr>
-                                      <p:to>
-                                        <p:strVal val="visible"/>
-                                      </p:to>
-                                    </p:set>
-                                    <p:animEffect transition="in" filter="fade">
-                                      <p:cBhvr>
-                                        <p:cTn id="28" dur="1000"/>
-                                        <p:tgtEl>
-                                          <p:spTgt spid="3">
-                                            <p:txEl>
-                                              <p:pRg st="3" end="3"/>
-                                            </p:txEl>
-                                          </p:spTgt>
-                                        </p:tgtEl>
-                                      </p:cBhvr>
-                                    </p:animEffect>
-                                    <p:anim calcmode="lin" valueType="num">
-                                      <p:cBhvr>
-                                        <p:cTn id="29" dur="1000" fill="hold"/>
-                                        <p:tgtEl>
-                                          <p:spTgt spid="3">
-                                            <p:txEl>
-                                              <p:pRg st="3" end="3"/>
-                                            </p:txEl>
-                                          </p:spTgt>
-                                        </p:tgtEl>
-                                        <p:attrNameLst>
-                                          <p:attrName>ppt_x</p:attrName>
-                                        </p:attrNameLst>
-                                      </p:cBhvr>
-                                      <p:tavLst>
-                                        <p:tav tm="0">
-                                          <p:val>
-                                            <p:strVal val="#ppt_x"/>
-                                          </p:val>
-                                        </p:tav>
-                                        <p:tav tm="100000">
-                                          <p:val>
-                                            <p:strVal val="#ppt_x"/>
-                                          </p:val>
-                                        </p:tav>
-                                      </p:tavLst>
-                                    </p:anim>
-                                    <p:anim calcmode="lin" valueType="num">
-                                      <p:cBhvr>
-                                        <p:cTn id="30" dur="1000" fill="hold"/>
-                                        <p:tgtEl>
-                                          <p:spTgt spid="3">
-                                            <p:txEl>
-                                              <p:pRg st="3" end="3"/>
-                                            </p:txEl>
-                                          </p:spTgt>
-                                        </p:tgtEl>
-                                        <p:attrNameLst>
-                                          <p:attrName>ppt_y</p:attrName>
-                                        </p:attrNameLst>
-                                      </p:cBhvr>
-                                      <p:tavLst>
-                                        <p:tav tm="0">
-                                          <p:val>
-                                            <p:strVal val="#ppt_y+.1"/>
-                                          </p:val>
-                                        </p:tav>
-                                        <p:tav tm="100000">
-                                          <p:val>
-                                            <p:strVal val="#ppt_y"/>
-                                          </p:val>
-                                        </p:tav>
-                                      </p:tavLst>
-                                    </p:anim>
-                                  </p:childTnLst>
-                                </p:cTn>
-                              </p:par>
-                            </p:childTnLst>
-                          </p:cTn>
-                        </p:par>
-                      </p:childTnLst>
-                    </p:cTn>
-                  </p:par>
-                  <p:par>
-                    <p:cTn id="31" fill="hold">
-                      <p:stCondLst>
-                        <p:cond delay="indefinite"/>
-                      </p:stCondLst>
-                      <p:childTnLst>
-                        <p:par>
-                          <p:cTn id="32" fill="hold">
-                            <p:stCondLst>
-                              <p:cond delay="0"/>
-                            </p:stCondLst>
-                            <p:childTnLst>
-                              <p:par>
-                                <p:cTn id="33" presetID="42" presetClass="entr" presetSubtype="0" fill="hold" nodeType="clickEffect">
-                                  <p:stCondLst>
-                                    <p:cond delay="0"/>
-                                  </p:stCondLst>
-                                  <p:childTnLst>
-                                    <p:set>
-                                      <p:cBhvr>
-                                        <p:cTn id="34" dur="1" fill="hold">
-                                          <p:stCondLst>
-                                            <p:cond delay="0"/>
-                                          </p:stCondLst>
-                                        </p:cTn>
-                                        <p:tgtEl>
-                                          <p:spTgt spid="3">
-                                            <p:txEl>
-                                              <p:pRg st="4" end="4"/>
-                                            </p:txEl>
-                                          </p:spTgt>
-                                        </p:tgtEl>
-                                        <p:attrNameLst>
-                                          <p:attrName>style.visibility</p:attrName>
-                                        </p:attrNameLst>
-                                      </p:cBhvr>
-                                      <p:to>
-                                        <p:strVal val="visible"/>
-                                      </p:to>
-                                    </p:set>
-                                    <p:animEffect transition="in" filter="fade">
-                                      <p:cBhvr>
-                                        <p:cTn id="35" dur="1000"/>
-                                        <p:tgtEl>
-                                          <p:spTgt spid="3">
-                                            <p:txEl>
-                                              <p:pRg st="4" end="4"/>
-                                            </p:txEl>
-                                          </p:spTgt>
-                                        </p:tgtEl>
-                                      </p:cBhvr>
-                                    </p:animEffect>
-                                    <p:anim calcmode="lin" valueType="num">
-                                      <p:cBhvr>
-                                        <p:cTn id="36" dur="1000" fill="hold"/>
-                                        <p:tgtEl>
-                                          <p:spTgt spid="3">
-                                            <p:txEl>
-                                              <p:pRg st="4" end="4"/>
-                                            </p:txEl>
-                                          </p:spTgt>
-                                        </p:tgtEl>
-                                        <p:attrNameLst>
-                                          <p:attrName>ppt_x</p:attrName>
-                                        </p:attrNameLst>
-                                      </p:cBhvr>
-                                      <p:tavLst>
-                                        <p:tav tm="0">
-                                          <p:val>
-                                            <p:strVal val="#ppt_x"/>
-                                          </p:val>
-                                        </p:tav>
-                                        <p:tav tm="100000">
-                                          <p:val>
-                                            <p:strVal val="#ppt_x"/>
-                                          </p:val>
-                                        </p:tav>
-                                      </p:tavLst>
-                                    </p:anim>
-                                    <p:anim calcmode="lin" valueType="num">
-                                      <p:cBhvr>
-                                        <p:cTn id="37" dur="1000" fill="hold"/>
-                                        <p:tgtEl>
-                                          <p:spTgt spid="3">
-                                            <p:txEl>
-                                              <p:pRg st="4" end="4"/>
-                                            </p:txEl>
-                                          </p:spTgt>
-                                        </p:tgtEl>
-                                        <p:attrNameLst>
-                                          <p:attrName>ppt_y</p:attrName>
-                                        </p:attrNameLst>
-                                      </p:cBhvr>
-                                      <p:tavLst>
-                                        <p:tav tm="0">
-                                          <p:val>
-                                            <p:strVal val="#ppt_y+.1"/>
-                                          </p:val>
-                                        </p:tav>
-                                        <p:tav tm="100000">
-                                          <p:val>
-                                            <p:strVal val="#ppt_y"/>
-                                          </p:val>
-                                        </p:tav>
-                                      </p:tavLst>
-                                    </p:anim>
-                                  </p:childTnLst>
-                                </p:cTn>
-                              </p:par>
-                            </p:childTnLst>
-                          </p:cTn>
-                        </p:par>
-                      </p:childTnLst>
-                    </p:cTn>
-                  </p:par>
-                </p:childTnLst>
-              </p:cTn>
-              <p:prevCondLst>
-                <p:cond evt="onPrev" delay="0">
-                  <p:tgtEl>
-                    <p:sldTgt/>
-                  </p:tgtEl>
-                </p:cond>
-              </p:prevCondLst>
-              <p:nextCondLst>
-                <p:cond evt="onNext" delay="0">
-                  <p:tgtEl>
-                    <p:sldTgt/>
-                  </p:tgtEl>
-                </p:cond>
-              </p:nextCondLst>
-            </p:seq>
-          </p:childTnLst>
-        </p:cTn>
+        <p:cTn id="1" dur="indefinite" restart="never" nodeType="tmRoot"/>
       </p:par>
     </p:tnLst>
   </p:timing>
@@ -13716,575 +12750,7 @@
   <p:timing>
     <p:tnLst>
       <p:par>
-        <p:cTn id="1" dur="indefinite" restart="never" nodeType="tmRoot">
-          <p:childTnLst>
-            <p:seq concurrent="1" nextAc="seek">
-              <p:cTn id="2" dur="indefinite" nodeType="mainSeq">
-                <p:childTnLst>
-                  <p:par>
-                    <p:cTn id="3" fill="hold">
-                      <p:stCondLst>
-                        <p:cond delay="indefinite"/>
-                      </p:stCondLst>
-                      <p:childTnLst>
-                        <p:par>
-                          <p:cTn id="4" fill="hold">
-                            <p:stCondLst>
-                              <p:cond delay="0"/>
-                            </p:stCondLst>
-                            <p:childTnLst>
-                              <p:par>
-                                <p:cTn id="5" presetID="42" presetClass="entr" presetSubtype="0" fill="hold" nodeType="clickEffect">
-                                  <p:stCondLst>
-                                    <p:cond delay="0"/>
-                                  </p:stCondLst>
-                                  <p:childTnLst>
-                                    <p:set>
-                                      <p:cBhvr>
-                                        <p:cTn id="6" dur="1" fill="hold">
-                                          <p:stCondLst>
-                                            <p:cond delay="0"/>
-                                          </p:stCondLst>
-                                        </p:cTn>
-                                        <p:tgtEl>
-                                          <p:spTgt spid="3">
-                                            <p:txEl>
-                                              <p:pRg st="0" end="0"/>
-                                            </p:txEl>
-                                          </p:spTgt>
-                                        </p:tgtEl>
-                                        <p:attrNameLst>
-                                          <p:attrName>style.visibility</p:attrName>
-                                        </p:attrNameLst>
-                                      </p:cBhvr>
-                                      <p:to>
-                                        <p:strVal val="visible"/>
-                                      </p:to>
-                                    </p:set>
-                                    <p:animEffect transition="in" filter="fade">
-                                      <p:cBhvr>
-                                        <p:cTn id="7" dur="1000"/>
-                                        <p:tgtEl>
-                                          <p:spTgt spid="3">
-                                            <p:txEl>
-                                              <p:pRg st="0" end="0"/>
-                                            </p:txEl>
-                                          </p:spTgt>
-                                        </p:tgtEl>
-                                      </p:cBhvr>
-                                    </p:animEffect>
-                                    <p:anim calcmode="lin" valueType="num">
-                                      <p:cBhvr>
-                                        <p:cTn id="8" dur="1000" fill="hold"/>
-                                        <p:tgtEl>
-                                          <p:spTgt spid="3">
-                                            <p:txEl>
-                                              <p:pRg st="0" end="0"/>
-                                            </p:txEl>
-                                          </p:spTgt>
-                                        </p:tgtEl>
-                                        <p:attrNameLst>
-                                          <p:attrName>ppt_x</p:attrName>
-                                        </p:attrNameLst>
-                                      </p:cBhvr>
-                                      <p:tavLst>
-                                        <p:tav tm="0">
-                                          <p:val>
-                                            <p:strVal val="#ppt_x"/>
-                                          </p:val>
-                                        </p:tav>
-                                        <p:tav tm="100000">
-                                          <p:val>
-                                            <p:strVal val="#ppt_x"/>
-                                          </p:val>
-                                        </p:tav>
-                                      </p:tavLst>
-                                    </p:anim>
-                                    <p:anim calcmode="lin" valueType="num">
-                                      <p:cBhvr>
-                                        <p:cTn id="9" dur="1000" fill="hold"/>
-                                        <p:tgtEl>
-                                          <p:spTgt spid="3">
-                                            <p:txEl>
-                                              <p:pRg st="0" end="0"/>
-                                            </p:txEl>
-                                          </p:spTgt>
-                                        </p:tgtEl>
-                                        <p:attrNameLst>
-                                          <p:attrName>ppt_y</p:attrName>
-                                        </p:attrNameLst>
-                                      </p:cBhvr>
-                                      <p:tavLst>
-                                        <p:tav tm="0">
-                                          <p:val>
-                                            <p:strVal val="#ppt_y+.1"/>
-                                          </p:val>
-                                        </p:tav>
-                                        <p:tav tm="100000">
-                                          <p:val>
-                                            <p:strVal val="#ppt_y"/>
-                                          </p:val>
-                                        </p:tav>
-                                      </p:tavLst>
-                                    </p:anim>
-                                  </p:childTnLst>
-                                </p:cTn>
-                              </p:par>
-                            </p:childTnLst>
-                          </p:cTn>
-                        </p:par>
-                      </p:childTnLst>
-                    </p:cTn>
-                  </p:par>
-                  <p:par>
-                    <p:cTn id="10" fill="hold">
-                      <p:stCondLst>
-                        <p:cond delay="indefinite"/>
-                      </p:stCondLst>
-                      <p:childTnLst>
-                        <p:par>
-                          <p:cTn id="11" fill="hold">
-                            <p:stCondLst>
-                              <p:cond delay="0"/>
-                            </p:stCondLst>
-                            <p:childTnLst>
-                              <p:par>
-                                <p:cTn id="12" presetID="42" presetClass="entr" presetSubtype="0" fill="hold" nodeType="clickEffect">
-                                  <p:stCondLst>
-                                    <p:cond delay="0"/>
-                                  </p:stCondLst>
-                                  <p:childTnLst>
-                                    <p:set>
-                                      <p:cBhvr>
-                                        <p:cTn id="13" dur="1" fill="hold">
-                                          <p:stCondLst>
-                                            <p:cond delay="0"/>
-                                          </p:stCondLst>
-                                        </p:cTn>
-                                        <p:tgtEl>
-                                          <p:spTgt spid="3">
-                                            <p:txEl>
-                                              <p:pRg st="1" end="1"/>
-                                            </p:txEl>
-                                          </p:spTgt>
-                                        </p:tgtEl>
-                                        <p:attrNameLst>
-                                          <p:attrName>style.visibility</p:attrName>
-                                        </p:attrNameLst>
-                                      </p:cBhvr>
-                                      <p:to>
-                                        <p:strVal val="visible"/>
-                                      </p:to>
-                                    </p:set>
-                                    <p:animEffect transition="in" filter="fade">
-                                      <p:cBhvr>
-                                        <p:cTn id="14" dur="1000"/>
-                                        <p:tgtEl>
-                                          <p:spTgt spid="3">
-                                            <p:txEl>
-                                              <p:pRg st="1" end="1"/>
-                                            </p:txEl>
-                                          </p:spTgt>
-                                        </p:tgtEl>
-                                      </p:cBhvr>
-                                    </p:animEffect>
-                                    <p:anim calcmode="lin" valueType="num">
-                                      <p:cBhvr>
-                                        <p:cTn id="15" dur="1000" fill="hold"/>
-                                        <p:tgtEl>
-                                          <p:spTgt spid="3">
-                                            <p:txEl>
-                                              <p:pRg st="1" end="1"/>
-                                            </p:txEl>
-                                          </p:spTgt>
-                                        </p:tgtEl>
-                                        <p:attrNameLst>
-                                          <p:attrName>ppt_x</p:attrName>
-                                        </p:attrNameLst>
-                                      </p:cBhvr>
-                                      <p:tavLst>
-                                        <p:tav tm="0">
-                                          <p:val>
-                                            <p:strVal val="#ppt_x"/>
-                                          </p:val>
-                                        </p:tav>
-                                        <p:tav tm="100000">
-                                          <p:val>
-                                            <p:strVal val="#ppt_x"/>
-                                          </p:val>
-                                        </p:tav>
-                                      </p:tavLst>
-                                    </p:anim>
-                                    <p:anim calcmode="lin" valueType="num">
-                                      <p:cBhvr>
-                                        <p:cTn id="16" dur="1000" fill="hold"/>
-                                        <p:tgtEl>
-                                          <p:spTgt spid="3">
-                                            <p:txEl>
-                                              <p:pRg st="1" end="1"/>
-                                            </p:txEl>
-                                          </p:spTgt>
-                                        </p:tgtEl>
-                                        <p:attrNameLst>
-                                          <p:attrName>ppt_y</p:attrName>
-                                        </p:attrNameLst>
-                                      </p:cBhvr>
-                                      <p:tavLst>
-                                        <p:tav tm="0">
-                                          <p:val>
-                                            <p:strVal val="#ppt_y+.1"/>
-                                          </p:val>
-                                        </p:tav>
-                                        <p:tav tm="100000">
-                                          <p:val>
-                                            <p:strVal val="#ppt_y"/>
-                                          </p:val>
-                                        </p:tav>
-                                      </p:tavLst>
-                                    </p:anim>
-                                  </p:childTnLst>
-                                </p:cTn>
-                              </p:par>
-                            </p:childTnLst>
-                          </p:cTn>
-                        </p:par>
-                      </p:childTnLst>
-                    </p:cTn>
-                  </p:par>
-                  <p:par>
-                    <p:cTn id="17" fill="hold">
-                      <p:stCondLst>
-                        <p:cond delay="indefinite"/>
-                      </p:stCondLst>
-                      <p:childTnLst>
-                        <p:par>
-                          <p:cTn id="18" fill="hold">
-                            <p:stCondLst>
-                              <p:cond delay="0"/>
-                            </p:stCondLst>
-                            <p:childTnLst>
-                              <p:par>
-                                <p:cTn id="19" presetID="42" presetClass="entr" presetSubtype="0" fill="hold" nodeType="clickEffect">
-                                  <p:stCondLst>
-                                    <p:cond delay="0"/>
-                                  </p:stCondLst>
-                                  <p:childTnLst>
-                                    <p:set>
-                                      <p:cBhvr>
-                                        <p:cTn id="20" dur="1" fill="hold">
-                                          <p:stCondLst>
-                                            <p:cond delay="0"/>
-                                          </p:stCondLst>
-                                        </p:cTn>
-                                        <p:tgtEl>
-                                          <p:spTgt spid="3">
-                                            <p:txEl>
-                                              <p:pRg st="2" end="2"/>
-                                            </p:txEl>
-                                          </p:spTgt>
-                                        </p:tgtEl>
-                                        <p:attrNameLst>
-                                          <p:attrName>style.visibility</p:attrName>
-                                        </p:attrNameLst>
-                                      </p:cBhvr>
-                                      <p:to>
-                                        <p:strVal val="visible"/>
-                                      </p:to>
-                                    </p:set>
-                                    <p:animEffect transition="in" filter="fade">
-                                      <p:cBhvr>
-                                        <p:cTn id="21" dur="1000"/>
-                                        <p:tgtEl>
-                                          <p:spTgt spid="3">
-                                            <p:txEl>
-                                              <p:pRg st="2" end="2"/>
-                                            </p:txEl>
-                                          </p:spTgt>
-                                        </p:tgtEl>
-                                      </p:cBhvr>
-                                    </p:animEffect>
-                                    <p:anim calcmode="lin" valueType="num">
-                                      <p:cBhvr>
-                                        <p:cTn id="22" dur="1000" fill="hold"/>
-                                        <p:tgtEl>
-                                          <p:spTgt spid="3">
-                                            <p:txEl>
-                                              <p:pRg st="2" end="2"/>
-                                            </p:txEl>
-                                          </p:spTgt>
-                                        </p:tgtEl>
-                                        <p:attrNameLst>
-                                          <p:attrName>ppt_x</p:attrName>
-                                        </p:attrNameLst>
-                                      </p:cBhvr>
-                                      <p:tavLst>
-                                        <p:tav tm="0">
-                                          <p:val>
-                                            <p:strVal val="#ppt_x"/>
-                                          </p:val>
-                                        </p:tav>
-                                        <p:tav tm="100000">
-                                          <p:val>
-                                            <p:strVal val="#ppt_x"/>
-                                          </p:val>
-                                        </p:tav>
-                                      </p:tavLst>
-                                    </p:anim>
-                                    <p:anim calcmode="lin" valueType="num">
-                                      <p:cBhvr>
-                                        <p:cTn id="23" dur="1000" fill="hold"/>
-                                        <p:tgtEl>
-                                          <p:spTgt spid="3">
-                                            <p:txEl>
-                                              <p:pRg st="2" end="2"/>
-                                            </p:txEl>
-                                          </p:spTgt>
-                                        </p:tgtEl>
-                                        <p:attrNameLst>
-                                          <p:attrName>ppt_y</p:attrName>
-                                        </p:attrNameLst>
-                                      </p:cBhvr>
-                                      <p:tavLst>
-                                        <p:tav tm="0">
-                                          <p:val>
-                                            <p:strVal val="#ppt_y+.1"/>
-                                          </p:val>
-                                        </p:tav>
-                                        <p:tav tm="100000">
-                                          <p:val>
-                                            <p:strVal val="#ppt_y"/>
-                                          </p:val>
-                                        </p:tav>
-                                      </p:tavLst>
-                                    </p:anim>
-                                  </p:childTnLst>
-                                </p:cTn>
-                              </p:par>
-                              <p:par>
-                                <p:cTn id="24" presetID="42" presetClass="entr" presetSubtype="0" fill="hold" nodeType="withEffect">
-                                  <p:stCondLst>
-                                    <p:cond delay="0"/>
-                                  </p:stCondLst>
-                                  <p:childTnLst>
-                                    <p:set>
-                                      <p:cBhvr>
-                                        <p:cTn id="25" dur="1" fill="hold">
-                                          <p:stCondLst>
-                                            <p:cond delay="0"/>
-                                          </p:stCondLst>
-                                        </p:cTn>
-                                        <p:tgtEl>
-                                          <p:spTgt spid="3">
-                                            <p:txEl>
-                                              <p:pRg st="3" end="3"/>
-                                            </p:txEl>
-                                          </p:spTgt>
-                                        </p:tgtEl>
-                                        <p:attrNameLst>
-                                          <p:attrName>style.visibility</p:attrName>
-                                        </p:attrNameLst>
-                                      </p:cBhvr>
-                                      <p:to>
-                                        <p:strVal val="visible"/>
-                                      </p:to>
-                                    </p:set>
-                                    <p:animEffect transition="in" filter="fade">
-                                      <p:cBhvr>
-                                        <p:cTn id="26" dur="1000"/>
-                                        <p:tgtEl>
-                                          <p:spTgt spid="3">
-                                            <p:txEl>
-                                              <p:pRg st="3" end="3"/>
-                                            </p:txEl>
-                                          </p:spTgt>
-                                        </p:tgtEl>
-                                      </p:cBhvr>
-                                    </p:animEffect>
-                                    <p:anim calcmode="lin" valueType="num">
-                                      <p:cBhvr>
-                                        <p:cTn id="27" dur="1000" fill="hold"/>
-                                        <p:tgtEl>
-                                          <p:spTgt spid="3">
-                                            <p:txEl>
-                                              <p:pRg st="3" end="3"/>
-                                            </p:txEl>
-                                          </p:spTgt>
-                                        </p:tgtEl>
-                                        <p:attrNameLst>
-                                          <p:attrName>ppt_x</p:attrName>
-                                        </p:attrNameLst>
-                                      </p:cBhvr>
-                                      <p:tavLst>
-                                        <p:tav tm="0">
-                                          <p:val>
-                                            <p:strVal val="#ppt_x"/>
-                                          </p:val>
-                                        </p:tav>
-                                        <p:tav tm="100000">
-                                          <p:val>
-                                            <p:strVal val="#ppt_x"/>
-                                          </p:val>
-                                        </p:tav>
-                                      </p:tavLst>
-                                    </p:anim>
-                                    <p:anim calcmode="lin" valueType="num">
-                                      <p:cBhvr>
-                                        <p:cTn id="28" dur="1000" fill="hold"/>
-                                        <p:tgtEl>
-                                          <p:spTgt spid="3">
-                                            <p:txEl>
-                                              <p:pRg st="3" end="3"/>
-                                            </p:txEl>
-                                          </p:spTgt>
-                                        </p:tgtEl>
-                                        <p:attrNameLst>
-                                          <p:attrName>ppt_y</p:attrName>
-                                        </p:attrNameLst>
-                                      </p:cBhvr>
-                                      <p:tavLst>
-                                        <p:tav tm="0">
-                                          <p:val>
-                                            <p:strVal val="#ppt_y+.1"/>
-                                          </p:val>
-                                        </p:tav>
-                                        <p:tav tm="100000">
-                                          <p:val>
-                                            <p:strVal val="#ppt_y"/>
-                                          </p:val>
-                                        </p:tav>
-                                      </p:tavLst>
-                                    </p:anim>
-                                  </p:childTnLst>
-                                </p:cTn>
-                              </p:par>
-                            </p:childTnLst>
-                          </p:cTn>
-                        </p:par>
-                      </p:childTnLst>
-                    </p:cTn>
-                  </p:par>
-                  <p:par>
-                    <p:cTn id="29" fill="hold">
-                      <p:stCondLst>
-                        <p:cond delay="indefinite"/>
-                      </p:stCondLst>
-                      <p:childTnLst>
-                        <p:par>
-                          <p:cTn id="30" fill="hold">
-                            <p:stCondLst>
-                              <p:cond delay="0"/>
-                            </p:stCondLst>
-                            <p:childTnLst>
-                              <p:par>
-                                <p:cTn id="31" presetID="2" presetClass="entr" presetSubtype="4" fill="hold" nodeType="clickEffect">
-                                  <p:stCondLst>
-                                    <p:cond delay="0"/>
-                                  </p:stCondLst>
-                                  <p:childTnLst>
-                                    <p:set>
-                                      <p:cBhvr>
-                                        <p:cTn id="32" dur="1" fill="hold">
-                                          <p:stCondLst>
-                                            <p:cond delay="0"/>
-                                          </p:stCondLst>
-                                        </p:cTn>
-                                        <p:tgtEl>
-                                          <p:spTgt spid="3">
-                                            <p:txEl>
-                                              <p:pRg st="4" end="4"/>
-                                            </p:txEl>
-                                          </p:spTgt>
-                                        </p:tgtEl>
-                                        <p:attrNameLst>
-                                          <p:attrName>style.visibility</p:attrName>
-                                        </p:attrNameLst>
-                                      </p:cBhvr>
-                                      <p:to>
-                                        <p:strVal val="visible"/>
-                                      </p:to>
-                                    </p:set>
-                                    <p:anim calcmode="lin" valueType="num">
-                                      <p:cBhvr additive="base">
-                                        <p:cTn id="33" dur="500" fill="hold"/>
-                                        <p:tgtEl>
-                                          <p:spTgt spid="3">
-                                            <p:txEl>
-                                              <p:pRg st="4" end="4"/>
-                                            </p:txEl>
-                                          </p:spTgt>
-                                        </p:tgtEl>
-                                        <p:attrNameLst>
-                                          <p:attrName>ppt_x</p:attrName>
-                                        </p:attrNameLst>
-                                      </p:cBhvr>
-                                      <p:tavLst>
-                                        <p:tav tm="0">
-                                          <p:val>
-                                            <p:strVal val="#ppt_x"/>
-                                          </p:val>
-                                        </p:tav>
-                                        <p:tav tm="100000">
-                                          <p:val>
-                                            <p:strVal val="#ppt_x"/>
-                                          </p:val>
-                                        </p:tav>
-                                      </p:tavLst>
-                                    </p:anim>
-                                    <p:anim calcmode="lin" valueType="num">
-                                      <p:cBhvr additive="base">
-                                        <p:cTn id="34" dur="500" fill="hold"/>
-                                        <p:tgtEl>
-                                          <p:spTgt spid="3">
-                                            <p:txEl>
-                                              <p:pRg st="4" end="4"/>
-                                            </p:txEl>
-                                          </p:spTgt>
-                                        </p:tgtEl>
-                                        <p:attrNameLst>
-                                          <p:attrName>ppt_y</p:attrName>
-                                        </p:attrNameLst>
-                                      </p:cBhvr>
-                                      <p:tavLst>
-                                        <p:tav tm="0">
-                                          <p:val>
-                                            <p:strVal val="1+#ppt_h/2"/>
-                                          </p:val>
-                                        </p:tav>
-                                        <p:tav tm="100000">
-                                          <p:val>
-                                            <p:strVal val="#ppt_y"/>
-                                          </p:val>
-                                        </p:tav>
-                                      </p:tavLst>
-                                    </p:anim>
-                                  </p:childTnLst>
-                                </p:cTn>
-                              </p:par>
-                            </p:childTnLst>
-                          </p:cTn>
-                        </p:par>
-                      </p:childTnLst>
-                    </p:cTn>
-                  </p:par>
-                </p:childTnLst>
-              </p:cTn>
-              <p:prevCondLst>
-                <p:cond evt="onPrev" delay="0">
-                  <p:tgtEl>
-                    <p:sldTgt/>
-                  </p:tgtEl>
-                </p:cond>
-              </p:prevCondLst>
-              <p:nextCondLst>
-                <p:cond evt="onNext" delay="0">
-                  <p:tgtEl>
-                    <p:sldTgt/>
-                  </p:tgtEl>
-                </p:cond>
-              </p:nextCondLst>
-            </p:seq>
-          </p:childTnLst>
-        </p:cTn>
+        <p:cTn id="1" dur="indefinite" restart="never" nodeType="tmRoot"/>
       </p:par>
     </p:tnLst>
   </p:timing>
@@ -14400,490 +12866,7 @@
   <p:timing>
     <p:tnLst>
       <p:par>
-        <p:cTn id="1" dur="indefinite" restart="never" nodeType="tmRoot">
-          <p:childTnLst>
-            <p:seq concurrent="1" nextAc="seek">
-              <p:cTn id="2" dur="indefinite" nodeType="mainSeq">
-                <p:childTnLst>
-                  <p:par>
-                    <p:cTn id="3" fill="hold">
-                      <p:stCondLst>
-                        <p:cond delay="indefinite"/>
-                      </p:stCondLst>
-                      <p:childTnLst>
-                        <p:par>
-                          <p:cTn id="4" fill="hold">
-                            <p:stCondLst>
-                              <p:cond delay="0"/>
-                            </p:stCondLst>
-                            <p:childTnLst>
-                              <p:par>
-                                <p:cTn id="5" presetID="42" presetClass="entr" presetSubtype="0" fill="hold" nodeType="clickEffect">
-                                  <p:stCondLst>
-                                    <p:cond delay="0"/>
-                                  </p:stCondLst>
-                                  <p:childTnLst>
-                                    <p:set>
-                                      <p:cBhvr>
-                                        <p:cTn id="6" dur="1" fill="hold">
-                                          <p:stCondLst>
-                                            <p:cond delay="0"/>
-                                          </p:stCondLst>
-                                        </p:cTn>
-                                        <p:tgtEl>
-                                          <p:spTgt spid="3">
-                                            <p:txEl>
-                                              <p:pRg st="1" end="1"/>
-                                            </p:txEl>
-                                          </p:spTgt>
-                                        </p:tgtEl>
-                                        <p:attrNameLst>
-                                          <p:attrName>style.visibility</p:attrName>
-                                        </p:attrNameLst>
-                                      </p:cBhvr>
-                                      <p:to>
-                                        <p:strVal val="visible"/>
-                                      </p:to>
-                                    </p:set>
-                                    <p:animEffect transition="in" filter="fade">
-                                      <p:cBhvr>
-                                        <p:cTn id="7" dur="1000"/>
-                                        <p:tgtEl>
-                                          <p:spTgt spid="3">
-                                            <p:txEl>
-                                              <p:pRg st="1" end="1"/>
-                                            </p:txEl>
-                                          </p:spTgt>
-                                        </p:tgtEl>
-                                      </p:cBhvr>
-                                    </p:animEffect>
-                                    <p:anim calcmode="lin" valueType="num">
-                                      <p:cBhvr>
-                                        <p:cTn id="8" dur="1000" fill="hold"/>
-                                        <p:tgtEl>
-                                          <p:spTgt spid="3">
-                                            <p:txEl>
-                                              <p:pRg st="1" end="1"/>
-                                            </p:txEl>
-                                          </p:spTgt>
-                                        </p:tgtEl>
-                                        <p:attrNameLst>
-                                          <p:attrName>ppt_x</p:attrName>
-                                        </p:attrNameLst>
-                                      </p:cBhvr>
-                                      <p:tavLst>
-                                        <p:tav tm="0">
-                                          <p:val>
-                                            <p:strVal val="#ppt_x"/>
-                                          </p:val>
-                                        </p:tav>
-                                        <p:tav tm="100000">
-                                          <p:val>
-                                            <p:strVal val="#ppt_x"/>
-                                          </p:val>
-                                        </p:tav>
-                                      </p:tavLst>
-                                    </p:anim>
-                                    <p:anim calcmode="lin" valueType="num">
-                                      <p:cBhvr>
-                                        <p:cTn id="9" dur="1000" fill="hold"/>
-                                        <p:tgtEl>
-                                          <p:spTgt spid="3">
-                                            <p:txEl>
-                                              <p:pRg st="1" end="1"/>
-                                            </p:txEl>
-                                          </p:spTgt>
-                                        </p:tgtEl>
-                                        <p:attrNameLst>
-                                          <p:attrName>ppt_y</p:attrName>
-                                        </p:attrNameLst>
-                                      </p:cBhvr>
-                                      <p:tavLst>
-                                        <p:tav tm="0">
-                                          <p:val>
-                                            <p:strVal val="#ppt_y+.1"/>
-                                          </p:val>
-                                        </p:tav>
-                                        <p:tav tm="100000">
-                                          <p:val>
-                                            <p:strVal val="#ppt_y"/>
-                                          </p:val>
-                                        </p:tav>
-                                      </p:tavLst>
-                                    </p:anim>
-                                  </p:childTnLst>
-                                </p:cTn>
-                              </p:par>
-                            </p:childTnLst>
-                          </p:cTn>
-                        </p:par>
-                      </p:childTnLst>
-                    </p:cTn>
-                  </p:par>
-                  <p:par>
-                    <p:cTn id="10" fill="hold">
-                      <p:stCondLst>
-                        <p:cond delay="indefinite"/>
-                      </p:stCondLst>
-                      <p:childTnLst>
-                        <p:par>
-                          <p:cTn id="11" fill="hold">
-                            <p:stCondLst>
-                              <p:cond delay="0"/>
-                            </p:stCondLst>
-                            <p:childTnLst>
-                              <p:par>
-                                <p:cTn id="12" presetID="42" presetClass="entr" presetSubtype="0" fill="hold" nodeType="clickEffect">
-                                  <p:stCondLst>
-                                    <p:cond delay="0"/>
-                                  </p:stCondLst>
-                                  <p:childTnLst>
-                                    <p:set>
-                                      <p:cBhvr>
-                                        <p:cTn id="13" dur="1" fill="hold">
-                                          <p:stCondLst>
-                                            <p:cond delay="0"/>
-                                          </p:stCondLst>
-                                        </p:cTn>
-                                        <p:tgtEl>
-                                          <p:spTgt spid="3">
-                                            <p:txEl>
-                                              <p:pRg st="2" end="2"/>
-                                            </p:txEl>
-                                          </p:spTgt>
-                                        </p:tgtEl>
-                                        <p:attrNameLst>
-                                          <p:attrName>style.visibility</p:attrName>
-                                        </p:attrNameLst>
-                                      </p:cBhvr>
-                                      <p:to>
-                                        <p:strVal val="visible"/>
-                                      </p:to>
-                                    </p:set>
-                                    <p:animEffect transition="in" filter="fade">
-                                      <p:cBhvr>
-                                        <p:cTn id="14" dur="1000"/>
-                                        <p:tgtEl>
-                                          <p:spTgt spid="3">
-                                            <p:txEl>
-                                              <p:pRg st="2" end="2"/>
-                                            </p:txEl>
-                                          </p:spTgt>
-                                        </p:tgtEl>
-                                      </p:cBhvr>
-                                    </p:animEffect>
-                                    <p:anim calcmode="lin" valueType="num">
-                                      <p:cBhvr>
-                                        <p:cTn id="15" dur="1000" fill="hold"/>
-                                        <p:tgtEl>
-                                          <p:spTgt spid="3">
-                                            <p:txEl>
-                                              <p:pRg st="2" end="2"/>
-                                            </p:txEl>
-                                          </p:spTgt>
-                                        </p:tgtEl>
-                                        <p:attrNameLst>
-                                          <p:attrName>ppt_x</p:attrName>
-                                        </p:attrNameLst>
-                                      </p:cBhvr>
-                                      <p:tavLst>
-                                        <p:tav tm="0">
-                                          <p:val>
-                                            <p:strVal val="#ppt_x"/>
-                                          </p:val>
-                                        </p:tav>
-                                        <p:tav tm="100000">
-                                          <p:val>
-                                            <p:strVal val="#ppt_x"/>
-                                          </p:val>
-                                        </p:tav>
-                                      </p:tavLst>
-                                    </p:anim>
-                                    <p:anim calcmode="lin" valueType="num">
-                                      <p:cBhvr>
-                                        <p:cTn id="16" dur="1000" fill="hold"/>
-                                        <p:tgtEl>
-                                          <p:spTgt spid="3">
-                                            <p:txEl>
-                                              <p:pRg st="2" end="2"/>
-                                            </p:txEl>
-                                          </p:spTgt>
-                                        </p:tgtEl>
-                                        <p:attrNameLst>
-                                          <p:attrName>ppt_y</p:attrName>
-                                        </p:attrNameLst>
-                                      </p:cBhvr>
-                                      <p:tavLst>
-                                        <p:tav tm="0">
-                                          <p:val>
-                                            <p:strVal val="#ppt_y+.1"/>
-                                          </p:val>
-                                        </p:tav>
-                                        <p:tav tm="100000">
-                                          <p:val>
-                                            <p:strVal val="#ppt_y"/>
-                                          </p:val>
-                                        </p:tav>
-                                      </p:tavLst>
-                                    </p:anim>
-                                  </p:childTnLst>
-                                </p:cTn>
-                              </p:par>
-                            </p:childTnLst>
-                          </p:cTn>
-                        </p:par>
-                      </p:childTnLst>
-                    </p:cTn>
-                  </p:par>
-                  <p:par>
-                    <p:cTn id="17" fill="hold">
-                      <p:stCondLst>
-                        <p:cond delay="indefinite"/>
-                      </p:stCondLst>
-                      <p:childTnLst>
-                        <p:par>
-                          <p:cTn id="18" fill="hold">
-                            <p:stCondLst>
-                              <p:cond delay="0"/>
-                            </p:stCondLst>
-                            <p:childTnLst>
-                              <p:par>
-                                <p:cTn id="19" presetID="42" presetClass="entr" presetSubtype="0" fill="hold" nodeType="clickEffect">
-                                  <p:stCondLst>
-                                    <p:cond delay="0"/>
-                                  </p:stCondLst>
-                                  <p:childTnLst>
-                                    <p:set>
-                                      <p:cBhvr>
-                                        <p:cTn id="20" dur="1" fill="hold">
-                                          <p:stCondLst>
-                                            <p:cond delay="0"/>
-                                          </p:stCondLst>
-                                        </p:cTn>
-                                        <p:tgtEl>
-                                          <p:spTgt spid="3">
-                                            <p:txEl>
-                                              <p:pRg st="3" end="3"/>
-                                            </p:txEl>
-                                          </p:spTgt>
-                                        </p:tgtEl>
-                                        <p:attrNameLst>
-                                          <p:attrName>style.visibility</p:attrName>
-                                        </p:attrNameLst>
-                                      </p:cBhvr>
-                                      <p:to>
-                                        <p:strVal val="visible"/>
-                                      </p:to>
-                                    </p:set>
-                                    <p:animEffect transition="in" filter="fade">
-                                      <p:cBhvr>
-                                        <p:cTn id="21" dur="1000"/>
-                                        <p:tgtEl>
-                                          <p:spTgt spid="3">
-                                            <p:txEl>
-                                              <p:pRg st="3" end="3"/>
-                                            </p:txEl>
-                                          </p:spTgt>
-                                        </p:tgtEl>
-                                      </p:cBhvr>
-                                    </p:animEffect>
-                                    <p:anim calcmode="lin" valueType="num">
-                                      <p:cBhvr>
-                                        <p:cTn id="22" dur="1000" fill="hold"/>
-                                        <p:tgtEl>
-                                          <p:spTgt spid="3">
-                                            <p:txEl>
-                                              <p:pRg st="3" end="3"/>
-                                            </p:txEl>
-                                          </p:spTgt>
-                                        </p:tgtEl>
-                                        <p:attrNameLst>
-                                          <p:attrName>ppt_x</p:attrName>
-                                        </p:attrNameLst>
-                                      </p:cBhvr>
-                                      <p:tavLst>
-                                        <p:tav tm="0">
-                                          <p:val>
-                                            <p:strVal val="#ppt_x"/>
-                                          </p:val>
-                                        </p:tav>
-                                        <p:tav tm="100000">
-                                          <p:val>
-                                            <p:strVal val="#ppt_x"/>
-                                          </p:val>
-                                        </p:tav>
-                                      </p:tavLst>
-                                    </p:anim>
-                                    <p:anim calcmode="lin" valueType="num">
-                                      <p:cBhvr>
-                                        <p:cTn id="23" dur="1000" fill="hold"/>
-                                        <p:tgtEl>
-                                          <p:spTgt spid="3">
-                                            <p:txEl>
-                                              <p:pRg st="3" end="3"/>
-                                            </p:txEl>
-                                          </p:spTgt>
-                                        </p:tgtEl>
-                                        <p:attrNameLst>
-                                          <p:attrName>ppt_y</p:attrName>
-                                        </p:attrNameLst>
-                                      </p:cBhvr>
-                                      <p:tavLst>
-                                        <p:tav tm="0">
-                                          <p:val>
-                                            <p:strVal val="#ppt_y+.1"/>
-                                          </p:val>
-                                        </p:tav>
-                                        <p:tav tm="100000">
-                                          <p:val>
-                                            <p:strVal val="#ppt_y"/>
-                                          </p:val>
-                                        </p:tav>
-                                      </p:tavLst>
-                                    </p:anim>
-                                  </p:childTnLst>
-                                </p:cTn>
-                              </p:par>
-                            </p:childTnLst>
-                          </p:cTn>
-                        </p:par>
-                      </p:childTnLst>
-                    </p:cTn>
-                  </p:par>
-                  <p:par>
-                    <p:cTn id="24" fill="hold">
-                      <p:stCondLst>
-                        <p:cond delay="indefinite"/>
-                      </p:stCondLst>
-                      <p:childTnLst>
-                        <p:par>
-                          <p:cTn id="25" fill="hold">
-                            <p:stCondLst>
-                              <p:cond delay="0"/>
-                            </p:stCondLst>
-                            <p:childTnLst>
-                              <p:par>
-                                <p:cTn id="26" presetID="42" presetClass="entr" presetSubtype="0" fill="hold" nodeType="clickEffect">
-                                  <p:stCondLst>
-                                    <p:cond delay="0"/>
-                                  </p:stCondLst>
-                                  <p:childTnLst>
-                                    <p:set>
-                                      <p:cBhvr>
-                                        <p:cTn id="27" dur="1" fill="hold">
-                                          <p:stCondLst>
-                                            <p:cond delay="0"/>
-                                          </p:stCondLst>
-                                        </p:cTn>
-                                        <p:tgtEl>
-                                          <p:spTgt spid="3">
-                                            <p:txEl>
-                                              <p:pRg st="4" end="4"/>
-                                            </p:txEl>
-                                          </p:spTgt>
-                                        </p:tgtEl>
-                                        <p:attrNameLst>
-                                          <p:attrName>style.visibility</p:attrName>
-                                        </p:attrNameLst>
-                                      </p:cBhvr>
-                                      <p:to>
-                                        <p:strVal val="visible"/>
-                                      </p:to>
-                                    </p:set>
-                                    <p:animEffect transition="in" filter="fade">
-                                      <p:cBhvr>
-                                        <p:cTn id="28" dur="1000"/>
-                                        <p:tgtEl>
-                                          <p:spTgt spid="3">
-                                            <p:txEl>
-                                              <p:pRg st="4" end="4"/>
-                                            </p:txEl>
-                                          </p:spTgt>
-                                        </p:tgtEl>
-                                      </p:cBhvr>
-                                    </p:animEffect>
-                                    <p:anim calcmode="lin" valueType="num">
-                                      <p:cBhvr>
-                                        <p:cTn id="29" dur="1000" fill="hold"/>
-                                        <p:tgtEl>
-                                          <p:spTgt spid="3">
-                                            <p:txEl>
-                                              <p:pRg st="4" end="4"/>
-                                            </p:txEl>
-                                          </p:spTgt>
-                                        </p:tgtEl>
-                                        <p:attrNameLst>
-                                          <p:attrName>ppt_x</p:attrName>
-                                        </p:attrNameLst>
-                                      </p:cBhvr>
-                                      <p:tavLst>
-                                        <p:tav tm="0">
-                                          <p:val>
-                                            <p:strVal val="#ppt_x"/>
-                                          </p:val>
-                                        </p:tav>
-                                        <p:tav tm="100000">
-                                          <p:val>
-                                            <p:strVal val="#ppt_x"/>
-                                          </p:val>
-                                        </p:tav>
-                                      </p:tavLst>
-                                    </p:anim>
-                                    <p:anim calcmode="lin" valueType="num">
-                                      <p:cBhvr>
-                                        <p:cTn id="30" dur="1000" fill="hold"/>
-                                        <p:tgtEl>
-                                          <p:spTgt spid="3">
-                                            <p:txEl>
-                                              <p:pRg st="4" end="4"/>
-                                            </p:txEl>
-                                          </p:spTgt>
-                                        </p:tgtEl>
-                                        <p:attrNameLst>
-                                          <p:attrName>ppt_y</p:attrName>
-                                        </p:attrNameLst>
-                                      </p:cBhvr>
-                                      <p:tavLst>
-                                        <p:tav tm="0">
-                                          <p:val>
-                                            <p:strVal val="#ppt_y+.1"/>
-                                          </p:val>
-                                        </p:tav>
-                                        <p:tav tm="100000">
-                                          <p:val>
-                                            <p:strVal val="#ppt_y"/>
-                                          </p:val>
-                                        </p:tav>
-                                      </p:tavLst>
-                                    </p:anim>
-                                  </p:childTnLst>
-                                </p:cTn>
-                              </p:par>
-                            </p:childTnLst>
-                          </p:cTn>
-                        </p:par>
-                      </p:childTnLst>
-                    </p:cTn>
-                  </p:par>
-                </p:childTnLst>
-              </p:cTn>
-              <p:prevCondLst>
-                <p:cond evt="onPrev" delay="0">
-                  <p:tgtEl>
-                    <p:sldTgt/>
-                  </p:tgtEl>
-                </p:cond>
-              </p:prevCondLst>
-              <p:nextCondLst>
-                <p:cond evt="onNext" delay="0">
-                  <p:tgtEl>
-                    <p:sldTgt/>
-                  </p:tgtEl>
-                </p:cond>
-              </p:nextCondLst>
-            </p:seq>
-          </p:childTnLst>
-        </p:cTn>
+        <p:cTn id="1" dur="indefinite" restart="never" nodeType="tmRoot"/>
       </p:par>
     </p:tnLst>
   </p:timing>
@@ -15218,720 +13201,7 @@
   <p:timing>
     <p:tnLst>
       <p:par>
-        <p:cTn id="1" dur="indefinite" restart="never" nodeType="tmRoot">
-          <p:childTnLst>
-            <p:seq concurrent="1" nextAc="seek">
-              <p:cTn id="2" dur="indefinite" nodeType="mainSeq">
-                <p:childTnLst>
-                  <p:par>
-                    <p:cTn id="3" fill="hold">
-                      <p:stCondLst>
-                        <p:cond delay="indefinite"/>
-                      </p:stCondLst>
-                      <p:childTnLst>
-                        <p:par>
-                          <p:cTn id="4" fill="hold">
-                            <p:stCondLst>
-                              <p:cond delay="0"/>
-                            </p:stCondLst>
-                            <p:childTnLst>
-                              <p:par>
-                                <p:cTn id="5" presetID="42" presetClass="entr" presetSubtype="0" fill="hold" nodeType="clickEffect">
-                                  <p:stCondLst>
-                                    <p:cond delay="0"/>
-                                  </p:stCondLst>
-                                  <p:childTnLst>
-                                    <p:set>
-                                      <p:cBhvr>
-                                        <p:cTn id="6" dur="1" fill="hold">
-                                          <p:stCondLst>
-                                            <p:cond delay="0"/>
-                                          </p:stCondLst>
-                                        </p:cTn>
-                                        <p:tgtEl>
-                                          <p:spTgt spid="3">
-                                            <p:txEl>
-                                              <p:pRg st="0" end="0"/>
-                                            </p:txEl>
-                                          </p:spTgt>
-                                        </p:tgtEl>
-                                        <p:attrNameLst>
-                                          <p:attrName>style.visibility</p:attrName>
-                                        </p:attrNameLst>
-                                      </p:cBhvr>
-                                      <p:to>
-                                        <p:strVal val="visible"/>
-                                      </p:to>
-                                    </p:set>
-                                    <p:animEffect transition="in" filter="fade">
-                                      <p:cBhvr>
-                                        <p:cTn id="7" dur="1000"/>
-                                        <p:tgtEl>
-                                          <p:spTgt spid="3">
-                                            <p:txEl>
-                                              <p:pRg st="0" end="0"/>
-                                            </p:txEl>
-                                          </p:spTgt>
-                                        </p:tgtEl>
-                                      </p:cBhvr>
-                                    </p:animEffect>
-                                    <p:anim calcmode="lin" valueType="num">
-                                      <p:cBhvr>
-                                        <p:cTn id="8" dur="1000" fill="hold"/>
-                                        <p:tgtEl>
-                                          <p:spTgt spid="3">
-                                            <p:txEl>
-                                              <p:pRg st="0" end="0"/>
-                                            </p:txEl>
-                                          </p:spTgt>
-                                        </p:tgtEl>
-                                        <p:attrNameLst>
-                                          <p:attrName>ppt_x</p:attrName>
-                                        </p:attrNameLst>
-                                      </p:cBhvr>
-                                      <p:tavLst>
-                                        <p:tav tm="0">
-                                          <p:val>
-                                            <p:strVal val="#ppt_x"/>
-                                          </p:val>
-                                        </p:tav>
-                                        <p:tav tm="100000">
-                                          <p:val>
-                                            <p:strVal val="#ppt_x"/>
-                                          </p:val>
-                                        </p:tav>
-                                      </p:tavLst>
-                                    </p:anim>
-                                    <p:anim calcmode="lin" valueType="num">
-                                      <p:cBhvr>
-                                        <p:cTn id="9" dur="1000" fill="hold"/>
-                                        <p:tgtEl>
-                                          <p:spTgt spid="3">
-                                            <p:txEl>
-                                              <p:pRg st="0" end="0"/>
-                                            </p:txEl>
-                                          </p:spTgt>
-                                        </p:tgtEl>
-                                        <p:attrNameLst>
-                                          <p:attrName>ppt_y</p:attrName>
-                                        </p:attrNameLst>
-                                      </p:cBhvr>
-                                      <p:tavLst>
-                                        <p:tav tm="0">
-                                          <p:val>
-                                            <p:strVal val="#ppt_y+.1"/>
-                                          </p:val>
-                                        </p:tav>
-                                        <p:tav tm="100000">
-                                          <p:val>
-                                            <p:strVal val="#ppt_y"/>
-                                          </p:val>
-                                        </p:tav>
-                                      </p:tavLst>
-                                    </p:anim>
-                                  </p:childTnLst>
-                                </p:cTn>
-                              </p:par>
-                            </p:childTnLst>
-                          </p:cTn>
-                        </p:par>
-                      </p:childTnLst>
-                    </p:cTn>
-                  </p:par>
-                  <p:par>
-                    <p:cTn id="10" fill="hold">
-                      <p:stCondLst>
-                        <p:cond delay="indefinite"/>
-                      </p:stCondLst>
-                      <p:childTnLst>
-                        <p:par>
-                          <p:cTn id="11" fill="hold">
-                            <p:stCondLst>
-                              <p:cond delay="0"/>
-                            </p:stCondLst>
-                            <p:childTnLst>
-                              <p:par>
-                                <p:cTn id="12" presetID="42" presetClass="entr" presetSubtype="0" fill="hold" nodeType="clickEffect">
-                                  <p:stCondLst>
-                                    <p:cond delay="0"/>
-                                  </p:stCondLst>
-                                  <p:childTnLst>
-                                    <p:set>
-                                      <p:cBhvr>
-                                        <p:cTn id="13" dur="1" fill="hold">
-                                          <p:stCondLst>
-                                            <p:cond delay="0"/>
-                                          </p:stCondLst>
-                                        </p:cTn>
-                                        <p:tgtEl>
-                                          <p:spTgt spid="3">
-                                            <p:txEl>
-                                              <p:pRg st="1" end="1"/>
-                                            </p:txEl>
-                                          </p:spTgt>
-                                        </p:tgtEl>
-                                        <p:attrNameLst>
-                                          <p:attrName>style.visibility</p:attrName>
-                                        </p:attrNameLst>
-                                      </p:cBhvr>
-                                      <p:to>
-                                        <p:strVal val="visible"/>
-                                      </p:to>
-                                    </p:set>
-                                    <p:animEffect transition="in" filter="fade">
-                                      <p:cBhvr>
-                                        <p:cTn id="14" dur="1000"/>
-                                        <p:tgtEl>
-                                          <p:spTgt spid="3">
-                                            <p:txEl>
-                                              <p:pRg st="1" end="1"/>
-                                            </p:txEl>
-                                          </p:spTgt>
-                                        </p:tgtEl>
-                                      </p:cBhvr>
-                                    </p:animEffect>
-                                    <p:anim calcmode="lin" valueType="num">
-                                      <p:cBhvr>
-                                        <p:cTn id="15" dur="1000" fill="hold"/>
-                                        <p:tgtEl>
-                                          <p:spTgt spid="3">
-                                            <p:txEl>
-                                              <p:pRg st="1" end="1"/>
-                                            </p:txEl>
-                                          </p:spTgt>
-                                        </p:tgtEl>
-                                        <p:attrNameLst>
-                                          <p:attrName>ppt_x</p:attrName>
-                                        </p:attrNameLst>
-                                      </p:cBhvr>
-                                      <p:tavLst>
-                                        <p:tav tm="0">
-                                          <p:val>
-                                            <p:strVal val="#ppt_x"/>
-                                          </p:val>
-                                        </p:tav>
-                                        <p:tav tm="100000">
-                                          <p:val>
-                                            <p:strVal val="#ppt_x"/>
-                                          </p:val>
-                                        </p:tav>
-                                      </p:tavLst>
-                                    </p:anim>
-                                    <p:anim calcmode="lin" valueType="num">
-                                      <p:cBhvr>
-                                        <p:cTn id="16" dur="1000" fill="hold"/>
-                                        <p:tgtEl>
-                                          <p:spTgt spid="3">
-                                            <p:txEl>
-                                              <p:pRg st="1" end="1"/>
-                                            </p:txEl>
-                                          </p:spTgt>
-                                        </p:tgtEl>
-                                        <p:attrNameLst>
-                                          <p:attrName>ppt_y</p:attrName>
-                                        </p:attrNameLst>
-                                      </p:cBhvr>
-                                      <p:tavLst>
-                                        <p:tav tm="0">
-                                          <p:val>
-                                            <p:strVal val="#ppt_y+.1"/>
-                                          </p:val>
-                                        </p:tav>
-                                        <p:tav tm="100000">
-                                          <p:val>
-                                            <p:strVal val="#ppt_y"/>
-                                          </p:val>
-                                        </p:tav>
-                                      </p:tavLst>
-                                    </p:anim>
-                                  </p:childTnLst>
-                                </p:cTn>
-                              </p:par>
-                            </p:childTnLst>
-                          </p:cTn>
-                        </p:par>
-                      </p:childTnLst>
-                    </p:cTn>
-                  </p:par>
-                  <p:par>
-                    <p:cTn id="17" fill="hold">
-                      <p:stCondLst>
-                        <p:cond delay="indefinite"/>
-                      </p:stCondLst>
-                      <p:childTnLst>
-                        <p:par>
-                          <p:cTn id="18" fill="hold">
-                            <p:stCondLst>
-                              <p:cond delay="0"/>
-                            </p:stCondLst>
-                            <p:childTnLst>
-                              <p:par>
-                                <p:cTn id="19" presetID="42" presetClass="entr" presetSubtype="0" fill="hold" nodeType="clickEffect">
-                                  <p:stCondLst>
-                                    <p:cond delay="0"/>
-                                  </p:stCondLst>
-                                  <p:childTnLst>
-                                    <p:set>
-                                      <p:cBhvr>
-                                        <p:cTn id="20" dur="1" fill="hold">
-                                          <p:stCondLst>
-                                            <p:cond delay="0"/>
-                                          </p:stCondLst>
-                                        </p:cTn>
-                                        <p:tgtEl>
-                                          <p:spTgt spid="3">
-                                            <p:txEl>
-                                              <p:pRg st="2" end="2"/>
-                                            </p:txEl>
-                                          </p:spTgt>
-                                        </p:tgtEl>
-                                        <p:attrNameLst>
-                                          <p:attrName>style.visibility</p:attrName>
-                                        </p:attrNameLst>
-                                      </p:cBhvr>
-                                      <p:to>
-                                        <p:strVal val="visible"/>
-                                      </p:to>
-                                    </p:set>
-                                    <p:animEffect transition="in" filter="fade">
-                                      <p:cBhvr>
-                                        <p:cTn id="21" dur="1000"/>
-                                        <p:tgtEl>
-                                          <p:spTgt spid="3">
-                                            <p:txEl>
-                                              <p:pRg st="2" end="2"/>
-                                            </p:txEl>
-                                          </p:spTgt>
-                                        </p:tgtEl>
-                                      </p:cBhvr>
-                                    </p:animEffect>
-                                    <p:anim calcmode="lin" valueType="num">
-                                      <p:cBhvr>
-                                        <p:cTn id="22" dur="1000" fill="hold"/>
-                                        <p:tgtEl>
-                                          <p:spTgt spid="3">
-                                            <p:txEl>
-                                              <p:pRg st="2" end="2"/>
-                                            </p:txEl>
-                                          </p:spTgt>
-                                        </p:tgtEl>
-                                        <p:attrNameLst>
-                                          <p:attrName>ppt_x</p:attrName>
-                                        </p:attrNameLst>
-                                      </p:cBhvr>
-                                      <p:tavLst>
-                                        <p:tav tm="0">
-                                          <p:val>
-                                            <p:strVal val="#ppt_x"/>
-                                          </p:val>
-                                        </p:tav>
-                                        <p:tav tm="100000">
-                                          <p:val>
-                                            <p:strVal val="#ppt_x"/>
-                                          </p:val>
-                                        </p:tav>
-                                      </p:tavLst>
-                                    </p:anim>
-                                    <p:anim calcmode="lin" valueType="num">
-                                      <p:cBhvr>
-                                        <p:cTn id="23" dur="1000" fill="hold"/>
-                                        <p:tgtEl>
-                                          <p:spTgt spid="3">
-                                            <p:txEl>
-                                              <p:pRg st="2" end="2"/>
-                                            </p:txEl>
-                                          </p:spTgt>
-                                        </p:tgtEl>
-                                        <p:attrNameLst>
-                                          <p:attrName>ppt_y</p:attrName>
-                                        </p:attrNameLst>
-                                      </p:cBhvr>
-                                      <p:tavLst>
-                                        <p:tav tm="0">
-                                          <p:val>
-                                            <p:strVal val="#ppt_y+.1"/>
-                                          </p:val>
-                                        </p:tav>
-                                        <p:tav tm="100000">
-                                          <p:val>
-                                            <p:strVal val="#ppt_y"/>
-                                          </p:val>
-                                        </p:tav>
-                                      </p:tavLst>
-                                    </p:anim>
-                                  </p:childTnLst>
-                                </p:cTn>
-                              </p:par>
-                            </p:childTnLst>
-                          </p:cTn>
-                        </p:par>
-                      </p:childTnLst>
-                    </p:cTn>
-                  </p:par>
-                  <p:par>
-                    <p:cTn id="24" fill="hold">
-                      <p:stCondLst>
-                        <p:cond delay="indefinite"/>
-                      </p:stCondLst>
-                      <p:childTnLst>
-                        <p:par>
-                          <p:cTn id="25" fill="hold">
-                            <p:stCondLst>
-                              <p:cond delay="0"/>
-                            </p:stCondLst>
-                            <p:childTnLst>
-                              <p:par>
-                                <p:cTn id="26" presetID="42" presetClass="entr" presetSubtype="0" fill="hold" nodeType="clickEffect">
-                                  <p:stCondLst>
-                                    <p:cond delay="0"/>
-                                  </p:stCondLst>
-                                  <p:childTnLst>
-                                    <p:set>
-                                      <p:cBhvr>
-                                        <p:cTn id="27" dur="1" fill="hold">
-                                          <p:stCondLst>
-                                            <p:cond delay="0"/>
-                                          </p:stCondLst>
-                                        </p:cTn>
-                                        <p:tgtEl>
-                                          <p:spTgt spid="3">
-                                            <p:txEl>
-                                              <p:pRg st="3" end="3"/>
-                                            </p:txEl>
-                                          </p:spTgt>
-                                        </p:tgtEl>
-                                        <p:attrNameLst>
-                                          <p:attrName>style.visibility</p:attrName>
-                                        </p:attrNameLst>
-                                      </p:cBhvr>
-                                      <p:to>
-                                        <p:strVal val="visible"/>
-                                      </p:to>
-                                    </p:set>
-                                    <p:animEffect transition="in" filter="fade">
-                                      <p:cBhvr>
-                                        <p:cTn id="28" dur="1000"/>
-                                        <p:tgtEl>
-                                          <p:spTgt spid="3">
-                                            <p:txEl>
-                                              <p:pRg st="3" end="3"/>
-                                            </p:txEl>
-                                          </p:spTgt>
-                                        </p:tgtEl>
-                                      </p:cBhvr>
-                                    </p:animEffect>
-                                    <p:anim calcmode="lin" valueType="num">
-                                      <p:cBhvr>
-                                        <p:cTn id="29" dur="1000" fill="hold"/>
-                                        <p:tgtEl>
-                                          <p:spTgt spid="3">
-                                            <p:txEl>
-                                              <p:pRg st="3" end="3"/>
-                                            </p:txEl>
-                                          </p:spTgt>
-                                        </p:tgtEl>
-                                        <p:attrNameLst>
-                                          <p:attrName>ppt_x</p:attrName>
-                                        </p:attrNameLst>
-                                      </p:cBhvr>
-                                      <p:tavLst>
-                                        <p:tav tm="0">
-                                          <p:val>
-                                            <p:strVal val="#ppt_x"/>
-                                          </p:val>
-                                        </p:tav>
-                                        <p:tav tm="100000">
-                                          <p:val>
-                                            <p:strVal val="#ppt_x"/>
-                                          </p:val>
-                                        </p:tav>
-                                      </p:tavLst>
-                                    </p:anim>
-                                    <p:anim calcmode="lin" valueType="num">
-                                      <p:cBhvr>
-                                        <p:cTn id="30" dur="1000" fill="hold"/>
-                                        <p:tgtEl>
-                                          <p:spTgt spid="3">
-                                            <p:txEl>
-                                              <p:pRg st="3" end="3"/>
-                                            </p:txEl>
-                                          </p:spTgt>
-                                        </p:tgtEl>
-                                        <p:attrNameLst>
-                                          <p:attrName>ppt_y</p:attrName>
-                                        </p:attrNameLst>
-                                      </p:cBhvr>
-                                      <p:tavLst>
-                                        <p:tav tm="0">
-                                          <p:val>
-                                            <p:strVal val="#ppt_y+.1"/>
-                                          </p:val>
-                                        </p:tav>
-                                        <p:tav tm="100000">
-                                          <p:val>
-                                            <p:strVal val="#ppt_y"/>
-                                          </p:val>
-                                        </p:tav>
-                                      </p:tavLst>
-                                    </p:anim>
-                                  </p:childTnLst>
-                                </p:cTn>
-                              </p:par>
-                            </p:childTnLst>
-                          </p:cTn>
-                        </p:par>
-                      </p:childTnLst>
-                    </p:cTn>
-                  </p:par>
-                  <p:par>
-                    <p:cTn id="31" fill="hold">
-                      <p:stCondLst>
-                        <p:cond delay="indefinite"/>
-                      </p:stCondLst>
-                      <p:childTnLst>
-                        <p:par>
-                          <p:cTn id="32" fill="hold">
-                            <p:stCondLst>
-                              <p:cond delay="0"/>
-                            </p:stCondLst>
-                            <p:childTnLst>
-                              <p:par>
-                                <p:cTn id="33" presetID="42" presetClass="entr" presetSubtype="0" fill="hold" nodeType="clickEffect">
-                                  <p:stCondLst>
-                                    <p:cond delay="0"/>
-                                  </p:stCondLst>
-                                  <p:childTnLst>
-                                    <p:set>
-                                      <p:cBhvr>
-                                        <p:cTn id="34" dur="1" fill="hold">
-                                          <p:stCondLst>
-                                            <p:cond delay="0"/>
-                                          </p:stCondLst>
-                                        </p:cTn>
-                                        <p:tgtEl>
-                                          <p:spTgt spid="3">
-                                            <p:txEl>
-                                              <p:pRg st="4" end="4"/>
-                                            </p:txEl>
-                                          </p:spTgt>
-                                        </p:tgtEl>
-                                        <p:attrNameLst>
-                                          <p:attrName>style.visibility</p:attrName>
-                                        </p:attrNameLst>
-                                      </p:cBhvr>
-                                      <p:to>
-                                        <p:strVal val="visible"/>
-                                      </p:to>
-                                    </p:set>
-                                    <p:animEffect transition="in" filter="fade">
-                                      <p:cBhvr>
-                                        <p:cTn id="35" dur="1000"/>
-                                        <p:tgtEl>
-                                          <p:spTgt spid="3">
-                                            <p:txEl>
-                                              <p:pRg st="4" end="4"/>
-                                            </p:txEl>
-                                          </p:spTgt>
-                                        </p:tgtEl>
-                                      </p:cBhvr>
-                                    </p:animEffect>
-                                    <p:anim calcmode="lin" valueType="num">
-                                      <p:cBhvr>
-                                        <p:cTn id="36" dur="1000" fill="hold"/>
-                                        <p:tgtEl>
-                                          <p:spTgt spid="3">
-                                            <p:txEl>
-                                              <p:pRg st="4" end="4"/>
-                                            </p:txEl>
-                                          </p:spTgt>
-                                        </p:tgtEl>
-                                        <p:attrNameLst>
-                                          <p:attrName>ppt_x</p:attrName>
-                                        </p:attrNameLst>
-                                      </p:cBhvr>
-                                      <p:tavLst>
-                                        <p:tav tm="0">
-                                          <p:val>
-                                            <p:strVal val="#ppt_x"/>
-                                          </p:val>
-                                        </p:tav>
-                                        <p:tav tm="100000">
-                                          <p:val>
-                                            <p:strVal val="#ppt_x"/>
-                                          </p:val>
-                                        </p:tav>
-                                      </p:tavLst>
-                                    </p:anim>
-                                    <p:anim calcmode="lin" valueType="num">
-                                      <p:cBhvr>
-                                        <p:cTn id="37" dur="1000" fill="hold"/>
-                                        <p:tgtEl>
-                                          <p:spTgt spid="3">
-                                            <p:txEl>
-                                              <p:pRg st="4" end="4"/>
-                                            </p:txEl>
-                                          </p:spTgt>
-                                        </p:tgtEl>
-                                        <p:attrNameLst>
-                                          <p:attrName>ppt_y</p:attrName>
-                                        </p:attrNameLst>
-                                      </p:cBhvr>
-                                      <p:tavLst>
-                                        <p:tav tm="0">
-                                          <p:val>
-                                            <p:strVal val="#ppt_y+.1"/>
-                                          </p:val>
-                                        </p:tav>
-                                        <p:tav tm="100000">
-                                          <p:val>
-                                            <p:strVal val="#ppt_y"/>
-                                          </p:val>
-                                        </p:tav>
-                                      </p:tavLst>
-                                    </p:anim>
-                                  </p:childTnLst>
-                                </p:cTn>
-                              </p:par>
-                            </p:childTnLst>
-                          </p:cTn>
-                        </p:par>
-                      </p:childTnLst>
-                    </p:cTn>
-                  </p:par>
-                  <p:par>
-                    <p:cTn id="38" fill="hold">
-                      <p:stCondLst>
-                        <p:cond delay="indefinite"/>
-                      </p:stCondLst>
-                      <p:childTnLst>
-                        <p:par>
-                          <p:cTn id="39" fill="hold">
-                            <p:stCondLst>
-                              <p:cond delay="0"/>
-                            </p:stCondLst>
-                            <p:childTnLst>
-                              <p:par>
-                                <p:cTn id="40" presetID="42" presetClass="entr" presetSubtype="0" fill="hold" nodeType="clickEffect">
-                                  <p:stCondLst>
-                                    <p:cond delay="0"/>
-                                  </p:stCondLst>
-                                  <p:childTnLst>
-                                    <p:set>
-                                      <p:cBhvr>
-                                        <p:cTn id="41" dur="1" fill="hold">
-                                          <p:stCondLst>
-                                            <p:cond delay="0"/>
-                                          </p:stCondLst>
-                                        </p:cTn>
-                                        <p:tgtEl>
-                                          <p:spTgt spid="3">
-                                            <p:txEl>
-                                              <p:pRg st="5" end="5"/>
-                                            </p:txEl>
-                                          </p:spTgt>
-                                        </p:tgtEl>
-                                        <p:attrNameLst>
-                                          <p:attrName>style.visibility</p:attrName>
-                                        </p:attrNameLst>
-                                      </p:cBhvr>
-                                      <p:to>
-                                        <p:strVal val="visible"/>
-                                      </p:to>
-                                    </p:set>
-                                    <p:animEffect transition="in" filter="fade">
-                                      <p:cBhvr>
-                                        <p:cTn id="42" dur="1000"/>
-                                        <p:tgtEl>
-                                          <p:spTgt spid="3">
-                                            <p:txEl>
-                                              <p:pRg st="5" end="5"/>
-                                            </p:txEl>
-                                          </p:spTgt>
-                                        </p:tgtEl>
-                                      </p:cBhvr>
-                                    </p:animEffect>
-                                    <p:anim calcmode="lin" valueType="num">
-                                      <p:cBhvr>
-                                        <p:cTn id="43" dur="1000" fill="hold"/>
-                                        <p:tgtEl>
-                                          <p:spTgt spid="3">
-                                            <p:txEl>
-                                              <p:pRg st="5" end="5"/>
-                                            </p:txEl>
-                                          </p:spTgt>
-                                        </p:tgtEl>
-                                        <p:attrNameLst>
-                                          <p:attrName>ppt_x</p:attrName>
-                                        </p:attrNameLst>
-                                      </p:cBhvr>
-                                      <p:tavLst>
-                                        <p:tav tm="0">
-                                          <p:val>
-                                            <p:strVal val="#ppt_x"/>
-                                          </p:val>
-                                        </p:tav>
-                                        <p:tav tm="100000">
-                                          <p:val>
-                                            <p:strVal val="#ppt_x"/>
-                                          </p:val>
-                                        </p:tav>
-                                      </p:tavLst>
-                                    </p:anim>
-                                    <p:anim calcmode="lin" valueType="num">
-                                      <p:cBhvr>
-                                        <p:cTn id="44" dur="1000" fill="hold"/>
-                                        <p:tgtEl>
-                                          <p:spTgt spid="3">
-                                            <p:txEl>
-                                              <p:pRg st="5" end="5"/>
-                                            </p:txEl>
-                                          </p:spTgt>
-                                        </p:tgtEl>
-                                        <p:attrNameLst>
-                                          <p:attrName>ppt_y</p:attrName>
-                                        </p:attrNameLst>
-                                      </p:cBhvr>
-                                      <p:tavLst>
-                                        <p:tav tm="0">
-                                          <p:val>
-                                            <p:strVal val="#ppt_y+.1"/>
-                                          </p:val>
-                                        </p:tav>
-                                        <p:tav tm="100000">
-                                          <p:val>
-                                            <p:strVal val="#ppt_y"/>
-                                          </p:val>
-                                        </p:tav>
-                                      </p:tavLst>
-                                    </p:anim>
-                                  </p:childTnLst>
-                                </p:cTn>
-                              </p:par>
-                            </p:childTnLst>
-                          </p:cTn>
-                        </p:par>
-                      </p:childTnLst>
-                    </p:cTn>
-                  </p:par>
-                </p:childTnLst>
-              </p:cTn>
-              <p:prevCondLst>
-                <p:cond evt="onPrev" delay="0">
-                  <p:tgtEl>
-                    <p:sldTgt/>
-                  </p:tgtEl>
-                </p:cond>
-              </p:prevCondLst>
-              <p:nextCondLst>
-                <p:cond evt="onNext" delay="0">
-                  <p:tgtEl>
-                    <p:sldTgt/>
-                  </p:tgtEl>
-                </p:cond>
-              </p:nextCondLst>
-            </p:seq>
-          </p:childTnLst>
-        </p:cTn>
+        <p:cTn id="1" dur="indefinite" restart="never" nodeType="tmRoot"/>
       </p:par>
     </p:tnLst>
   </p:timing>
